--- a/FIANL.pptx
+++ b/FIANL.pptx
@@ -5,7 +5,7 @@
     <p:sldMasterId id="2147483648" r:id="rId1"/>
   </p:sldMasterIdLst>
   <p:notesMasterIdLst>
-    <p:notesMasterId r:id="rId59"/>
+    <p:notesMasterId r:id="rId60"/>
   </p:notesMasterIdLst>
   <p:sldIdLst>
     <p:sldId id="256" r:id="rId2"/>
@@ -19,52 +19,53 @@
     <p:sldId id="266" r:id="rId10"/>
     <p:sldId id="267" r:id="rId11"/>
     <p:sldId id="268" r:id="rId12"/>
-    <p:sldId id="269" r:id="rId13"/>
-    <p:sldId id="270" r:id="rId14"/>
-    <p:sldId id="271" r:id="rId15"/>
-    <p:sldId id="274" r:id="rId16"/>
-    <p:sldId id="282" r:id="rId17"/>
-    <p:sldId id="284" r:id="rId18"/>
-    <p:sldId id="285" r:id="rId19"/>
-    <p:sldId id="275" r:id="rId20"/>
-    <p:sldId id="277" r:id="rId21"/>
-    <p:sldId id="286" r:id="rId22"/>
-    <p:sldId id="280" r:id="rId23"/>
-    <p:sldId id="278" r:id="rId24"/>
-    <p:sldId id="281" r:id="rId25"/>
-    <p:sldId id="288" r:id="rId26"/>
-    <p:sldId id="289" r:id="rId27"/>
-    <p:sldId id="291" r:id="rId28"/>
-    <p:sldId id="292" r:id="rId29"/>
-    <p:sldId id="294" r:id="rId30"/>
-    <p:sldId id="295" r:id="rId31"/>
-    <p:sldId id="297" r:id="rId32"/>
-    <p:sldId id="314" r:id="rId33"/>
-    <p:sldId id="317" r:id="rId34"/>
-    <p:sldId id="316" r:id="rId35"/>
-    <p:sldId id="320" r:id="rId36"/>
-    <p:sldId id="298" r:id="rId37"/>
-    <p:sldId id="299" r:id="rId38"/>
-    <p:sldId id="260" r:id="rId39"/>
-    <p:sldId id="300" r:id="rId40"/>
-    <p:sldId id="301" r:id="rId41"/>
-    <p:sldId id="263" r:id="rId42"/>
-    <p:sldId id="302" r:id="rId43"/>
-    <p:sldId id="303" r:id="rId44"/>
-    <p:sldId id="304" r:id="rId45"/>
-    <p:sldId id="305" r:id="rId46"/>
-    <p:sldId id="306" r:id="rId47"/>
-    <p:sldId id="307" r:id="rId48"/>
-    <p:sldId id="308" r:id="rId49"/>
-    <p:sldId id="309" r:id="rId50"/>
-    <p:sldId id="272" r:id="rId51"/>
-    <p:sldId id="273" r:id="rId52"/>
-    <p:sldId id="310" r:id="rId53"/>
-    <p:sldId id="311" r:id="rId54"/>
-    <p:sldId id="276" r:id="rId55"/>
-    <p:sldId id="312" r:id="rId56"/>
-    <p:sldId id="313" r:id="rId57"/>
-    <p:sldId id="279" r:id="rId58"/>
+    <p:sldId id="322" r:id="rId13"/>
+    <p:sldId id="269" r:id="rId14"/>
+    <p:sldId id="270" r:id="rId15"/>
+    <p:sldId id="271" r:id="rId16"/>
+    <p:sldId id="274" r:id="rId17"/>
+    <p:sldId id="282" r:id="rId18"/>
+    <p:sldId id="284" r:id="rId19"/>
+    <p:sldId id="285" r:id="rId20"/>
+    <p:sldId id="275" r:id="rId21"/>
+    <p:sldId id="277" r:id="rId22"/>
+    <p:sldId id="286" r:id="rId23"/>
+    <p:sldId id="280" r:id="rId24"/>
+    <p:sldId id="278" r:id="rId25"/>
+    <p:sldId id="281" r:id="rId26"/>
+    <p:sldId id="288" r:id="rId27"/>
+    <p:sldId id="289" r:id="rId28"/>
+    <p:sldId id="291" r:id="rId29"/>
+    <p:sldId id="292" r:id="rId30"/>
+    <p:sldId id="294" r:id="rId31"/>
+    <p:sldId id="295" r:id="rId32"/>
+    <p:sldId id="297" r:id="rId33"/>
+    <p:sldId id="314" r:id="rId34"/>
+    <p:sldId id="317" r:id="rId35"/>
+    <p:sldId id="316" r:id="rId36"/>
+    <p:sldId id="320" r:id="rId37"/>
+    <p:sldId id="298" r:id="rId38"/>
+    <p:sldId id="299" r:id="rId39"/>
+    <p:sldId id="260" r:id="rId40"/>
+    <p:sldId id="300" r:id="rId41"/>
+    <p:sldId id="301" r:id="rId42"/>
+    <p:sldId id="263" r:id="rId43"/>
+    <p:sldId id="302" r:id="rId44"/>
+    <p:sldId id="303" r:id="rId45"/>
+    <p:sldId id="304" r:id="rId46"/>
+    <p:sldId id="305" r:id="rId47"/>
+    <p:sldId id="306" r:id="rId48"/>
+    <p:sldId id="307" r:id="rId49"/>
+    <p:sldId id="308" r:id="rId50"/>
+    <p:sldId id="309" r:id="rId51"/>
+    <p:sldId id="272" r:id="rId52"/>
+    <p:sldId id="273" r:id="rId53"/>
+    <p:sldId id="310" r:id="rId54"/>
+    <p:sldId id="311" r:id="rId55"/>
+    <p:sldId id="276" r:id="rId56"/>
+    <p:sldId id="312" r:id="rId57"/>
+    <p:sldId id="313" r:id="rId58"/>
+    <p:sldId id="279" r:id="rId59"/>
   </p:sldIdLst>
   <p:sldSz cx="12192000" cy="6858000"/>
   <p:notesSz cx="6858000" cy="9144000"/>
@@ -169,6 +170,888 @@
     </p:ext>
   </p:extLst>
 </p:presentation>
+</file>
+
+<file path=ppt/charts/chart1.xml><?xml version="1.0" encoding="utf-8"?>
+<c:chartSpace xmlns:c="http://schemas.openxmlformats.org/drawingml/2006/chart" xmlns:a="http://schemas.openxmlformats.org/drawingml/2006/main" xmlns:r="http://schemas.openxmlformats.org/officeDocument/2006/relationships" xmlns:c16r2="http://schemas.microsoft.com/office/drawing/2015/06/chart">
+  <c:date1904 val="0"/>
+  <c:lang val="ko-KR"/>
+  <c:roundedCorners val="0"/>
+  <mc:AlternateContent xmlns:mc="http://schemas.openxmlformats.org/markup-compatibility/2006">
+    <mc:Choice xmlns:c14="http://schemas.microsoft.com/office/drawing/2007/8/2/chart" Requires="c14">
+      <c14:style val="102"/>
+    </mc:Choice>
+    <mc:Fallback>
+      <c:style val="2"/>
+    </mc:Fallback>
+  </mc:AlternateContent>
+  <c:chart>
+    <c:autoTitleDeleted val="1"/>
+    <c:plotArea>
+      <c:layout>
+        <c:manualLayout>
+          <c:layoutTarget val="inner"/>
+          <c:xMode val="edge"/>
+          <c:yMode val="edge"/>
+          <c:x val="0.1255444663982932"/>
+          <c:y val="0"/>
+          <c:w val="0.76976996089368044"/>
+          <c:h val="0.93064956585238234"/>
+        </c:manualLayout>
+      </c:layout>
+      <c:pieChart>
+        <c:varyColors val="1"/>
+        <c:ser>
+          <c:idx val="0"/>
+          <c:order val="0"/>
+          <c:tx>
+            <c:strRef>
+              <c:f>Sheet1!$B$1</c:f>
+              <c:strCache>
+                <c:ptCount val="1"/>
+                <c:pt idx="0">
+                  <c:v>판매</c:v>
+                </c:pt>
+              </c:strCache>
+            </c:strRef>
+          </c:tx>
+          <c:dPt>
+            <c:idx val="0"/>
+            <c:bubble3D val="0"/>
+            <c:spPr>
+              <a:solidFill>
+                <a:schemeClr val="accent1"/>
+              </a:solidFill>
+              <a:ln w="19050">
+                <a:solidFill>
+                  <a:schemeClr val="lt1"/>
+                </a:solidFill>
+              </a:ln>
+              <a:effectLst/>
+            </c:spPr>
+          </c:dPt>
+          <c:dPt>
+            <c:idx val="1"/>
+            <c:bubble3D val="0"/>
+            <c:spPr>
+              <a:solidFill>
+                <a:schemeClr val="accent2"/>
+              </a:solidFill>
+              <a:ln w="19050">
+                <a:solidFill>
+                  <a:schemeClr val="lt1"/>
+                </a:solidFill>
+              </a:ln>
+              <a:effectLst/>
+            </c:spPr>
+          </c:dPt>
+          <c:dPt>
+            <c:idx val="2"/>
+            <c:bubble3D val="0"/>
+            <c:spPr>
+              <a:solidFill>
+                <a:schemeClr val="accent3"/>
+              </a:solidFill>
+              <a:ln w="19050">
+                <a:solidFill>
+                  <a:schemeClr val="lt1"/>
+                </a:solidFill>
+              </a:ln>
+              <a:effectLst/>
+            </c:spPr>
+          </c:dPt>
+          <c:dPt>
+            <c:idx val="3"/>
+            <c:bubble3D val="0"/>
+            <c:spPr>
+              <a:solidFill>
+                <a:schemeClr val="accent4"/>
+              </a:solidFill>
+              <a:ln w="19050">
+                <a:solidFill>
+                  <a:schemeClr val="lt1"/>
+                </a:solidFill>
+              </a:ln>
+              <a:effectLst/>
+            </c:spPr>
+          </c:dPt>
+          <c:dPt>
+            <c:idx val="4"/>
+            <c:bubble3D val="0"/>
+            <c:spPr>
+              <a:solidFill>
+                <a:schemeClr val="accent5"/>
+              </a:solidFill>
+              <a:ln w="19050">
+                <a:solidFill>
+                  <a:schemeClr val="lt1"/>
+                </a:solidFill>
+              </a:ln>
+              <a:effectLst/>
+            </c:spPr>
+          </c:dPt>
+          <c:dPt>
+            <c:idx val="5"/>
+            <c:bubble3D val="0"/>
+            <c:spPr>
+              <a:solidFill>
+                <a:schemeClr val="accent6"/>
+              </a:solidFill>
+              <a:ln w="19050">
+                <a:solidFill>
+                  <a:schemeClr val="lt1"/>
+                </a:solidFill>
+              </a:ln>
+              <a:effectLst/>
+            </c:spPr>
+          </c:dPt>
+          <c:dPt>
+            <c:idx val="6"/>
+            <c:bubble3D val="0"/>
+            <c:spPr>
+              <a:solidFill>
+                <a:schemeClr val="accent1">
+                  <a:lumMod val="60000"/>
+                </a:schemeClr>
+              </a:solidFill>
+              <a:ln w="19050">
+                <a:solidFill>
+                  <a:schemeClr val="lt1"/>
+                </a:solidFill>
+              </a:ln>
+              <a:effectLst/>
+            </c:spPr>
+          </c:dPt>
+          <c:cat>
+            <c:strRef>
+              <c:f>Sheet1!$A$2:$A$8</c:f>
+              <c:strCache>
+                <c:ptCount val="7"/>
+                <c:pt idx="0">
+                  <c:v>월</c:v>
+                </c:pt>
+                <c:pt idx="1">
+                  <c:v>화</c:v>
+                </c:pt>
+                <c:pt idx="2">
+                  <c:v>수</c:v>
+                </c:pt>
+                <c:pt idx="3">
+                  <c:v>목</c:v>
+                </c:pt>
+                <c:pt idx="4">
+                  <c:v>금</c:v>
+                </c:pt>
+                <c:pt idx="5">
+                  <c:v>토</c:v>
+                </c:pt>
+                <c:pt idx="6">
+                  <c:v>일</c:v>
+                </c:pt>
+              </c:strCache>
+            </c:strRef>
+          </c:cat>
+          <c:val>
+            <c:numRef>
+              <c:f>Sheet1!$B$2:$B$8</c:f>
+              <c:numCache>
+                <c:formatCode>General</c:formatCode>
+                <c:ptCount val="7"/>
+                <c:pt idx="0">
+                  <c:v>1</c:v>
+                </c:pt>
+                <c:pt idx="1">
+                  <c:v>1</c:v>
+                </c:pt>
+                <c:pt idx="2">
+                  <c:v>1</c:v>
+                </c:pt>
+                <c:pt idx="3">
+                  <c:v>1</c:v>
+                </c:pt>
+                <c:pt idx="4">
+                  <c:v>1</c:v>
+                </c:pt>
+                <c:pt idx="5">
+                  <c:v>1</c:v>
+                </c:pt>
+                <c:pt idx="6">
+                  <c:v>1</c:v>
+                </c:pt>
+              </c:numCache>
+            </c:numRef>
+          </c:val>
+          <c:extLst>
+            <c:ext xmlns:c16="http://schemas.microsoft.com/office/drawing/2014/chart" uri="{C3380CC4-5D6E-409C-BE32-E72D297353CC}">
+              <c16:uniqueId val="{00000000-DACC-9149-A312-78901DE2E504}"/>
+            </c:ext>
+          </c:extLst>
+        </c:ser>
+        <c:dLbls>
+          <c:showLegendKey val="0"/>
+          <c:showVal val="0"/>
+          <c:showCatName val="0"/>
+          <c:showSerName val="0"/>
+          <c:showPercent val="0"/>
+          <c:showBubbleSize val="0"/>
+          <c:showLeaderLines val="1"/>
+        </c:dLbls>
+        <c:firstSliceAng val="0"/>
+      </c:pieChart>
+      <c:spPr>
+        <a:noFill/>
+        <a:ln>
+          <a:noFill/>
+        </a:ln>
+        <a:effectLst/>
+      </c:spPr>
+    </c:plotArea>
+    <c:plotVisOnly val="1"/>
+    <c:dispBlanksAs val="gap"/>
+    <c:extLst>
+      <c:ext xmlns:c16r3="http://schemas.microsoft.com/office/drawing/2017/03/chart" uri="{56B9EC1D-385E-4148-901F-78D8002777C0}">
+        <c16r3:dataDisplayOptions16>
+          <c16r3:dispNaAsBlank val="1"/>
+        </c16r3:dataDisplayOptions16>
+      </c:ext>
+    </c:extLst>
+    <c:showDLblsOverMax val="0"/>
+  </c:chart>
+  <c:spPr>
+    <a:noFill/>
+    <a:ln>
+      <a:noFill/>
+    </a:ln>
+    <a:effectLst/>
+  </c:spPr>
+  <c:txPr>
+    <a:bodyPr/>
+    <a:lstStyle/>
+    <a:p>
+      <a:pPr>
+        <a:defRPr/>
+      </a:pPr>
+      <a:endParaRPr lang="ko-KR"/>
+    </a:p>
+  </c:txPr>
+  <c:externalData r:id="rId3">
+    <c:autoUpdate val="0"/>
+  </c:externalData>
+  <c:userShapes r:id="rId4"/>
+</c:chartSpace>
+</file>
+
+<file path=ppt/charts/colors1.xml><?xml version="1.0" encoding="utf-8"?>
+<cs:colorStyle xmlns:cs="http://schemas.microsoft.com/office/drawing/2012/chartStyle" xmlns:a="http://schemas.openxmlformats.org/drawingml/2006/main" meth="cycle" id="10">
+  <a:schemeClr val="accent1"/>
+  <a:schemeClr val="accent2"/>
+  <a:schemeClr val="accent3"/>
+  <a:schemeClr val="accent4"/>
+  <a:schemeClr val="accent5"/>
+  <a:schemeClr val="accent6"/>
+  <cs:variation/>
+  <cs:variation>
+    <a:lumMod val="60000"/>
+  </cs:variation>
+  <cs:variation>
+    <a:lumMod val="80000"/>
+    <a:lumOff val="20000"/>
+  </cs:variation>
+  <cs:variation>
+    <a:lumMod val="80000"/>
+  </cs:variation>
+  <cs:variation>
+    <a:lumMod val="60000"/>
+    <a:lumOff val="40000"/>
+  </cs:variation>
+  <cs:variation>
+    <a:lumMod val="50000"/>
+  </cs:variation>
+  <cs:variation>
+    <a:lumMod val="70000"/>
+    <a:lumOff val="30000"/>
+  </cs:variation>
+  <cs:variation>
+    <a:lumMod val="70000"/>
+  </cs:variation>
+  <cs:variation>
+    <a:lumMod val="50000"/>
+    <a:lumOff val="50000"/>
+  </cs:variation>
+</cs:colorStyle>
+</file>
+
+<file path=ppt/charts/style1.xml><?xml version="1.0" encoding="utf-8"?>
+<cs:chartStyle xmlns:cs="http://schemas.microsoft.com/office/drawing/2012/chartStyle" xmlns:a="http://schemas.openxmlformats.org/drawingml/2006/main" id="251">
+  <cs:axisTitle>
+    <cs:lnRef idx="0"/>
+    <cs:fillRef idx="0"/>
+    <cs:effectRef idx="0"/>
+    <cs:fontRef idx="minor">
+      <a:schemeClr val="tx1">
+        <a:lumMod val="65000"/>
+        <a:lumOff val="35000"/>
+      </a:schemeClr>
+    </cs:fontRef>
+    <cs:defRPr sz="1330" kern="1200"/>
+  </cs:axisTitle>
+  <cs:categoryAxis>
+    <cs:lnRef idx="0"/>
+    <cs:fillRef idx="0"/>
+    <cs:effectRef idx="0"/>
+    <cs:fontRef idx="minor">
+      <a:schemeClr val="tx1">
+        <a:lumMod val="65000"/>
+        <a:lumOff val="35000"/>
+      </a:schemeClr>
+    </cs:fontRef>
+    <cs:spPr>
+      <a:ln w="9525" cap="flat" cmpd="sng" algn="ctr">
+        <a:solidFill>
+          <a:schemeClr val="tx1">
+            <a:lumMod val="15000"/>
+            <a:lumOff val="85000"/>
+          </a:schemeClr>
+        </a:solidFill>
+        <a:round/>
+      </a:ln>
+    </cs:spPr>
+    <cs:defRPr sz="1197" kern="1200"/>
+  </cs:categoryAxis>
+  <cs:chartArea mods="allowNoFillOverride allowNoLineOverride">
+    <cs:lnRef idx="0"/>
+    <cs:fillRef idx="0"/>
+    <cs:effectRef idx="0"/>
+    <cs:fontRef idx="minor">
+      <a:schemeClr val="tx1"/>
+    </cs:fontRef>
+    <cs:spPr>
+      <a:solidFill>
+        <a:schemeClr val="bg1"/>
+      </a:solidFill>
+      <a:ln w="9525" cap="flat" cmpd="sng" algn="ctr">
+        <a:solidFill>
+          <a:schemeClr val="tx1">
+            <a:lumMod val="15000"/>
+            <a:lumOff val="85000"/>
+          </a:schemeClr>
+        </a:solidFill>
+        <a:round/>
+      </a:ln>
+    </cs:spPr>
+    <cs:defRPr sz="1197" kern="1200"/>
+  </cs:chartArea>
+  <cs:dataLabel>
+    <cs:lnRef idx="0"/>
+    <cs:fillRef idx="0"/>
+    <cs:effectRef idx="0"/>
+    <cs:fontRef idx="minor">
+      <a:schemeClr val="tx1">
+        <a:lumMod val="75000"/>
+        <a:lumOff val="25000"/>
+      </a:schemeClr>
+    </cs:fontRef>
+    <cs:defRPr sz="1197" kern="1200"/>
+  </cs:dataLabel>
+  <cs:dataLabelCallout>
+    <cs:lnRef idx="0"/>
+    <cs:fillRef idx="0"/>
+    <cs:effectRef idx="0"/>
+    <cs:fontRef idx="minor">
+      <a:schemeClr val="dk1">
+        <a:lumMod val="65000"/>
+        <a:lumOff val="35000"/>
+      </a:schemeClr>
+    </cs:fontRef>
+    <cs:spPr>
+      <a:solidFill>
+        <a:schemeClr val="lt1"/>
+      </a:solidFill>
+      <a:ln>
+        <a:solidFill>
+          <a:schemeClr val="dk1">
+            <a:lumMod val="25000"/>
+            <a:lumOff val="75000"/>
+          </a:schemeClr>
+        </a:solidFill>
+      </a:ln>
+    </cs:spPr>
+    <cs:defRPr sz="1197" kern="1200"/>
+    <cs:bodyPr rot="0" spcFirstLastPara="1" vertOverflow="clip" horzOverflow="clip" vert="horz" wrap="square" lIns="36576" tIns="18288" rIns="36576" bIns="18288" anchor="ctr" anchorCtr="1">
+      <a:spAutoFit/>
+    </cs:bodyPr>
+  </cs:dataLabelCallout>
+  <cs:dataPoint>
+    <cs:lnRef idx="0"/>
+    <cs:fillRef idx="1">
+      <cs:styleClr val="auto"/>
+    </cs:fillRef>
+    <cs:effectRef idx="0"/>
+    <cs:fontRef idx="minor">
+      <a:schemeClr val="tx1"/>
+    </cs:fontRef>
+    <cs:spPr>
+      <a:ln w="19050">
+        <a:solidFill>
+          <a:schemeClr val="lt1"/>
+        </a:solidFill>
+      </a:ln>
+    </cs:spPr>
+  </cs:dataPoint>
+  <cs:dataPoint3D>
+    <cs:lnRef idx="0"/>
+    <cs:fillRef idx="1">
+      <cs:styleClr val="auto"/>
+    </cs:fillRef>
+    <cs:effectRef idx="0"/>
+    <cs:fontRef idx="minor">
+      <a:schemeClr val="tx1"/>
+    </cs:fontRef>
+    <cs:spPr>
+      <a:ln w="25400">
+        <a:solidFill>
+          <a:schemeClr val="lt1"/>
+        </a:solidFill>
+      </a:ln>
+    </cs:spPr>
+  </cs:dataPoint3D>
+  <cs:dataPointLine>
+    <cs:lnRef idx="0">
+      <cs:styleClr val="auto"/>
+    </cs:lnRef>
+    <cs:fillRef idx="0"/>
+    <cs:effectRef idx="0"/>
+    <cs:fontRef idx="minor">
+      <a:schemeClr val="tx1"/>
+    </cs:fontRef>
+    <cs:spPr>
+      <a:ln w="28575" cap="rnd">
+        <a:solidFill>
+          <a:schemeClr val="phClr"/>
+        </a:solidFill>
+        <a:round/>
+      </a:ln>
+    </cs:spPr>
+  </cs:dataPointLine>
+  <cs:dataPointMarker>
+    <cs:lnRef idx="0">
+      <cs:styleClr val="auto"/>
+    </cs:lnRef>
+    <cs:fillRef idx="1">
+      <cs:styleClr val="auto"/>
+    </cs:fillRef>
+    <cs:effectRef idx="0"/>
+    <cs:fontRef idx="minor">
+      <a:schemeClr val="tx1"/>
+    </cs:fontRef>
+    <cs:spPr>
+      <a:ln w="9525">
+        <a:solidFill>
+          <a:schemeClr val="phClr"/>
+        </a:solidFill>
+      </a:ln>
+    </cs:spPr>
+  </cs:dataPointMarker>
+  <cs:dataPointMarkerLayout symbol="circle" size="5"/>
+  <cs:dataPointWireframe>
+    <cs:lnRef idx="0">
+      <cs:styleClr val="auto"/>
+    </cs:lnRef>
+    <cs:fillRef idx="0"/>
+    <cs:effectRef idx="0"/>
+    <cs:fontRef idx="minor">
+      <a:schemeClr val="tx1"/>
+    </cs:fontRef>
+    <cs:spPr>
+      <a:ln w="9525" cap="rnd">
+        <a:solidFill>
+          <a:schemeClr val="phClr"/>
+        </a:solidFill>
+        <a:round/>
+      </a:ln>
+    </cs:spPr>
+  </cs:dataPointWireframe>
+  <cs:dataTable>
+    <cs:lnRef idx="0"/>
+    <cs:fillRef idx="0"/>
+    <cs:effectRef idx="0"/>
+    <cs:fontRef idx="minor">
+      <a:schemeClr val="tx1">
+        <a:lumMod val="65000"/>
+        <a:lumOff val="35000"/>
+      </a:schemeClr>
+    </cs:fontRef>
+    <cs:spPr>
+      <a:noFill/>
+      <a:ln w="9525" cap="flat" cmpd="sng" algn="ctr">
+        <a:solidFill>
+          <a:schemeClr val="tx1">
+            <a:lumMod val="15000"/>
+            <a:lumOff val="85000"/>
+          </a:schemeClr>
+        </a:solidFill>
+        <a:round/>
+      </a:ln>
+    </cs:spPr>
+    <cs:defRPr sz="1197" kern="1200"/>
+  </cs:dataTable>
+  <cs:downBar>
+    <cs:lnRef idx="0"/>
+    <cs:fillRef idx="0"/>
+    <cs:effectRef idx="0"/>
+    <cs:fontRef idx="minor">
+      <a:schemeClr val="tx1"/>
+    </cs:fontRef>
+    <cs:spPr>
+      <a:solidFill>
+        <a:schemeClr val="dk1">
+          <a:lumMod val="75000"/>
+          <a:lumOff val="25000"/>
+        </a:schemeClr>
+      </a:solidFill>
+      <a:ln w="9525" cap="flat" cmpd="sng" algn="ctr">
+        <a:solidFill>
+          <a:schemeClr val="tx1">
+            <a:lumMod val="65000"/>
+            <a:lumOff val="35000"/>
+          </a:schemeClr>
+        </a:solidFill>
+        <a:round/>
+      </a:ln>
+    </cs:spPr>
+  </cs:downBar>
+  <cs:dropLine>
+    <cs:lnRef idx="0"/>
+    <cs:fillRef idx="0"/>
+    <cs:effectRef idx="0"/>
+    <cs:fontRef idx="minor">
+      <a:schemeClr val="tx1"/>
+    </cs:fontRef>
+    <cs:spPr>
+      <a:ln w="9525" cap="flat" cmpd="sng" algn="ctr">
+        <a:solidFill>
+          <a:schemeClr val="tx1">
+            <a:lumMod val="35000"/>
+            <a:lumOff val="65000"/>
+          </a:schemeClr>
+        </a:solidFill>
+        <a:round/>
+      </a:ln>
+    </cs:spPr>
+  </cs:dropLine>
+  <cs:errorBar>
+    <cs:lnRef idx="0"/>
+    <cs:fillRef idx="0"/>
+    <cs:effectRef idx="0"/>
+    <cs:fontRef idx="minor">
+      <a:schemeClr val="tx1"/>
+    </cs:fontRef>
+    <cs:spPr>
+      <a:ln w="9525" cap="flat" cmpd="sng" algn="ctr">
+        <a:solidFill>
+          <a:schemeClr val="tx1">
+            <a:lumMod val="65000"/>
+            <a:lumOff val="35000"/>
+          </a:schemeClr>
+        </a:solidFill>
+        <a:round/>
+      </a:ln>
+    </cs:spPr>
+  </cs:errorBar>
+  <cs:floor>
+    <cs:lnRef idx="0"/>
+    <cs:fillRef idx="0"/>
+    <cs:effectRef idx="0"/>
+    <cs:fontRef idx="minor">
+      <a:schemeClr val="tx1"/>
+    </cs:fontRef>
+    <cs:spPr>
+      <a:noFill/>
+      <a:ln>
+        <a:noFill/>
+      </a:ln>
+    </cs:spPr>
+  </cs:floor>
+  <cs:gridlineMajor>
+    <cs:lnRef idx="0"/>
+    <cs:fillRef idx="0"/>
+    <cs:effectRef idx="0"/>
+    <cs:fontRef idx="minor">
+      <a:schemeClr val="tx1"/>
+    </cs:fontRef>
+    <cs:spPr>
+      <a:ln w="9525" cap="flat" cmpd="sng" algn="ctr">
+        <a:solidFill>
+          <a:schemeClr val="tx1">
+            <a:lumMod val="15000"/>
+            <a:lumOff val="85000"/>
+          </a:schemeClr>
+        </a:solidFill>
+        <a:round/>
+      </a:ln>
+    </cs:spPr>
+  </cs:gridlineMajor>
+  <cs:gridlineMinor>
+    <cs:lnRef idx="0"/>
+    <cs:fillRef idx="0"/>
+    <cs:effectRef idx="0"/>
+    <cs:fontRef idx="minor">
+      <a:schemeClr val="tx1"/>
+    </cs:fontRef>
+    <cs:spPr>
+      <a:ln w="9525" cap="flat" cmpd="sng" algn="ctr">
+        <a:solidFill>
+          <a:schemeClr val="tx1">
+            <a:lumMod val="5000"/>
+            <a:lumOff val="95000"/>
+          </a:schemeClr>
+        </a:solidFill>
+        <a:round/>
+      </a:ln>
+    </cs:spPr>
+  </cs:gridlineMinor>
+  <cs:hiLoLine>
+    <cs:lnRef idx="0"/>
+    <cs:fillRef idx="0"/>
+    <cs:effectRef idx="0"/>
+    <cs:fontRef idx="minor">
+      <a:schemeClr val="tx1"/>
+    </cs:fontRef>
+    <cs:spPr>
+      <a:ln w="9525" cap="flat" cmpd="sng" algn="ctr">
+        <a:solidFill>
+          <a:schemeClr val="tx1">
+            <a:lumMod val="50000"/>
+            <a:lumOff val="50000"/>
+          </a:schemeClr>
+        </a:solidFill>
+        <a:round/>
+      </a:ln>
+    </cs:spPr>
+  </cs:hiLoLine>
+  <cs:leaderLine>
+    <cs:lnRef idx="0"/>
+    <cs:fillRef idx="0"/>
+    <cs:effectRef idx="0"/>
+    <cs:fontRef idx="minor">
+      <a:schemeClr val="tx1"/>
+    </cs:fontRef>
+    <cs:spPr>
+      <a:ln w="9525" cap="flat" cmpd="sng" algn="ctr">
+        <a:solidFill>
+          <a:schemeClr val="tx1">
+            <a:lumMod val="35000"/>
+            <a:lumOff val="65000"/>
+          </a:schemeClr>
+        </a:solidFill>
+        <a:round/>
+      </a:ln>
+    </cs:spPr>
+  </cs:leaderLine>
+  <cs:legend>
+    <cs:lnRef idx="0"/>
+    <cs:fillRef idx="0"/>
+    <cs:effectRef idx="0"/>
+    <cs:fontRef idx="minor">
+      <a:schemeClr val="tx1">
+        <a:lumMod val="65000"/>
+        <a:lumOff val="35000"/>
+      </a:schemeClr>
+    </cs:fontRef>
+    <cs:defRPr sz="1197" kern="1200"/>
+  </cs:legend>
+  <cs:plotArea mods="allowNoFillOverride allowNoLineOverride">
+    <cs:lnRef idx="0"/>
+    <cs:fillRef idx="0"/>
+    <cs:effectRef idx="0"/>
+    <cs:fontRef idx="minor">
+      <a:schemeClr val="tx1"/>
+    </cs:fontRef>
+  </cs:plotArea>
+  <cs:plotArea3D mods="allowNoFillOverride allowNoLineOverride">
+    <cs:lnRef idx="0"/>
+    <cs:fillRef idx="0"/>
+    <cs:effectRef idx="0"/>
+    <cs:fontRef idx="minor">
+      <a:schemeClr val="tx1"/>
+    </cs:fontRef>
+  </cs:plotArea3D>
+  <cs:seriesAxis>
+    <cs:lnRef idx="0"/>
+    <cs:fillRef idx="0"/>
+    <cs:effectRef idx="0"/>
+    <cs:fontRef idx="minor">
+      <a:schemeClr val="tx1">
+        <a:lumMod val="65000"/>
+        <a:lumOff val="35000"/>
+      </a:schemeClr>
+    </cs:fontRef>
+    <cs:defRPr sz="1197" kern="1200"/>
+  </cs:seriesAxis>
+  <cs:seriesLine>
+    <cs:lnRef idx="0"/>
+    <cs:fillRef idx="0"/>
+    <cs:effectRef idx="0"/>
+    <cs:fontRef idx="minor">
+      <a:schemeClr val="tx1"/>
+    </cs:fontRef>
+    <cs:spPr>
+      <a:ln w="9525" cap="flat" cmpd="sng" algn="ctr">
+        <a:solidFill>
+          <a:schemeClr val="tx1">
+            <a:lumMod val="35000"/>
+            <a:lumOff val="65000"/>
+          </a:schemeClr>
+        </a:solidFill>
+        <a:round/>
+      </a:ln>
+    </cs:spPr>
+  </cs:seriesLine>
+  <cs:title>
+    <cs:lnRef idx="0"/>
+    <cs:fillRef idx="0"/>
+    <cs:effectRef idx="0"/>
+    <cs:fontRef idx="minor">
+      <a:schemeClr val="tx1">
+        <a:lumMod val="65000"/>
+        <a:lumOff val="35000"/>
+      </a:schemeClr>
+    </cs:fontRef>
+    <cs:defRPr sz="1862" b="0" kern="1200" spc="0" baseline="0"/>
+  </cs:title>
+  <cs:trendline>
+    <cs:lnRef idx="0">
+      <cs:styleClr val="auto"/>
+    </cs:lnRef>
+    <cs:fillRef idx="0"/>
+    <cs:effectRef idx="0"/>
+    <cs:fontRef idx="minor">
+      <a:schemeClr val="tx1"/>
+    </cs:fontRef>
+    <cs:spPr>
+      <a:ln w="19050" cap="rnd">
+        <a:solidFill>
+          <a:schemeClr val="phClr"/>
+        </a:solidFill>
+        <a:prstDash val="sysDot"/>
+      </a:ln>
+    </cs:spPr>
+  </cs:trendline>
+  <cs:trendlineLabel>
+    <cs:lnRef idx="0"/>
+    <cs:fillRef idx="0"/>
+    <cs:effectRef idx="0"/>
+    <cs:fontRef idx="minor">
+      <a:schemeClr val="tx1">
+        <a:lumMod val="65000"/>
+        <a:lumOff val="35000"/>
+      </a:schemeClr>
+    </cs:fontRef>
+    <cs:defRPr sz="1197" kern="1200"/>
+  </cs:trendlineLabel>
+  <cs:upBar>
+    <cs:lnRef idx="0"/>
+    <cs:fillRef idx="0"/>
+    <cs:effectRef idx="0"/>
+    <cs:fontRef idx="minor">
+      <a:schemeClr val="tx1"/>
+    </cs:fontRef>
+    <cs:spPr>
+      <a:solidFill>
+        <a:schemeClr val="lt1"/>
+      </a:solidFill>
+      <a:ln w="9525" cap="flat" cmpd="sng" algn="ctr">
+        <a:solidFill>
+          <a:schemeClr val="tx1">
+            <a:lumMod val="65000"/>
+            <a:lumOff val="35000"/>
+          </a:schemeClr>
+        </a:solidFill>
+        <a:round/>
+      </a:ln>
+    </cs:spPr>
+  </cs:upBar>
+  <cs:valueAxis>
+    <cs:lnRef idx="0"/>
+    <cs:fillRef idx="0"/>
+    <cs:effectRef idx="0"/>
+    <cs:fontRef idx="minor">
+      <a:schemeClr val="tx1">
+        <a:lumMod val="65000"/>
+        <a:lumOff val="35000"/>
+      </a:schemeClr>
+    </cs:fontRef>
+    <cs:defRPr sz="1197" kern="1200"/>
+  </cs:valueAxis>
+  <cs:wall>
+    <cs:lnRef idx="0"/>
+    <cs:fillRef idx="0"/>
+    <cs:effectRef idx="0"/>
+    <cs:fontRef idx="minor">
+      <a:schemeClr val="tx1"/>
+    </cs:fontRef>
+    <cs:spPr>
+      <a:noFill/>
+      <a:ln>
+        <a:noFill/>
+      </a:ln>
+    </cs:spPr>
+  </cs:wall>
+</cs:chartStyle>
+</file>
+
+<file path=ppt/drawings/drawing1.xml><?xml version="1.0" encoding="utf-8"?>
+<c:userShapes xmlns:c="http://schemas.openxmlformats.org/drawingml/2006/chart">
+  <cdr:relSizeAnchor xmlns:cdr="http://schemas.openxmlformats.org/drawingml/2006/chartDrawing">
+    <cdr:from>
+      <cdr:x>0.53988</cdr:x>
+      <cdr:y>0.13696</cdr:y>
+    </cdr:from>
+    <cdr:to>
+      <cdr:x>0.67423</cdr:x>
+      <cdr:y>0.34206</cdr:y>
+    </cdr:to>
+    <cdr:sp macro="" textlink="">
+      <cdr:nvSpPr>
+        <cdr:cNvPr id="2" name="TextBox 1">
+          <a:extLst xmlns:a="http://schemas.openxmlformats.org/drawingml/2006/main">
+            <a:ext uri="{FF2B5EF4-FFF2-40B4-BE49-F238E27FC236}">
+              <a16:creationId xmlns:a16="http://schemas.microsoft.com/office/drawing/2014/main" id="{30920059-691D-619D-BA39-CDF99A3638CC}"/>
+            </a:ext>
+          </a:extLst>
+        </cdr:cNvPr>
+        <cdr:cNvSpPr txBox="1"/>
+      </cdr:nvSpPr>
+      <cdr:spPr>
+        <a:xfrm xmlns:a="http://schemas.openxmlformats.org/drawingml/2006/main">
+          <a:off x="2629648" y="551793"/>
+          <a:ext cx="654424" cy="826291"/>
+        </a:xfrm>
+        <a:prstGeom xmlns:a="http://schemas.openxmlformats.org/drawingml/2006/main" prst="rect">
+          <a:avLst/>
+        </a:prstGeom>
+      </cdr:spPr>
+      <cdr:txBody>
+        <a:bodyPr xmlns:a="http://schemas.openxmlformats.org/drawingml/2006/main" vertOverflow="clip" wrap="square" rtlCol="0"/>
+        <a:lstStyle xmlns:a="http://schemas.openxmlformats.org/drawingml/2006/main"/>
+        <a:p xmlns:a="http://schemas.openxmlformats.org/drawingml/2006/main">
+          <a:r>
+            <a:rPr lang="ko-KR" altLang="en-US" sz="3000" kern="1200" dirty="0">
+              <a:latin typeface="BM JUA OTF" panose="02020603020101020101" pitchFamily="18" charset="-127"/>
+              <a:ea typeface="BM JUA OTF" panose="02020603020101020101" pitchFamily="18" charset="-127"/>
+            </a:rPr>
+            <a:t>월</a:t>
+          </a:r>
+          <a:r>
+            <a:rPr lang="en-US" altLang="ko-KR" sz="1100" kern="1200" dirty="0"/>
+            <a:t>	</a:t>
+          </a:r>
+          <a:endParaRPr lang="ko-KR" altLang="en-US" sz="1100" kern="1200" dirty="0"/>
+        </a:p>
+      </cdr:txBody>
+    </cdr:sp>
+  </cdr:relSizeAnchor>
+</c:userShapes>
 </file>
 
 <file path=ppt/notesMasters/notesMaster1.xml><?xml version="1.0" encoding="utf-8"?>
@@ -6493,12 +7376,36 @@
               </a:rPr>
               <a:t>개의 항목으로 구성</a:t>
             </a:r>
+            <a:endParaRPr lang="en-US" altLang="ko-KR" dirty="0">
+              <a:latin typeface="배달의민족 주아 OTF" panose="02020603020101020101" pitchFamily="18" charset="-127"/>
+              <a:ea typeface="배달의민족 주아 OTF" panose="02020603020101020101" pitchFamily="18" charset="-127"/>
+            </a:endParaRPr>
+          </a:p>
+          <a:p>
+            <a:pPr lvl="2"/>
+            <a:r>
+              <a:rPr lang="ko-KR" altLang="en-US" dirty="0">
+                <a:latin typeface="배달의민족 주아 OTF" panose="02020603020101020101" pitchFamily="18" charset="-127"/>
+                <a:ea typeface="배달의민족 주아 OTF" panose="02020603020101020101" pitchFamily="18" charset="-127"/>
+              </a:rPr>
+              <a:t>항목별 순서가 존재합니다</a:t>
+            </a:r>
             <a:r>
               <a:rPr lang="en-US" altLang="ko-KR" dirty="0">
                 <a:latin typeface="배달의민족 주아 OTF" panose="02020603020101020101" pitchFamily="18" charset="-127"/>
                 <a:ea typeface="배달의민족 주아 OTF" panose="02020603020101020101" pitchFamily="18" charset="-127"/>
               </a:rPr>
-              <a:t> </a:t>
+              <a:t>.</a:t>
+            </a:r>
+          </a:p>
+          <a:p>
+            <a:pPr lvl="3"/>
+            <a:r>
+              <a:rPr lang="en-US" altLang="ko-KR" dirty="0">
+                <a:latin typeface="배달의민족 주아 OTF" panose="02020603020101020101" pitchFamily="18" charset="-127"/>
+                <a:ea typeface="배달의민족 주아 OTF" panose="02020603020101020101" pitchFamily="18" charset="-127"/>
+              </a:rPr>
+              <a:t>Label-encoding </a:t>
             </a:r>
           </a:p>
           <a:p>
@@ -6893,6 +7800,46 @@
             </a:endParaRPr>
           </a:p>
           <a:p>
+            <a:pPr lvl="2"/>
+            <a:r>
+              <a:rPr lang="ko-KR" altLang="en-US" dirty="0">
+                <a:latin typeface="배달의민족 주아 OTF" panose="02020603020101020101" pitchFamily="18" charset="-127"/>
+                <a:ea typeface="배달의민족 주아 OTF" panose="02020603020101020101" pitchFamily="18" charset="-127"/>
+              </a:rPr>
+              <a:t>항목별 순서가 존재하나 </a:t>
+            </a:r>
+            <a:br>
+              <a:rPr lang="en-US" altLang="ko-KR" dirty="0">
+                <a:latin typeface="배달의민족 주아 OTF" panose="02020603020101020101" pitchFamily="18" charset="-127"/>
+                <a:ea typeface="배달의민족 주아 OTF" panose="02020603020101020101" pitchFamily="18" charset="-127"/>
+              </a:rPr>
+            </a:br>
+            <a:r>
+              <a:rPr lang="ko-KR" altLang="en-US" dirty="0">
+                <a:latin typeface="배달의민족 주아 OTF" panose="02020603020101020101" pitchFamily="18" charset="-127"/>
+                <a:ea typeface="배달의민족 주아 OTF" panose="02020603020101020101" pitchFamily="18" charset="-127"/>
+              </a:rPr>
+              <a:t>사이클을 가집니다</a:t>
+            </a:r>
+            <a:r>
+              <a:rPr lang="en-US" altLang="ko-KR" dirty="0">
+                <a:latin typeface="배달의민족 주아 OTF" panose="02020603020101020101" pitchFamily="18" charset="-127"/>
+                <a:ea typeface="배달의민족 주아 OTF" panose="02020603020101020101" pitchFamily="18" charset="-127"/>
+              </a:rPr>
+              <a:t>.</a:t>
+            </a:r>
+          </a:p>
+          <a:p>
+            <a:pPr lvl="3"/>
+            <a:r>
+              <a:rPr lang="en-US" altLang="ko-KR" dirty="0">
+                <a:latin typeface="배달의민족 주아 OTF" panose="02020603020101020101" pitchFamily="18" charset="-127"/>
+                <a:ea typeface="배달의민족 주아 OTF" panose="02020603020101020101" pitchFamily="18" charset="-127"/>
+              </a:rPr>
+              <a:t>Circular encoding</a:t>
+            </a:r>
+          </a:p>
+          <a:p>
             <a:pPr marL="914400" lvl="2" indent="0">
               <a:buNone/>
             </a:pPr>
@@ -6969,6 +7916,1092 @@
 </file>
 
 <file path=ppt/slides/slide12.xml><?xml version="1.0" encoding="utf-8"?>
+<p:sld xmlns:a="http://schemas.openxmlformats.org/drawingml/2006/main" xmlns:r="http://schemas.openxmlformats.org/officeDocument/2006/relationships" xmlns:p="http://schemas.openxmlformats.org/presentationml/2006/main">
+  <p:cSld>
+    <p:spTree>
+      <p:nvGrpSpPr>
+        <p:cNvPr id="1" name="">
+          <a:extLst>
+            <a:ext uri="{FF2B5EF4-FFF2-40B4-BE49-F238E27FC236}">
+              <a16:creationId xmlns:a16="http://schemas.microsoft.com/office/drawing/2014/main" id="{7797062E-73E2-4858-C37A-82627E06DC6C}"/>
+            </a:ext>
+          </a:extLst>
+        </p:cNvPr>
+        <p:cNvGrpSpPr/>
+        <p:nvPr/>
+      </p:nvGrpSpPr>
+      <p:grpSpPr>
+        <a:xfrm>
+          <a:off x="0" y="0"/>
+          <a:ext cx="0" cy="0"/>
+          <a:chOff x="0" y="0"/>
+          <a:chExt cx="0" cy="0"/>
+        </a:xfrm>
+      </p:grpSpPr>
+      <p:sp>
+        <p:nvSpPr>
+          <p:cNvPr id="2" name="제목 1">
+            <a:extLst>
+              <a:ext uri="{FF2B5EF4-FFF2-40B4-BE49-F238E27FC236}">
+                <a16:creationId xmlns:a16="http://schemas.microsoft.com/office/drawing/2014/main" id="{CC2C384C-B708-92F2-FCEF-4060F631E121}"/>
+              </a:ext>
+            </a:extLst>
+          </p:cNvPr>
+          <p:cNvSpPr>
+            <a:spLocks noGrp="1"/>
+          </p:cNvSpPr>
+          <p:nvPr>
+            <p:ph type="title"/>
+          </p:nvPr>
+        </p:nvSpPr>
+        <p:spPr/>
+        <p:txBody>
+          <a:bodyPr/>
+          <a:lstStyle/>
+          <a:p>
+            <a:r>
+              <a:rPr lang="ko-KR" altLang="en-US" dirty="0">
+                <a:latin typeface="배달의민족 주아 OTF" panose="02020603020101020101" pitchFamily="18" charset="-127"/>
+                <a:ea typeface="배달의민족 주아 OTF" panose="02020603020101020101" pitchFamily="18" charset="-127"/>
+              </a:rPr>
+              <a:t>변수 분석</a:t>
+            </a:r>
+            <a:r>
+              <a:rPr lang="en-US" altLang="ko-KR" dirty="0">
+                <a:latin typeface="배달의민족 주아 OTF" panose="02020603020101020101" pitchFamily="18" charset="-127"/>
+                <a:ea typeface="배달의민족 주아 OTF" panose="02020603020101020101" pitchFamily="18" charset="-127"/>
+              </a:rPr>
+              <a:t> – Circular encoding</a:t>
+            </a:r>
+            <a:endParaRPr lang="en-US" dirty="0">
+              <a:latin typeface="배달의민족 주아 OTF" panose="02020603020101020101" pitchFamily="18" charset="-127"/>
+              <a:ea typeface="배달의민족 주아 OTF" panose="02020603020101020101" pitchFamily="18" charset="-127"/>
+            </a:endParaRPr>
+          </a:p>
+        </p:txBody>
+      </p:sp>
+      <p:sp>
+        <p:nvSpPr>
+          <p:cNvPr id="6" name="내용 개체 틀 2">
+            <a:extLst>
+              <a:ext uri="{FF2B5EF4-FFF2-40B4-BE49-F238E27FC236}">
+                <a16:creationId xmlns:a16="http://schemas.microsoft.com/office/drawing/2014/main" id="{6DFB181A-3061-33CF-6327-6D71C5D76A3D}"/>
+              </a:ext>
+            </a:extLst>
+          </p:cNvPr>
+          <p:cNvSpPr txBox="1">
+            <a:spLocks/>
+          </p:cNvSpPr>
+          <p:nvPr/>
+        </p:nvSpPr>
+        <p:spPr>
+          <a:xfrm>
+            <a:off x="176546" y="1640217"/>
+            <a:ext cx="12141530" cy="5418323"/>
+          </a:xfrm>
+          <a:prstGeom prst="rect">
+            <a:avLst/>
+          </a:prstGeom>
+        </p:spPr>
+        <p:txBody>
+          <a:bodyPr vert="horz" lIns="91440" tIns="45720" rIns="91440" bIns="45720" rtlCol="0">
+            <a:normAutofit/>
+          </a:bodyPr>
+          <a:lstStyle>
+            <a:lvl1pPr marL="228600" indent="-228600" algn="l" defTabSz="914400" rtl="0" eaLnBrk="1" latinLnBrk="0" hangingPunct="1">
+              <a:lnSpc>
+                <a:spcPct val="90000"/>
+              </a:lnSpc>
+              <a:spcBef>
+                <a:spcPts val="1000"/>
+              </a:spcBef>
+              <a:buFont typeface="Arial" panose="020B0604020202020204" pitchFamily="34" charset="0"/>
+              <a:buChar char="•"/>
+              <a:defRPr sz="2800" kern="1200">
+                <a:solidFill>
+                  <a:schemeClr val="tx1"/>
+                </a:solidFill>
+                <a:latin typeface="+mn-lt"/>
+                <a:ea typeface="+mn-ea"/>
+                <a:cs typeface="+mn-cs"/>
+              </a:defRPr>
+            </a:lvl1pPr>
+            <a:lvl2pPr marL="685800" indent="-228600" algn="l" defTabSz="914400" rtl="0" eaLnBrk="1" latinLnBrk="0" hangingPunct="1">
+              <a:lnSpc>
+                <a:spcPct val="90000"/>
+              </a:lnSpc>
+              <a:spcBef>
+                <a:spcPts val="500"/>
+              </a:spcBef>
+              <a:buFont typeface="Arial" panose="020B0604020202020204" pitchFamily="34" charset="0"/>
+              <a:buChar char="•"/>
+              <a:defRPr sz="2400" kern="1200">
+                <a:solidFill>
+                  <a:schemeClr val="tx1"/>
+                </a:solidFill>
+                <a:latin typeface="+mn-lt"/>
+                <a:ea typeface="+mn-ea"/>
+                <a:cs typeface="+mn-cs"/>
+              </a:defRPr>
+            </a:lvl2pPr>
+            <a:lvl3pPr marL="1143000" indent="-228600" algn="l" defTabSz="914400" rtl="0" eaLnBrk="1" latinLnBrk="0" hangingPunct="1">
+              <a:lnSpc>
+                <a:spcPct val="90000"/>
+              </a:lnSpc>
+              <a:spcBef>
+                <a:spcPts val="500"/>
+              </a:spcBef>
+              <a:buFont typeface="Arial" panose="020B0604020202020204" pitchFamily="34" charset="0"/>
+              <a:buChar char="•"/>
+              <a:defRPr sz="2000" kern="1200">
+                <a:solidFill>
+                  <a:schemeClr val="tx1"/>
+                </a:solidFill>
+                <a:latin typeface="+mn-lt"/>
+                <a:ea typeface="+mn-ea"/>
+                <a:cs typeface="+mn-cs"/>
+              </a:defRPr>
+            </a:lvl3pPr>
+            <a:lvl4pPr marL="1600200" indent="-228600" algn="l" defTabSz="914400" rtl="0" eaLnBrk="1" latinLnBrk="0" hangingPunct="1">
+              <a:lnSpc>
+                <a:spcPct val="90000"/>
+              </a:lnSpc>
+              <a:spcBef>
+                <a:spcPts val="500"/>
+              </a:spcBef>
+              <a:buFont typeface="Arial" panose="020B0604020202020204" pitchFamily="34" charset="0"/>
+              <a:buChar char="•"/>
+              <a:defRPr sz="1800" kern="1200">
+                <a:solidFill>
+                  <a:schemeClr val="tx1"/>
+                </a:solidFill>
+                <a:latin typeface="+mn-lt"/>
+                <a:ea typeface="+mn-ea"/>
+                <a:cs typeface="+mn-cs"/>
+              </a:defRPr>
+            </a:lvl4pPr>
+            <a:lvl5pPr marL="2057400" indent="-228600" algn="l" defTabSz="914400" rtl="0" eaLnBrk="1" latinLnBrk="0" hangingPunct="1">
+              <a:lnSpc>
+                <a:spcPct val="90000"/>
+              </a:lnSpc>
+              <a:spcBef>
+                <a:spcPts val="500"/>
+              </a:spcBef>
+              <a:buFont typeface="Arial" panose="020B0604020202020204" pitchFamily="34" charset="0"/>
+              <a:buChar char="•"/>
+              <a:defRPr sz="1800" kern="1200">
+                <a:solidFill>
+                  <a:schemeClr val="tx1"/>
+                </a:solidFill>
+                <a:latin typeface="+mn-lt"/>
+                <a:ea typeface="+mn-ea"/>
+                <a:cs typeface="+mn-cs"/>
+              </a:defRPr>
+            </a:lvl5pPr>
+            <a:lvl6pPr marL="2514600" indent="-228600" algn="l" defTabSz="914400" rtl="0" eaLnBrk="1" latinLnBrk="0" hangingPunct="1">
+              <a:lnSpc>
+                <a:spcPct val="90000"/>
+              </a:lnSpc>
+              <a:spcBef>
+                <a:spcPts val="500"/>
+              </a:spcBef>
+              <a:buFont typeface="Arial" panose="020B0604020202020204" pitchFamily="34" charset="0"/>
+              <a:buChar char="•"/>
+              <a:defRPr sz="1800" kern="1200">
+                <a:solidFill>
+                  <a:schemeClr val="tx1"/>
+                </a:solidFill>
+                <a:latin typeface="+mn-lt"/>
+                <a:ea typeface="+mn-ea"/>
+                <a:cs typeface="+mn-cs"/>
+              </a:defRPr>
+            </a:lvl6pPr>
+            <a:lvl7pPr marL="2971800" indent="-228600" algn="l" defTabSz="914400" rtl="0" eaLnBrk="1" latinLnBrk="0" hangingPunct="1">
+              <a:lnSpc>
+                <a:spcPct val="90000"/>
+              </a:lnSpc>
+              <a:spcBef>
+                <a:spcPts val="500"/>
+              </a:spcBef>
+              <a:buFont typeface="Arial" panose="020B0604020202020204" pitchFamily="34" charset="0"/>
+              <a:buChar char="•"/>
+              <a:defRPr sz="1800" kern="1200">
+                <a:solidFill>
+                  <a:schemeClr val="tx1"/>
+                </a:solidFill>
+                <a:latin typeface="+mn-lt"/>
+                <a:ea typeface="+mn-ea"/>
+                <a:cs typeface="+mn-cs"/>
+              </a:defRPr>
+            </a:lvl7pPr>
+            <a:lvl8pPr marL="3429000" indent="-228600" algn="l" defTabSz="914400" rtl="0" eaLnBrk="1" latinLnBrk="0" hangingPunct="1">
+              <a:lnSpc>
+                <a:spcPct val="90000"/>
+              </a:lnSpc>
+              <a:spcBef>
+                <a:spcPts val="500"/>
+              </a:spcBef>
+              <a:buFont typeface="Arial" panose="020B0604020202020204" pitchFamily="34" charset="0"/>
+              <a:buChar char="•"/>
+              <a:defRPr sz="1800" kern="1200">
+                <a:solidFill>
+                  <a:schemeClr val="tx1"/>
+                </a:solidFill>
+                <a:latin typeface="+mn-lt"/>
+                <a:ea typeface="+mn-ea"/>
+                <a:cs typeface="+mn-cs"/>
+              </a:defRPr>
+            </a:lvl8pPr>
+            <a:lvl9pPr marL="3886200" indent="-228600" algn="l" defTabSz="914400" rtl="0" eaLnBrk="1" latinLnBrk="0" hangingPunct="1">
+              <a:lnSpc>
+                <a:spcPct val="90000"/>
+              </a:lnSpc>
+              <a:spcBef>
+                <a:spcPts val="500"/>
+              </a:spcBef>
+              <a:buFont typeface="Arial" panose="020B0604020202020204" pitchFamily="34" charset="0"/>
+              <a:buChar char="•"/>
+              <a:defRPr sz="1800" kern="1200">
+                <a:solidFill>
+                  <a:schemeClr val="tx1"/>
+                </a:solidFill>
+                <a:latin typeface="+mn-lt"/>
+                <a:ea typeface="+mn-ea"/>
+                <a:cs typeface="+mn-cs"/>
+              </a:defRPr>
+            </a:lvl9pPr>
+          </a:lstStyle>
+          <a:p>
+            <a:pPr lvl="1"/>
+            <a:r>
+              <a:rPr lang="en-US" altLang="ko-KR" dirty="0">
+                <a:latin typeface="배달의민족 주아 OTF" panose="02020603020101020101" pitchFamily="18" charset="-127"/>
+                <a:ea typeface="배달의민족 주아 OTF" panose="02020603020101020101" pitchFamily="18" charset="-127"/>
+              </a:rPr>
+              <a:t>Circular encoding</a:t>
+            </a:r>
+          </a:p>
+          <a:p>
+            <a:pPr lvl="2"/>
+            <a:r>
+              <a:rPr lang="ko-KR" altLang="en-US" dirty="0">
+                <a:latin typeface="배달의민족 주아 OTF" panose="02020603020101020101" pitchFamily="18" charset="-127"/>
+                <a:ea typeface="배달의민족 주아 OTF" panose="02020603020101020101" pitchFamily="18" charset="-127"/>
+              </a:rPr>
+              <a:t>사이클을 가지는 카테고리 변수를 나타내기 위한 더미변수 생성 방법</a:t>
+            </a:r>
+            <a:endParaRPr lang="en-US" altLang="ko-KR" dirty="0">
+              <a:latin typeface="배달의민족 주아 OTF" panose="02020603020101020101" pitchFamily="18" charset="-127"/>
+              <a:ea typeface="배달의민족 주아 OTF" panose="02020603020101020101" pitchFamily="18" charset="-127"/>
+            </a:endParaRPr>
+          </a:p>
+          <a:p>
+            <a:pPr lvl="2"/>
+            <a:r>
+              <a:rPr lang="ko-KR" altLang="en-US" dirty="0">
+                <a:latin typeface="배달의민족 주아 OTF" panose="02020603020101020101" pitchFamily="18" charset="-127"/>
+                <a:ea typeface="배달의민족 주아 OTF" panose="02020603020101020101" pitchFamily="18" charset="-127"/>
+              </a:rPr>
+              <a:t>각 변수를 원 위의 </a:t>
+            </a:r>
+            <a:r>
+              <a:rPr lang="en-US" altLang="ko-KR" dirty="0" err="1">
+                <a:latin typeface="배달의민족 주아 OTF" panose="02020603020101020101" pitchFamily="18" charset="-127"/>
+                <a:ea typeface="배달의민족 주아 OTF" panose="02020603020101020101" pitchFamily="18" charset="-127"/>
+              </a:rPr>
+              <a:t>x,y</a:t>
+            </a:r>
+            <a:r>
+              <a:rPr lang="ko-KR" altLang="en-US" dirty="0">
+                <a:latin typeface="배달의민족 주아 OTF" panose="02020603020101020101" pitchFamily="18" charset="-127"/>
+                <a:ea typeface="배달의민족 주아 OTF" panose="02020603020101020101" pitchFamily="18" charset="-127"/>
+              </a:rPr>
+              <a:t>축에 할당하고</a:t>
+            </a:r>
+            <a:r>
+              <a:rPr lang="en-US" altLang="ko-KR" dirty="0">
+                <a:latin typeface="배달의민족 주아 OTF" panose="02020603020101020101" pitchFamily="18" charset="-127"/>
+                <a:ea typeface="배달의민족 주아 OTF" panose="02020603020101020101" pitchFamily="18" charset="-127"/>
+              </a:rPr>
+              <a:t>, 360</a:t>
+            </a:r>
+            <a:r>
+              <a:rPr lang="ko-KR" altLang="en-US" dirty="0">
+                <a:latin typeface="배달의민족 주아 OTF" panose="02020603020101020101" pitchFamily="18" charset="-127"/>
+                <a:ea typeface="배달의민족 주아 OTF" panose="02020603020101020101" pitchFamily="18" charset="-127"/>
+              </a:rPr>
+              <a:t>을 카테고리 개수로 나눈다</a:t>
+            </a:r>
+            <a:r>
+              <a:rPr lang="en-US" altLang="ko-KR" dirty="0">
+                <a:latin typeface="배달의민족 주아 OTF" panose="02020603020101020101" pitchFamily="18" charset="-127"/>
+                <a:ea typeface="배달의민족 주아 OTF" panose="02020603020101020101" pitchFamily="18" charset="-127"/>
+              </a:rPr>
+              <a:t>. </a:t>
+            </a:r>
+            <a:r>
+              <a:rPr lang="ko-KR" altLang="en-US" dirty="0">
+                <a:latin typeface="배달의민족 주아 OTF" panose="02020603020101020101" pitchFamily="18" charset="-127"/>
+                <a:ea typeface="배달의민족 주아 OTF" panose="02020603020101020101" pitchFamily="18" charset="-127"/>
+              </a:rPr>
+              <a:t>이후 각도에 맞는 값으로 할당</a:t>
+            </a:r>
+            <a:r>
+              <a:rPr lang="en-US" altLang="ko-KR" dirty="0">
+                <a:latin typeface="배달의민족 주아 OTF" panose="02020603020101020101" pitchFamily="18" charset="-127"/>
+                <a:ea typeface="배달의민족 주아 OTF" panose="02020603020101020101" pitchFamily="18" charset="-127"/>
+              </a:rPr>
+              <a:t> </a:t>
+            </a:r>
+            <a:br>
+              <a:rPr lang="en-US" altLang="ko-KR" dirty="0">
+                <a:latin typeface="배달의민족 주아 OTF" panose="02020603020101020101" pitchFamily="18" charset="-127"/>
+                <a:ea typeface="배달의민족 주아 OTF" panose="02020603020101020101" pitchFamily="18" charset="-127"/>
+              </a:rPr>
+            </a:br>
+            <a:endParaRPr lang="en-US" altLang="ko-KR" dirty="0">
+              <a:latin typeface="배달의민족 주아 OTF" panose="02020603020101020101" pitchFamily="18" charset="-127"/>
+              <a:ea typeface="배달의민족 주아 OTF" panose="02020603020101020101" pitchFamily="18" charset="-127"/>
+            </a:endParaRPr>
+          </a:p>
+        </p:txBody>
+      </p:sp>
+      <p:grpSp>
+        <p:nvGrpSpPr>
+          <p:cNvPr id="15" name="그룹 14">
+            <a:extLst>
+              <a:ext uri="{FF2B5EF4-FFF2-40B4-BE49-F238E27FC236}">
+                <a16:creationId xmlns:a16="http://schemas.microsoft.com/office/drawing/2014/main" id="{0EDB4DFD-1621-C51E-0802-9F85392D1B39}"/>
+              </a:ext>
+            </a:extLst>
+          </p:cNvPr>
+          <p:cNvGrpSpPr/>
+          <p:nvPr/>
+        </p:nvGrpSpPr>
+        <p:grpSpPr>
+          <a:xfrm>
+            <a:off x="419506" y="2804122"/>
+            <a:ext cx="4870824" cy="4028814"/>
+            <a:chOff x="3224306" y="2464061"/>
+            <a:chExt cx="4870824" cy="4028814"/>
+          </a:xfrm>
+        </p:grpSpPr>
+        <p:graphicFrame>
+          <p:nvGraphicFramePr>
+            <p:cNvPr id="7" name="차트 6">
+              <a:extLst>
+                <a:ext uri="{FF2B5EF4-FFF2-40B4-BE49-F238E27FC236}">
+                  <a16:creationId xmlns:a16="http://schemas.microsoft.com/office/drawing/2014/main" id="{F2CAE6C8-B9AE-1FCE-E8F9-1E41C0E5CA83}"/>
+                </a:ext>
+              </a:extLst>
+            </p:cNvPr>
+            <p:cNvGraphicFramePr/>
+            <p:nvPr>
+              <p:extLst>
+                <p:ext uri="{D42A27DB-BD31-4B8C-83A1-F6EECF244321}">
+                  <p14:modId xmlns:p14="http://schemas.microsoft.com/office/powerpoint/2010/main" val="1875221454"/>
+                </p:ext>
+              </p:extLst>
+            </p:nvPr>
+          </p:nvGraphicFramePr>
+          <p:xfrm>
+            <a:off x="3224306" y="2464061"/>
+            <a:ext cx="4870824" cy="4028814"/>
+          </p:xfrm>
+          <a:graphic>
+            <a:graphicData uri="http://schemas.openxmlformats.org/drawingml/2006/chart">
+              <c:chart xmlns:c="http://schemas.openxmlformats.org/drawingml/2006/chart" xmlns:r="http://schemas.openxmlformats.org/officeDocument/2006/relationships" r:id="rId2"/>
+            </a:graphicData>
+          </a:graphic>
+        </p:graphicFrame>
+        <p:sp>
+          <p:nvSpPr>
+            <p:cNvPr id="8" name="TextBox 1">
+              <a:extLst>
+                <a:ext uri="{FF2B5EF4-FFF2-40B4-BE49-F238E27FC236}">
+                  <a16:creationId xmlns:a16="http://schemas.microsoft.com/office/drawing/2014/main" id="{4ECC762C-63BC-5912-2248-A0D5D4AF8D76}"/>
+                </a:ext>
+              </a:extLst>
+            </p:cNvPr>
+            <p:cNvSpPr txBox="1"/>
+            <p:nvPr/>
+          </p:nvSpPr>
+          <p:spPr>
+            <a:xfrm>
+              <a:off x="6485965" y="3804748"/>
+              <a:ext cx="654424" cy="826291"/>
+            </a:xfrm>
+            <a:prstGeom prst="rect">
+              <a:avLst/>
+            </a:prstGeom>
+          </p:spPr>
+          <p:txBody>
+            <a:bodyPr wrap="square" rtlCol="0"/>
+            <a:lstStyle>
+              <a:lvl1pPr marL="0" indent="0">
+                <a:defRPr sz="1100">
+                  <a:latin typeface="+mn-lt"/>
+                  <a:ea typeface="+mn-ea"/>
+                  <a:cs typeface="+mn-cs"/>
+                </a:defRPr>
+              </a:lvl1pPr>
+              <a:lvl2pPr marL="457200" indent="0">
+                <a:defRPr sz="1100">
+                  <a:latin typeface="+mn-lt"/>
+                  <a:ea typeface="+mn-ea"/>
+                  <a:cs typeface="+mn-cs"/>
+                </a:defRPr>
+              </a:lvl2pPr>
+              <a:lvl3pPr marL="914400" indent="0">
+                <a:defRPr sz="1100">
+                  <a:latin typeface="+mn-lt"/>
+                  <a:ea typeface="+mn-ea"/>
+                  <a:cs typeface="+mn-cs"/>
+                </a:defRPr>
+              </a:lvl3pPr>
+              <a:lvl4pPr marL="1371600" indent="0">
+                <a:defRPr sz="1100">
+                  <a:latin typeface="+mn-lt"/>
+                  <a:ea typeface="+mn-ea"/>
+                  <a:cs typeface="+mn-cs"/>
+                </a:defRPr>
+              </a:lvl4pPr>
+              <a:lvl5pPr marL="1828800" indent="0">
+                <a:defRPr sz="1100">
+                  <a:latin typeface="+mn-lt"/>
+                  <a:ea typeface="+mn-ea"/>
+                  <a:cs typeface="+mn-cs"/>
+                </a:defRPr>
+              </a:lvl5pPr>
+              <a:lvl6pPr marL="2286000" indent="0">
+                <a:defRPr sz="1100">
+                  <a:latin typeface="+mn-lt"/>
+                  <a:ea typeface="+mn-ea"/>
+                  <a:cs typeface="+mn-cs"/>
+                </a:defRPr>
+              </a:lvl6pPr>
+              <a:lvl7pPr marL="2743200" indent="0">
+                <a:defRPr sz="1100">
+                  <a:latin typeface="+mn-lt"/>
+                  <a:ea typeface="+mn-ea"/>
+                  <a:cs typeface="+mn-cs"/>
+                </a:defRPr>
+              </a:lvl7pPr>
+              <a:lvl8pPr marL="3200400" indent="0">
+                <a:defRPr sz="1100">
+                  <a:latin typeface="+mn-lt"/>
+                  <a:ea typeface="+mn-ea"/>
+                  <a:cs typeface="+mn-cs"/>
+                </a:defRPr>
+              </a:lvl8pPr>
+              <a:lvl9pPr marL="3657600" indent="0">
+                <a:defRPr sz="1100">
+                  <a:latin typeface="+mn-lt"/>
+                  <a:ea typeface="+mn-ea"/>
+                  <a:cs typeface="+mn-cs"/>
+                </a:defRPr>
+              </a:lvl9pPr>
+            </a:lstStyle>
+            <a:p>
+              <a:r>
+                <a:rPr lang="ko-KR" altLang="en-US" sz="3000" kern="1200" dirty="0">
+                  <a:latin typeface="BM JUA OTF" panose="02020603020101020101" pitchFamily="18" charset="-127"/>
+                  <a:ea typeface="BM JUA OTF" panose="02020603020101020101" pitchFamily="18" charset="-127"/>
+                </a:rPr>
+                <a:t>화</a:t>
+              </a:r>
+              <a:r>
+                <a:rPr lang="en-US" altLang="ko-KR" sz="1100" kern="1200" dirty="0"/>
+                <a:t>	</a:t>
+              </a:r>
+              <a:endParaRPr lang="ko-KR" altLang="en-US" sz="1100" kern="1200" dirty="0"/>
+            </a:p>
+          </p:txBody>
+        </p:sp>
+        <p:sp>
+          <p:nvSpPr>
+            <p:cNvPr id="9" name="TextBox 1">
+              <a:extLst>
+                <a:ext uri="{FF2B5EF4-FFF2-40B4-BE49-F238E27FC236}">
+                  <a16:creationId xmlns:a16="http://schemas.microsoft.com/office/drawing/2014/main" id="{E0EE596A-36CC-8E88-3C5E-01AB5586ACE6}"/>
+                </a:ext>
+              </a:extLst>
+            </p:cNvPr>
+            <p:cNvSpPr txBox="1"/>
+            <p:nvPr/>
+          </p:nvSpPr>
+          <p:spPr>
+            <a:xfrm>
+              <a:off x="5441576" y="5092559"/>
+              <a:ext cx="654424" cy="826291"/>
+            </a:xfrm>
+            <a:prstGeom prst="rect">
+              <a:avLst/>
+            </a:prstGeom>
+          </p:spPr>
+          <p:txBody>
+            <a:bodyPr wrap="square" rtlCol="0"/>
+            <a:lstStyle>
+              <a:lvl1pPr marL="0" indent="0">
+                <a:defRPr sz="1100">
+                  <a:latin typeface="+mn-lt"/>
+                  <a:ea typeface="+mn-ea"/>
+                  <a:cs typeface="+mn-cs"/>
+                </a:defRPr>
+              </a:lvl1pPr>
+              <a:lvl2pPr marL="457200" indent="0">
+                <a:defRPr sz="1100">
+                  <a:latin typeface="+mn-lt"/>
+                  <a:ea typeface="+mn-ea"/>
+                  <a:cs typeface="+mn-cs"/>
+                </a:defRPr>
+              </a:lvl2pPr>
+              <a:lvl3pPr marL="914400" indent="0">
+                <a:defRPr sz="1100">
+                  <a:latin typeface="+mn-lt"/>
+                  <a:ea typeface="+mn-ea"/>
+                  <a:cs typeface="+mn-cs"/>
+                </a:defRPr>
+              </a:lvl3pPr>
+              <a:lvl4pPr marL="1371600" indent="0">
+                <a:defRPr sz="1100">
+                  <a:latin typeface="+mn-lt"/>
+                  <a:ea typeface="+mn-ea"/>
+                  <a:cs typeface="+mn-cs"/>
+                </a:defRPr>
+              </a:lvl4pPr>
+              <a:lvl5pPr marL="1828800" indent="0">
+                <a:defRPr sz="1100">
+                  <a:latin typeface="+mn-lt"/>
+                  <a:ea typeface="+mn-ea"/>
+                  <a:cs typeface="+mn-cs"/>
+                </a:defRPr>
+              </a:lvl5pPr>
+              <a:lvl6pPr marL="2286000" indent="0">
+                <a:defRPr sz="1100">
+                  <a:latin typeface="+mn-lt"/>
+                  <a:ea typeface="+mn-ea"/>
+                  <a:cs typeface="+mn-cs"/>
+                </a:defRPr>
+              </a:lvl6pPr>
+              <a:lvl7pPr marL="2743200" indent="0">
+                <a:defRPr sz="1100">
+                  <a:latin typeface="+mn-lt"/>
+                  <a:ea typeface="+mn-ea"/>
+                  <a:cs typeface="+mn-cs"/>
+                </a:defRPr>
+              </a:lvl7pPr>
+              <a:lvl8pPr marL="3200400" indent="0">
+                <a:defRPr sz="1100">
+                  <a:latin typeface="+mn-lt"/>
+                  <a:ea typeface="+mn-ea"/>
+                  <a:cs typeface="+mn-cs"/>
+                </a:defRPr>
+              </a:lvl8pPr>
+              <a:lvl9pPr marL="3657600" indent="0">
+                <a:defRPr sz="1100">
+                  <a:latin typeface="+mn-lt"/>
+                  <a:ea typeface="+mn-ea"/>
+                  <a:cs typeface="+mn-cs"/>
+                </a:defRPr>
+              </a:lvl9pPr>
+            </a:lstStyle>
+            <a:p>
+              <a:r>
+                <a:rPr lang="ko-KR" altLang="en-US" sz="3000" kern="1200" dirty="0">
+                  <a:latin typeface="BM JUA OTF" panose="02020603020101020101" pitchFamily="18" charset="-127"/>
+                  <a:ea typeface="BM JUA OTF" panose="02020603020101020101" pitchFamily="18" charset="-127"/>
+                </a:rPr>
+                <a:t>목</a:t>
+              </a:r>
+              <a:endParaRPr lang="en-US" altLang="ko-KR" sz="3000" kern="1200" dirty="0">
+                <a:latin typeface="BM JUA OTF" panose="02020603020101020101" pitchFamily="18" charset="-127"/>
+                <a:ea typeface="BM JUA OTF" panose="02020603020101020101" pitchFamily="18" charset="-127"/>
+              </a:endParaRPr>
+            </a:p>
+            <a:p>
+              <a:r>
+                <a:rPr lang="en-US" altLang="ko-KR" sz="1100" kern="1200" dirty="0"/>
+                <a:t>	</a:t>
+              </a:r>
+              <a:endParaRPr lang="ko-KR" altLang="en-US" sz="1100" kern="1200" dirty="0"/>
+            </a:p>
+          </p:txBody>
+        </p:sp>
+        <p:sp>
+          <p:nvSpPr>
+            <p:cNvPr id="10" name="TextBox 1">
+              <a:extLst>
+                <a:ext uri="{FF2B5EF4-FFF2-40B4-BE49-F238E27FC236}">
+                  <a16:creationId xmlns:a16="http://schemas.microsoft.com/office/drawing/2014/main" id="{06F5FF9F-5108-81D3-BC1A-3DBFAFF35228}"/>
+                </a:ext>
+              </a:extLst>
+            </p:cNvPr>
+            <p:cNvSpPr txBox="1"/>
+            <p:nvPr/>
+          </p:nvSpPr>
+          <p:spPr>
+            <a:xfrm>
+              <a:off x="6272712" y="4735665"/>
+              <a:ext cx="654424" cy="826291"/>
+            </a:xfrm>
+            <a:prstGeom prst="rect">
+              <a:avLst/>
+            </a:prstGeom>
+          </p:spPr>
+          <p:txBody>
+            <a:bodyPr wrap="square" rtlCol="0"/>
+            <a:lstStyle>
+              <a:lvl1pPr marL="0" indent="0">
+                <a:defRPr sz="1100">
+                  <a:latin typeface="+mn-lt"/>
+                  <a:ea typeface="+mn-ea"/>
+                  <a:cs typeface="+mn-cs"/>
+                </a:defRPr>
+              </a:lvl1pPr>
+              <a:lvl2pPr marL="457200" indent="0">
+                <a:defRPr sz="1100">
+                  <a:latin typeface="+mn-lt"/>
+                  <a:ea typeface="+mn-ea"/>
+                  <a:cs typeface="+mn-cs"/>
+                </a:defRPr>
+              </a:lvl2pPr>
+              <a:lvl3pPr marL="914400" indent="0">
+                <a:defRPr sz="1100">
+                  <a:latin typeface="+mn-lt"/>
+                  <a:ea typeface="+mn-ea"/>
+                  <a:cs typeface="+mn-cs"/>
+                </a:defRPr>
+              </a:lvl3pPr>
+              <a:lvl4pPr marL="1371600" indent="0">
+                <a:defRPr sz="1100">
+                  <a:latin typeface="+mn-lt"/>
+                  <a:ea typeface="+mn-ea"/>
+                  <a:cs typeface="+mn-cs"/>
+                </a:defRPr>
+              </a:lvl4pPr>
+              <a:lvl5pPr marL="1828800" indent="0">
+                <a:defRPr sz="1100">
+                  <a:latin typeface="+mn-lt"/>
+                  <a:ea typeface="+mn-ea"/>
+                  <a:cs typeface="+mn-cs"/>
+                </a:defRPr>
+              </a:lvl5pPr>
+              <a:lvl6pPr marL="2286000" indent="0">
+                <a:defRPr sz="1100">
+                  <a:latin typeface="+mn-lt"/>
+                  <a:ea typeface="+mn-ea"/>
+                  <a:cs typeface="+mn-cs"/>
+                </a:defRPr>
+              </a:lvl6pPr>
+              <a:lvl7pPr marL="2743200" indent="0">
+                <a:defRPr sz="1100">
+                  <a:latin typeface="+mn-lt"/>
+                  <a:ea typeface="+mn-ea"/>
+                  <a:cs typeface="+mn-cs"/>
+                </a:defRPr>
+              </a:lvl7pPr>
+              <a:lvl8pPr marL="3200400" indent="0">
+                <a:defRPr sz="1100">
+                  <a:latin typeface="+mn-lt"/>
+                  <a:ea typeface="+mn-ea"/>
+                  <a:cs typeface="+mn-cs"/>
+                </a:defRPr>
+              </a:lvl8pPr>
+              <a:lvl9pPr marL="3657600" indent="0">
+                <a:defRPr sz="1100">
+                  <a:latin typeface="+mn-lt"/>
+                  <a:ea typeface="+mn-ea"/>
+                  <a:cs typeface="+mn-cs"/>
+                </a:defRPr>
+              </a:lvl9pPr>
+            </a:lstStyle>
+            <a:p>
+              <a:r>
+                <a:rPr lang="ko-KR" altLang="en-US" sz="3000" kern="1200" dirty="0">
+                  <a:latin typeface="BM JUA OTF" panose="02020603020101020101" pitchFamily="18" charset="-127"/>
+                  <a:ea typeface="BM JUA OTF" panose="02020603020101020101" pitchFamily="18" charset="-127"/>
+                </a:rPr>
+                <a:t>수</a:t>
+              </a:r>
+              <a:r>
+                <a:rPr lang="en-US" altLang="ko-KR" sz="3000" kern="1200" dirty="0">
+                  <a:latin typeface="BM JUA OTF" panose="02020603020101020101" pitchFamily="18" charset="-127"/>
+                  <a:ea typeface="BM JUA OTF" panose="02020603020101020101" pitchFamily="18" charset="-127"/>
+                </a:rPr>
+                <a:t>	</a:t>
+              </a:r>
+              <a:r>
+                <a:rPr lang="en-US" altLang="ko-KR" sz="1100" kern="1200" dirty="0"/>
+                <a:t>	</a:t>
+              </a:r>
+              <a:endParaRPr lang="ko-KR" altLang="en-US" sz="1100" kern="1200" dirty="0"/>
+            </a:p>
+          </p:txBody>
+        </p:sp>
+        <p:sp>
+          <p:nvSpPr>
+            <p:cNvPr id="11" name="TextBox 1">
+              <a:extLst>
+                <a:ext uri="{FF2B5EF4-FFF2-40B4-BE49-F238E27FC236}">
+                  <a16:creationId xmlns:a16="http://schemas.microsoft.com/office/drawing/2014/main" id="{E3B0A97D-E7CC-7455-5DDB-B65012E3E14B}"/>
+                </a:ext>
+              </a:extLst>
+            </p:cNvPr>
+            <p:cNvSpPr txBox="1"/>
+            <p:nvPr/>
+          </p:nvSpPr>
+          <p:spPr>
+            <a:xfrm>
+              <a:off x="4502929" y="4735665"/>
+              <a:ext cx="654424" cy="826291"/>
+            </a:xfrm>
+            <a:prstGeom prst="rect">
+              <a:avLst/>
+            </a:prstGeom>
+          </p:spPr>
+          <p:txBody>
+            <a:bodyPr wrap="square" rtlCol="0"/>
+            <a:lstStyle>
+              <a:lvl1pPr marL="0" indent="0">
+                <a:defRPr sz="1100">
+                  <a:latin typeface="+mn-lt"/>
+                  <a:ea typeface="+mn-ea"/>
+                  <a:cs typeface="+mn-cs"/>
+                </a:defRPr>
+              </a:lvl1pPr>
+              <a:lvl2pPr marL="457200" indent="0">
+                <a:defRPr sz="1100">
+                  <a:latin typeface="+mn-lt"/>
+                  <a:ea typeface="+mn-ea"/>
+                  <a:cs typeface="+mn-cs"/>
+                </a:defRPr>
+              </a:lvl2pPr>
+              <a:lvl3pPr marL="914400" indent="0">
+                <a:defRPr sz="1100">
+                  <a:latin typeface="+mn-lt"/>
+                  <a:ea typeface="+mn-ea"/>
+                  <a:cs typeface="+mn-cs"/>
+                </a:defRPr>
+              </a:lvl3pPr>
+              <a:lvl4pPr marL="1371600" indent="0">
+                <a:defRPr sz="1100">
+                  <a:latin typeface="+mn-lt"/>
+                  <a:ea typeface="+mn-ea"/>
+                  <a:cs typeface="+mn-cs"/>
+                </a:defRPr>
+              </a:lvl4pPr>
+              <a:lvl5pPr marL="1828800" indent="0">
+                <a:defRPr sz="1100">
+                  <a:latin typeface="+mn-lt"/>
+                  <a:ea typeface="+mn-ea"/>
+                  <a:cs typeface="+mn-cs"/>
+                </a:defRPr>
+              </a:lvl5pPr>
+              <a:lvl6pPr marL="2286000" indent="0">
+                <a:defRPr sz="1100">
+                  <a:latin typeface="+mn-lt"/>
+                  <a:ea typeface="+mn-ea"/>
+                  <a:cs typeface="+mn-cs"/>
+                </a:defRPr>
+              </a:lvl6pPr>
+              <a:lvl7pPr marL="2743200" indent="0">
+                <a:defRPr sz="1100">
+                  <a:latin typeface="+mn-lt"/>
+                  <a:ea typeface="+mn-ea"/>
+                  <a:cs typeface="+mn-cs"/>
+                </a:defRPr>
+              </a:lvl7pPr>
+              <a:lvl8pPr marL="3200400" indent="0">
+                <a:defRPr sz="1100">
+                  <a:latin typeface="+mn-lt"/>
+                  <a:ea typeface="+mn-ea"/>
+                  <a:cs typeface="+mn-cs"/>
+                </a:defRPr>
+              </a:lvl8pPr>
+              <a:lvl9pPr marL="3657600" indent="0">
+                <a:defRPr sz="1100">
+                  <a:latin typeface="+mn-lt"/>
+                  <a:ea typeface="+mn-ea"/>
+                  <a:cs typeface="+mn-cs"/>
+                </a:defRPr>
+              </a:lvl9pPr>
+            </a:lstStyle>
+            <a:p>
+              <a:r>
+                <a:rPr lang="ko-KR" altLang="en-US" sz="3000" kern="1200" dirty="0">
+                  <a:latin typeface="BM JUA OTF" panose="02020603020101020101" pitchFamily="18" charset="-127"/>
+                  <a:ea typeface="BM JUA OTF" panose="02020603020101020101" pitchFamily="18" charset="-127"/>
+                </a:rPr>
+                <a:t>금</a:t>
+              </a:r>
+              <a:r>
+                <a:rPr lang="en-US" altLang="ko-KR" sz="1100" kern="1200" dirty="0"/>
+                <a:t>	</a:t>
+              </a:r>
+              <a:endParaRPr lang="ko-KR" altLang="en-US" sz="1100" kern="1200" dirty="0"/>
+            </a:p>
+          </p:txBody>
+        </p:sp>
+        <p:sp>
+          <p:nvSpPr>
+            <p:cNvPr id="12" name="TextBox 1">
+              <a:extLst>
+                <a:ext uri="{FF2B5EF4-FFF2-40B4-BE49-F238E27FC236}">
+                  <a16:creationId xmlns:a16="http://schemas.microsoft.com/office/drawing/2014/main" id="{CD38E56A-90EB-6C33-0C39-16C5A7556A5C}"/>
+                </a:ext>
+              </a:extLst>
+            </p:cNvPr>
+            <p:cNvSpPr txBox="1"/>
+            <p:nvPr/>
+          </p:nvSpPr>
+          <p:spPr>
+            <a:xfrm>
+              <a:off x="4876800" y="3053254"/>
+              <a:ext cx="654424" cy="826291"/>
+            </a:xfrm>
+            <a:prstGeom prst="rect">
+              <a:avLst/>
+            </a:prstGeom>
+          </p:spPr>
+          <p:txBody>
+            <a:bodyPr wrap="square" rtlCol="0"/>
+            <a:lstStyle>
+              <a:lvl1pPr marL="0" indent="0">
+                <a:defRPr sz="1100">
+                  <a:latin typeface="+mn-lt"/>
+                  <a:ea typeface="+mn-ea"/>
+                  <a:cs typeface="+mn-cs"/>
+                </a:defRPr>
+              </a:lvl1pPr>
+              <a:lvl2pPr marL="457200" indent="0">
+                <a:defRPr sz="1100">
+                  <a:latin typeface="+mn-lt"/>
+                  <a:ea typeface="+mn-ea"/>
+                  <a:cs typeface="+mn-cs"/>
+                </a:defRPr>
+              </a:lvl2pPr>
+              <a:lvl3pPr marL="914400" indent="0">
+                <a:defRPr sz="1100">
+                  <a:latin typeface="+mn-lt"/>
+                  <a:ea typeface="+mn-ea"/>
+                  <a:cs typeface="+mn-cs"/>
+                </a:defRPr>
+              </a:lvl3pPr>
+              <a:lvl4pPr marL="1371600" indent="0">
+                <a:defRPr sz="1100">
+                  <a:latin typeface="+mn-lt"/>
+                  <a:ea typeface="+mn-ea"/>
+                  <a:cs typeface="+mn-cs"/>
+                </a:defRPr>
+              </a:lvl4pPr>
+              <a:lvl5pPr marL="1828800" indent="0">
+                <a:defRPr sz="1100">
+                  <a:latin typeface="+mn-lt"/>
+                  <a:ea typeface="+mn-ea"/>
+                  <a:cs typeface="+mn-cs"/>
+                </a:defRPr>
+              </a:lvl5pPr>
+              <a:lvl6pPr marL="2286000" indent="0">
+                <a:defRPr sz="1100">
+                  <a:latin typeface="+mn-lt"/>
+                  <a:ea typeface="+mn-ea"/>
+                  <a:cs typeface="+mn-cs"/>
+                </a:defRPr>
+              </a:lvl6pPr>
+              <a:lvl7pPr marL="2743200" indent="0">
+                <a:defRPr sz="1100">
+                  <a:latin typeface="+mn-lt"/>
+                  <a:ea typeface="+mn-ea"/>
+                  <a:cs typeface="+mn-cs"/>
+                </a:defRPr>
+              </a:lvl7pPr>
+              <a:lvl8pPr marL="3200400" indent="0">
+                <a:defRPr sz="1100">
+                  <a:latin typeface="+mn-lt"/>
+                  <a:ea typeface="+mn-ea"/>
+                  <a:cs typeface="+mn-cs"/>
+                </a:defRPr>
+              </a:lvl8pPr>
+              <a:lvl9pPr marL="3657600" indent="0">
+                <a:defRPr sz="1100">
+                  <a:latin typeface="+mn-lt"/>
+                  <a:ea typeface="+mn-ea"/>
+                  <a:cs typeface="+mn-cs"/>
+                </a:defRPr>
+              </a:lvl9pPr>
+            </a:lstStyle>
+            <a:p>
+              <a:r>
+                <a:rPr lang="ko-KR" altLang="en-US" sz="3000" kern="1200" dirty="0">
+                  <a:latin typeface="BM JUA OTF" panose="02020603020101020101" pitchFamily="18" charset="-127"/>
+                  <a:ea typeface="BM JUA OTF" panose="02020603020101020101" pitchFamily="18" charset="-127"/>
+                </a:rPr>
+                <a:t>일</a:t>
+              </a:r>
+              <a:r>
+                <a:rPr lang="en-US" altLang="ko-KR" sz="1100" kern="1200" dirty="0"/>
+                <a:t>	</a:t>
+              </a:r>
+              <a:endParaRPr lang="ko-KR" altLang="en-US" sz="1100" kern="1200" dirty="0"/>
+            </a:p>
+          </p:txBody>
+        </p:sp>
+        <p:sp>
+          <p:nvSpPr>
+            <p:cNvPr id="13" name="TextBox 1">
+              <a:extLst>
+                <a:ext uri="{FF2B5EF4-FFF2-40B4-BE49-F238E27FC236}">
+                  <a16:creationId xmlns:a16="http://schemas.microsoft.com/office/drawing/2014/main" id="{72843038-03A1-4598-41AE-B0652C78C028}"/>
+                </a:ext>
+              </a:extLst>
+            </p:cNvPr>
+            <p:cNvSpPr txBox="1"/>
+            <p:nvPr/>
+          </p:nvSpPr>
+          <p:spPr>
+            <a:xfrm>
+              <a:off x="4341337" y="3804746"/>
+              <a:ext cx="654424" cy="826291"/>
+            </a:xfrm>
+            <a:prstGeom prst="rect">
+              <a:avLst/>
+            </a:prstGeom>
+          </p:spPr>
+          <p:txBody>
+            <a:bodyPr wrap="square" rtlCol="0"/>
+            <a:lstStyle>
+              <a:lvl1pPr marL="0" indent="0">
+                <a:defRPr sz="1100">
+                  <a:latin typeface="+mn-lt"/>
+                  <a:ea typeface="+mn-ea"/>
+                  <a:cs typeface="+mn-cs"/>
+                </a:defRPr>
+              </a:lvl1pPr>
+              <a:lvl2pPr marL="457200" indent="0">
+                <a:defRPr sz="1100">
+                  <a:latin typeface="+mn-lt"/>
+                  <a:ea typeface="+mn-ea"/>
+                  <a:cs typeface="+mn-cs"/>
+                </a:defRPr>
+              </a:lvl2pPr>
+              <a:lvl3pPr marL="914400" indent="0">
+                <a:defRPr sz="1100">
+                  <a:latin typeface="+mn-lt"/>
+                  <a:ea typeface="+mn-ea"/>
+                  <a:cs typeface="+mn-cs"/>
+                </a:defRPr>
+              </a:lvl3pPr>
+              <a:lvl4pPr marL="1371600" indent="0">
+                <a:defRPr sz="1100">
+                  <a:latin typeface="+mn-lt"/>
+                  <a:ea typeface="+mn-ea"/>
+                  <a:cs typeface="+mn-cs"/>
+                </a:defRPr>
+              </a:lvl4pPr>
+              <a:lvl5pPr marL="1828800" indent="0">
+                <a:defRPr sz="1100">
+                  <a:latin typeface="+mn-lt"/>
+                  <a:ea typeface="+mn-ea"/>
+                  <a:cs typeface="+mn-cs"/>
+                </a:defRPr>
+              </a:lvl5pPr>
+              <a:lvl6pPr marL="2286000" indent="0">
+                <a:defRPr sz="1100">
+                  <a:latin typeface="+mn-lt"/>
+                  <a:ea typeface="+mn-ea"/>
+                  <a:cs typeface="+mn-cs"/>
+                </a:defRPr>
+              </a:lvl6pPr>
+              <a:lvl7pPr marL="2743200" indent="0">
+                <a:defRPr sz="1100">
+                  <a:latin typeface="+mn-lt"/>
+                  <a:ea typeface="+mn-ea"/>
+                  <a:cs typeface="+mn-cs"/>
+                </a:defRPr>
+              </a:lvl7pPr>
+              <a:lvl8pPr marL="3200400" indent="0">
+                <a:defRPr sz="1100">
+                  <a:latin typeface="+mn-lt"/>
+                  <a:ea typeface="+mn-ea"/>
+                  <a:cs typeface="+mn-cs"/>
+                </a:defRPr>
+              </a:lvl8pPr>
+              <a:lvl9pPr marL="3657600" indent="0">
+                <a:defRPr sz="1100">
+                  <a:latin typeface="+mn-lt"/>
+                  <a:ea typeface="+mn-ea"/>
+                  <a:cs typeface="+mn-cs"/>
+                </a:defRPr>
+              </a:lvl9pPr>
+            </a:lstStyle>
+            <a:p>
+              <a:r>
+                <a:rPr lang="ko-KR" altLang="en-US" sz="3000" kern="1200" dirty="0">
+                  <a:latin typeface="BM JUA OTF" panose="02020603020101020101" pitchFamily="18" charset="-127"/>
+                  <a:ea typeface="BM JUA OTF" panose="02020603020101020101" pitchFamily="18" charset="-127"/>
+                </a:rPr>
+                <a:t>토</a:t>
+              </a:r>
+              <a:endParaRPr lang="en-US" altLang="ko-KR" sz="3000" kern="1200" dirty="0">
+                <a:latin typeface="BM JUA OTF" panose="02020603020101020101" pitchFamily="18" charset="-127"/>
+                <a:ea typeface="BM JUA OTF" panose="02020603020101020101" pitchFamily="18" charset="-127"/>
+              </a:endParaRPr>
+            </a:p>
+            <a:p>
+              <a:r>
+                <a:rPr lang="en-US" altLang="ko-KR" sz="1100" kern="1200" dirty="0"/>
+                <a:t>	</a:t>
+              </a:r>
+              <a:endParaRPr lang="ko-KR" altLang="en-US" sz="1100" kern="1200" dirty="0"/>
+            </a:p>
+          </p:txBody>
+        </p:sp>
+      </p:grpSp>
+      <p:pic>
+        <p:nvPicPr>
+          <p:cNvPr id="16" name="그림 15">
+            <a:extLst>
+              <a:ext uri="{FF2B5EF4-FFF2-40B4-BE49-F238E27FC236}">
+                <a16:creationId xmlns:a16="http://schemas.microsoft.com/office/drawing/2014/main" id="{69C5704C-7233-4BD5-B620-0A6872B349D9}"/>
+              </a:ext>
+            </a:extLst>
+          </p:cNvPr>
+          <p:cNvPicPr>
+            <a:picLocks noChangeAspect="1"/>
+          </p:cNvPicPr>
+          <p:nvPr/>
+        </p:nvPicPr>
+        <p:blipFill>
+          <a:blip r:embed="rId3"/>
+          <a:stretch>
+            <a:fillRect/>
+          </a:stretch>
+        </p:blipFill>
+        <p:spPr>
+          <a:xfrm>
+            <a:off x="5290330" y="3338979"/>
+            <a:ext cx="6159500" cy="2959100"/>
+          </a:xfrm>
+          <a:prstGeom prst="rect">
+            <a:avLst/>
+          </a:prstGeom>
+        </p:spPr>
+      </p:pic>
+    </p:spTree>
+    <p:extLst>
+      <p:ext uri="{BB962C8B-B14F-4D97-AF65-F5344CB8AC3E}">
+        <p14:creationId xmlns:p14="http://schemas.microsoft.com/office/powerpoint/2010/main" val="2006545602"/>
+      </p:ext>
+    </p:extLst>
+  </p:cSld>
+  <p:clrMapOvr>
+    <a:masterClrMapping/>
+  </p:clrMapOvr>
+</p:sld>
+</file>
+
+<file path=ppt/slides/slide13.xml><?xml version="1.0" encoding="utf-8"?>
 <p:sld xmlns:a="http://schemas.openxmlformats.org/drawingml/2006/main" xmlns:r="http://schemas.openxmlformats.org/officeDocument/2006/relationships" xmlns:p="http://schemas.openxmlformats.org/presentationml/2006/main">
   <p:cSld>
     <p:spTree>
@@ -7368,7 +9401,7 @@
 </p:sld>
 </file>
 
-<file path=ppt/slides/slide13.xml><?xml version="1.0" encoding="utf-8"?>
+<file path=ppt/slides/slide14.xml><?xml version="1.0" encoding="utf-8"?>
 <p:sld xmlns:a="http://schemas.openxmlformats.org/drawingml/2006/main" xmlns:r="http://schemas.openxmlformats.org/officeDocument/2006/relationships" xmlns:p="http://schemas.openxmlformats.org/presentationml/2006/main">
   <p:cSld>
     <p:spTree>
@@ -7768,7 +9801,7 @@
 </p:sld>
 </file>
 
-<file path=ppt/slides/slide14.xml><?xml version="1.0" encoding="utf-8"?>
+<file path=ppt/slides/slide15.xml><?xml version="1.0" encoding="utf-8"?>
 <p:sld xmlns:a="http://schemas.openxmlformats.org/drawingml/2006/main" xmlns:r="http://schemas.openxmlformats.org/officeDocument/2006/relationships" xmlns:p="http://schemas.openxmlformats.org/presentationml/2006/main">
   <p:cSld>
     <p:spTree>
@@ -8183,7 +10216,7 @@
 </p:sld>
 </file>
 
-<file path=ppt/slides/slide15.xml><?xml version="1.0" encoding="utf-8"?>
+<file path=ppt/slides/slide16.xml><?xml version="1.0" encoding="utf-8"?>
 <p:sld xmlns:a="http://schemas.openxmlformats.org/drawingml/2006/main" xmlns:r="http://schemas.openxmlformats.org/officeDocument/2006/relationships" xmlns:p="http://schemas.openxmlformats.org/presentationml/2006/main">
   <p:cSld>
     <p:spTree>
@@ -8408,7 +10441,7 @@
 </p:sld>
 </file>
 
-<file path=ppt/slides/slide16.xml><?xml version="1.0" encoding="utf-8"?>
+<file path=ppt/slides/slide17.xml><?xml version="1.0" encoding="utf-8"?>
 <p:sld xmlns:a="http://schemas.openxmlformats.org/drawingml/2006/main" xmlns:r="http://schemas.openxmlformats.org/officeDocument/2006/relationships" xmlns:p="http://schemas.openxmlformats.org/presentationml/2006/main">
   <p:cSld>
     <p:spTree>
@@ -9340,7 +11373,7 @@
 </p:sld>
 </file>
 
-<file path=ppt/slides/slide17.xml><?xml version="1.0" encoding="utf-8"?>
+<file path=ppt/slides/slide18.xml><?xml version="1.0" encoding="utf-8"?>
 <p:sld xmlns:a="http://schemas.openxmlformats.org/drawingml/2006/main" xmlns:r="http://schemas.openxmlformats.org/officeDocument/2006/relationships" xmlns:p="http://schemas.openxmlformats.org/presentationml/2006/main">
   <p:cSld>
     <p:spTree>
@@ -9698,7 +11731,7 @@
 </p:sld>
 </file>
 
-<file path=ppt/slides/slide18.xml><?xml version="1.0" encoding="utf-8"?>
+<file path=ppt/slides/slide19.xml><?xml version="1.0" encoding="utf-8"?>
 <p:sld xmlns:a="http://schemas.openxmlformats.org/drawingml/2006/main" xmlns:r="http://schemas.openxmlformats.org/officeDocument/2006/relationships" xmlns:p="http://schemas.openxmlformats.org/presentationml/2006/main">
   <p:cSld>
     <p:spTree>
@@ -10108,921 +12141,6 @@
 </p:sld>
 </file>
 
-<file path=ppt/slides/slide19.xml><?xml version="1.0" encoding="utf-8"?>
-<p:sld xmlns:a="http://schemas.openxmlformats.org/drawingml/2006/main" xmlns:r="http://schemas.openxmlformats.org/officeDocument/2006/relationships" xmlns:p="http://schemas.openxmlformats.org/presentationml/2006/main">
-  <p:cSld>
-    <p:spTree>
-      <p:nvGrpSpPr>
-        <p:cNvPr id="1" name="">
-          <a:extLst>
-            <a:ext uri="{FF2B5EF4-FFF2-40B4-BE49-F238E27FC236}">
-              <a16:creationId xmlns:a16="http://schemas.microsoft.com/office/drawing/2014/main" id="{C09A0E1B-0DD5-55FA-60DD-0C7FD7902F46}"/>
-            </a:ext>
-          </a:extLst>
-        </p:cNvPr>
-        <p:cNvGrpSpPr/>
-        <p:nvPr/>
-      </p:nvGrpSpPr>
-      <p:grpSpPr>
-        <a:xfrm>
-          <a:off x="0" y="0"/>
-          <a:ext cx="0" cy="0"/>
-          <a:chOff x="0" y="0"/>
-          <a:chExt cx="0" cy="0"/>
-        </a:xfrm>
-      </p:grpSpPr>
-      <p:sp>
-        <p:nvSpPr>
-          <p:cNvPr id="2" name="제목 1">
-            <a:extLst>
-              <a:ext uri="{FF2B5EF4-FFF2-40B4-BE49-F238E27FC236}">
-                <a16:creationId xmlns:a16="http://schemas.microsoft.com/office/drawing/2014/main" id="{BA12999A-59FD-D8A4-5B84-5B574A361BBB}"/>
-              </a:ext>
-            </a:extLst>
-          </p:cNvPr>
-          <p:cNvSpPr>
-            <a:spLocks noGrp="1"/>
-          </p:cNvSpPr>
-          <p:nvPr>
-            <p:ph type="title"/>
-          </p:nvPr>
-        </p:nvSpPr>
-        <p:spPr/>
-        <p:txBody>
-          <a:bodyPr/>
-          <a:lstStyle/>
-          <a:p>
-            <a:r>
-              <a:rPr lang="ko-KR" altLang="en-US" dirty="0">
-                <a:latin typeface="배달의민족 주아 OTF" panose="02020603020101020101" pitchFamily="18" charset="-127"/>
-                <a:ea typeface="배달의민족 주아 OTF" panose="02020603020101020101" pitchFamily="18" charset="-127"/>
-              </a:rPr>
-              <a:t>문제 </a:t>
-            </a:r>
-            <a:r>
-              <a:rPr lang="en-US" altLang="ko-KR" dirty="0">
-                <a:latin typeface="배달의민족 주아 OTF" panose="02020603020101020101" pitchFamily="18" charset="-127"/>
-                <a:ea typeface="배달의민족 주아 OTF" panose="02020603020101020101" pitchFamily="18" charset="-127"/>
-              </a:rPr>
-              <a:t>2. </a:t>
-            </a:r>
-            <a:r>
-              <a:rPr lang="ko-KR" altLang="en-US" dirty="0">
-                <a:latin typeface="배달의민족 주아 OTF" panose="02020603020101020101" pitchFamily="18" charset="-127"/>
-                <a:ea typeface="배달의민족 주아 OTF" panose="02020603020101020101" pitchFamily="18" charset="-127"/>
-              </a:rPr>
-              <a:t>카테고리 변수 개수 축소하기</a:t>
-            </a:r>
-            <a:endParaRPr lang="en-US" dirty="0">
-              <a:latin typeface="배달의민족 주아 OTF" panose="02020603020101020101" pitchFamily="18" charset="-127"/>
-              <a:ea typeface="배달의민족 주아 OTF" panose="02020603020101020101" pitchFamily="18" charset="-127"/>
-            </a:endParaRPr>
-          </a:p>
-        </p:txBody>
-      </p:sp>
-      <p:sp>
-        <p:nvSpPr>
-          <p:cNvPr id="6" name="내용 개체 틀 2">
-            <a:extLst>
-              <a:ext uri="{FF2B5EF4-FFF2-40B4-BE49-F238E27FC236}">
-                <a16:creationId xmlns:a16="http://schemas.microsoft.com/office/drawing/2014/main" id="{AC8FD7B6-40C8-0B99-19CF-84D4F65E3FA7}"/>
-              </a:ext>
-            </a:extLst>
-          </p:cNvPr>
-          <p:cNvSpPr txBox="1">
-            <a:spLocks/>
-          </p:cNvSpPr>
-          <p:nvPr/>
-        </p:nvSpPr>
-        <p:spPr>
-          <a:xfrm>
-            <a:off x="176546" y="1640217"/>
-            <a:ext cx="12141530" cy="5418323"/>
-          </a:xfrm>
-          <a:prstGeom prst="rect">
-            <a:avLst/>
-          </a:prstGeom>
-        </p:spPr>
-        <p:txBody>
-          <a:bodyPr vert="horz" lIns="91440" tIns="45720" rIns="91440" bIns="45720" rtlCol="0">
-            <a:normAutofit/>
-          </a:bodyPr>
-          <a:lstStyle>
-            <a:lvl1pPr marL="228600" indent="-228600" algn="l" defTabSz="914400" rtl="0" eaLnBrk="1" latinLnBrk="0" hangingPunct="1">
-              <a:lnSpc>
-                <a:spcPct val="90000"/>
-              </a:lnSpc>
-              <a:spcBef>
-                <a:spcPts val="1000"/>
-              </a:spcBef>
-              <a:buFont typeface="Arial" panose="020B0604020202020204" pitchFamily="34" charset="0"/>
-              <a:buChar char="•"/>
-              <a:defRPr sz="2800" kern="1200">
-                <a:solidFill>
-                  <a:schemeClr val="tx1"/>
-                </a:solidFill>
-                <a:latin typeface="+mn-lt"/>
-                <a:ea typeface="+mn-ea"/>
-                <a:cs typeface="+mn-cs"/>
-              </a:defRPr>
-            </a:lvl1pPr>
-            <a:lvl2pPr marL="685800" indent="-228600" algn="l" defTabSz="914400" rtl="0" eaLnBrk="1" latinLnBrk="0" hangingPunct="1">
-              <a:lnSpc>
-                <a:spcPct val="90000"/>
-              </a:lnSpc>
-              <a:spcBef>
-                <a:spcPts val="500"/>
-              </a:spcBef>
-              <a:buFont typeface="Arial" panose="020B0604020202020204" pitchFamily="34" charset="0"/>
-              <a:buChar char="•"/>
-              <a:defRPr sz="2400" kern="1200">
-                <a:solidFill>
-                  <a:schemeClr val="tx1"/>
-                </a:solidFill>
-                <a:latin typeface="+mn-lt"/>
-                <a:ea typeface="+mn-ea"/>
-                <a:cs typeface="+mn-cs"/>
-              </a:defRPr>
-            </a:lvl2pPr>
-            <a:lvl3pPr marL="1143000" indent="-228600" algn="l" defTabSz="914400" rtl="0" eaLnBrk="1" latinLnBrk="0" hangingPunct="1">
-              <a:lnSpc>
-                <a:spcPct val="90000"/>
-              </a:lnSpc>
-              <a:spcBef>
-                <a:spcPts val="500"/>
-              </a:spcBef>
-              <a:buFont typeface="Arial" panose="020B0604020202020204" pitchFamily="34" charset="0"/>
-              <a:buChar char="•"/>
-              <a:defRPr sz="2000" kern="1200">
-                <a:solidFill>
-                  <a:schemeClr val="tx1"/>
-                </a:solidFill>
-                <a:latin typeface="+mn-lt"/>
-                <a:ea typeface="+mn-ea"/>
-                <a:cs typeface="+mn-cs"/>
-              </a:defRPr>
-            </a:lvl3pPr>
-            <a:lvl4pPr marL="1600200" indent="-228600" algn="l" defTabSz="914400" rtl="0" eaLnBrk="1" latinLnBrk="0" hangingPunct="1">
-              <a:lnSpc>
-                <a:spcPct val="90000"/>
-              </a:lnSpc>
-              <a:spcBef>
-                <a:spcPts val="500"/>
-              </a:spcBef>
-              <a:buFont typeface="Arial" panose="020B0604020202020204" pitchFamily="34" charset="0"/>
-              <a:buChar char="•"/>
-              <a:defRPr sz="1800" kern="1200">
-                <a:solidFill>
-                  <a:schemeClr val="tx1"/>
-                </a:solidFill>
-                <a:latin typeface="+mn-lt"/>
-                <a:ea typeface="+mn-ea"/>
-                <a:cs typeface="+mn-cs"/>
-              </a:defRPr>
-            </a:lvl4pPr>
-            <a:lvl5pPr marL="2057400" indent="-228600" algn="l" defTabSz="914400" rtl="0" eaLnBrk="1" latinLnBrk="0" hangingPunct="1">
-              <a:lnSpc>
-                <a:spcPct val="90000"/>
-              </a:lnSpc>
-              <a:spcBef>
-                <a:spcPts val="500"/>
-              </a:spcBef>
-              <a:buFont typeface="Arial" panose="020B0604020202020204" pitchFamily="34" charset="0"/>
-              <a:buChar char="•"/>
-              <a:defRPr sz="1800" kern="1200">
-                <a:solidFill>
-                  <a:schemeClr val="tx1"/>
-                </a:solidFill>
-                <a:latin typeface="+mn-lt"/>
-                <a:ea typeface="+mn-ea"/>
-                <a:cs typeface="+mn-cs"/>
-              </a:defRPr>
-            </a:lvl5pPr>
-            <a:lvl6pPr marL="2514600" indent="-228600" algn="l" defTabSz="914400" rtl="0" eaLnBrk="1" latinLnBrk="0" hangingPunct="1">
-              <a:lnSpc>
-                <a:spcPct val="90000"/>
-              </a:lnSpc>
-              <a:spcBef>
-                <a:spcPts val="500"/>
-              </a:spcBef>
-              <a:buFont typeface="Arial" panose="020B0604020202020204" pitchFamily="34" charset="0"/>
-              <a:buChar char="•"/>
-              <a:defRPr sz="1800" kern="1200">
-                <a:solidFill>
-                  <a:schemeClr val="tx1"/>
-                </a:solidFill>
-                <a:latin typeface="+mn-lt"/>
-                <a:ea typeface="+mn-ea"/>
-                <a:cs typeface="+mn-cs"/>
-              </a:defRPr>
-            </a:lvl6pPr>
-            <a:lvl7pPr marL="2971800" indent="-228600" algn="l" defTabSz="914400" rtl="0" eaLnBrk="1" latinLnBrk="0" hangingPunct="1">
-              <a:lnSpc>
-                <a:spcPct val="90000"/>
-              </a:lnSpc>
-              <a:spcBef>
-                <a:spcPts val="500"/>
-              </a:spcBef>
-              <a:buFont typeface="Arial" panose="020B0604020202020204" pitchFamily="34" charset="0"/>
-              <a:buChar char="•"/>
-              <a:defRPr sz="1800" kern="1200">
-                <a:solidFill>
-                  <a:schemeClr val="tx1"/>
-                </a:solidFill>
-                <a:latin typeface="+mn-lt"/>
-                <a:ea typeface="+mn-ea"/>
-                <a:cs typeface="+mn-cs"/>
-              </a:defRPr>
-            </a:lvl7pPr>
-            <a:lvl8pPr marL="3429000" indent="-228600" algn="l" defTabSz="914400" rtl="0" eaLnBrk="1" latinLnBrk="0" hangingPunct="1">
-              <a:lnSpc>
-                <a:spcPct val="90000"/>
-              </a:lnSpc>
-              <a:spcBef>
-                <a:spcPts val="500"/>
-              </a:spcBef>
-              <a:buFont typeface="Arial" panose="020B0604020202020204" pitchFamily="34" charset="0"/>
-              <a:buChar char="•"/>
-              <a:defRPr sz="1800" kern="1200">
-                <a:solidFill>
-                  <a:schemeClr val="tx1"/>
-                </a:solidFill>
-                <a:latin typeface="+mn-lt"/>
-                <a:ea typeface="+mn-ea"/>
-                <a:cs typeface="+mn-cs"/>
-              </a:defRPr>
-            </a:lvl8pPr>
-            <a:lvl9pPr marL="3886200" indent="-228600" algn="l" defTabSz="914400" rtl="0" eaLnBrk="1" latinLnBrk="0" hangingPunct="1">
-              <a:lnSpc>
-                <a:spcPct val="90000"/>
-              </a:lnSpc>
-              <a:spcBef>
-                <a:spcPts val="500"/>
-              </a:spcBef>
-              <a:buFont typeface="Arial" panose="020B0604020202020204" pitchFamily="34" charset="0"/>
-              <a:buChar char="•"/>
-              <a:defRPr sz="1800" kern="1200">
-                <a:solidFill>
-                  <a:schemeClr val="tx1"/>
-                </a:solidFill>
-                <a:latin typeface="+mn-lt"/>
-                <a:ea typeface="+mn-ea"/>
-                <a:cs typeface="+mn-cs"/>
-              </a:defRPr>
-            </a:lvl9pPr>
-          </a:lstStyle>
-          <a:p>
-            <a:pPr marL="914400" lvl="2" indent="0">
-              <a:buNone/>
-            </a:pPr>
-            <a:r>
-              <a:rPr lang="en-US" altLang="ko-KR" dirty="0">
-                <a:latin typeface="배달의민족 주아 OTF" panose="02020603020101020101" pitchFamily="18" charset="-127"/>
-                <a:ea typeface="배달의민족 주아 OTF" panose="02020603020101020101" pitchFamily="18" charset="-127"/>
-              </a:rPr>
-              <a:t> </a:t>
-            </a:r>
-            <a:br>
-              <a:rPr lang="en-US" altLang="ko-KR" dirty="0">
-                <a:latin typeface="배달의민족 주아 OTF" panose="02020603020101020101" pitchFamily="18" charset="-127"/>
-                <a:ea typeface="배달의민족 주아 OTF" panose="02020603020101020101" pitchFamily="18" charset="-127"/>
-              </a:rPr>
-            </a:br>
-            <a:endParaRPr lang="en-US" altLang="ko-KR" dirty="0">
-              <a:latin typeface="배달의민족 주아 OTF" panose="02020603020101020101" pitchFamily="18" charset="-127"/>
-              <a:ea typeface="배달의민족 주아 OTF" panose="02020603020101020101" pitchFamily="18" charset="-127"/>
-            </a:endParaRPr>
-          </a:p>
-        </p:txBody>
-      </p:sp>
-      <p:sp>
-        <p:nvSpPr>
-          <p:cNvPr id="5" name="TextBox 4">
-            <a:extLst>
-              <a:ext uri="{FF2B5EF4-FFF2-40B4-BE49-F238E27FC236}">
-                <a16:creationId xmlns:a16="http://schemas.microsoft.com/office/drawing/2014/main" id="{1CDC315D-C6A4-5B8A-0897-662076BCFE0A}"/>
-              </a:ext>
-            </a:extLst>
-          </p:cNvPr>
-          <p:cNvSpPr txBox="1"/>
-          <p:nvPr/>
-        </p:nvSpPr>
-        <p:spPr>
-          <a:xfrm>
-            <a:off x="1448789" y="2436420"/>
-            <a:ext cx="10248405" cy="1985159"/>
-          </a:xfrm>
-          <a:prstGeom prst="rect">
-            <a:avLst/>
-          </a:prstGeom>
-          <a:noFill/>
-        </p:spPr>
-        <p:txBody>
-          <a:bodyPr wrap="square">
-            <a:spAutoFit/>
-          </a:bodyPr>
-          <a:lstStyle/>
-          <a:p>
-            <a:pPr marR="0" lvl="0" algn="l" defTabSz="914400" rtl="0" eaLnBrk="1" fontAlgn="base" latinLnBrk="0" hangingPunct="1">
-              <a:lnSpc>
-                <a:spcPct val="130000"/>
-              </a:lnSpc>
-              <a:spcBef>
-                <a:spcPts val="1200"/>
-              </a:spcBef>
-              <a:spcAft>
-                <a:spcPts val="0"/>
-              </a:spcAft>
-              <a:buClr>
-                <a:srgbClr val="4D4D4D"/>
-              </a:buClr>
-              <a:buSzTx/>
-              <a:tabLst/>
-              <a:defRPr/>
-            </a:pPr>
-            <a:r>
-              <a:rPr kumimoji="0" lang="ko-KR" altLang="en-US" sz="2400" b="0" i="0" u="none" strike="noStrike" kern="1200" cap="none" spc="0" normalizeH="0" baseline="0" noProof="0" dirty="0">
-                <a:ln>
-                  <a:solidFill>
-                    <a:srgbClr val="4F81BD">
-                      <a:alpha val="0"/>
-                    </a:srgbClr>
-                  </a:solidFill>
-                </a:ln>
-                <a:solidFill>
-                  <a:prstClr val="black">
-                    <a:lumMod val="85000"/>
-                    <a:lumOff val="15000"/>
-                  </a:prstClr>
-                </a:solidFill>
-                <a:effectLst/>
-                <a:uLnTx/>
-                <a:uFillTx/>
-                <a:latin typeface="배달의민족 주아 OTF" panose="02020603020101020101" pitchFamily="18" charset="-127"/>
-                <a:ea typeface="배달의민족 주아 OTF" panose="02020603020101020101" pitchFamily="18" charset="-127"/>
-              </a:rPr>
-              <a:t>다양한</a:t>
-            </a:r>
-            <a:r>
-              <a:rPr kumimoji="0" lang="en-US" altLang="ko-KR" sz="2400" b="0" i="0" u="none" strike="noStrike" kern="1200" cap="none" spc="0" normalizeH="0" baseline="0" noProof="0" dirty="0">
-                <a:ln>
-                  <a:solidFill>
-                    <a:srgbClr val="4F81BD">
-                      <a:alpha val="0"/>
-                    </a:srgbClr>
-                  </a:solidFill>
-                </a:ln>
-                <a:solidFill>
-                  <a:prstClr val="black">
-                    <a:lumMod val="85000"/>
-                    <a:lumOff val="15000"/>
-                  </a:prstClr>
-                </a:solidFill>
-                <a:effectLst/>
-                <a:uLnTx/>
-                <a:uFillTx/>
-                <a:latin typeface="배달의민족 주아 OTF" panose="02020603020101020101" pitchFamily="18" charset="-127"/>
-                <a:ea typeface="배달의민족 주아 OTF" panose="02020603020101020101" pitchFamily="18" charset="-127"/>
-              </a:rPr>
-              <a:t> </a:t>
-            </a:r>
-            <a:r>
-              <a:rPr kumimoji="0" lang="ko-KR" altLang="en-US" sz="2400" b="0" i="0" u="none" strike="noStrike" kern="1200" cap="none" spc="0" normalizeH="0" baseline="0" noProof="0" dirty="0">
-                <a:ln>
-                  <a:solidFill>
-                    <a:srgbClr val="4F81BD">
-                      <a:alpha val="0"/>
-                    </a:srgbClr>
-                  </a:solidFill>
-                </a:ln>
-                <a:solidFill>
-                  <a:prstClr val="black">
-                    <a:lumMod val="85000"/>
-                    <a:lumOff val="15000"/>
-                  </a:prstClr>
-                </a:solidFill>
-                <a:effectLst/>
-                <a:uLnTx/>
-                <a:uFillTx/>
-                <a:latin typeface="배달의민족 주아 OTF" panose="02020603020101020101" pitchFamily="18" charset="-127"/>
-                <a:ea typeface="배달의민족 주아 OTF" panose="02020603020101020101" pitchFamily="18" charset="-127"/>
-              </a:rPr>
-              <a:t>범주형</a:t>
-            </a:r>
-            <a:r>
-              <a:rPr kumimoji="0" lang="en-US" altLang="ko-KR" sz="2400" b="0" i="0" u="none" strike="noStrike" kern="1200" cap="none" spc="0" normalizeH="0" baseline="0" noProof="0" dirty="0">
-                <a:ln>
-                  <a:solidFill>
-                    <a:srgbClr val="4F81BD">
-                      <a:alpha val="0"/>
-                    </a:srgbClr>
-                  </a:solidFill>
-                </a:ln>
-                <a:solidFill>
-                  <a:prstClr val="black">
-                    <a:lumMod val="85000"/>
-                    <a:lumOff val="15000"/>
-                  </a:prstClr>
-                </a:solidFill>
-                <a:effectLst/>
-                <a:uLnTx/>
-                <a:uFillTx/>
-                <a:latin typeface="배달의민족 주아 OTF" panose="02020603020101020101" pitchFamily="18" charset="-127"/>
-                <a:ea typeface="배달의민족 주아 OTF" panose="02020603020101020101" pitchFamily="18" charset="-127"/>
-              </a:rPr>
-              <a:t> </a:t>
-            </a:r>
-            <a:r>
-              <a:rPr kumimoji="0" lang="ko-KR" altLang="en-US" sz="2400" b="0" i="0" u="none" strike="noStrike" kern="1200" cap="none" spc="0" normalizeH="0" baseline="0" noProof="0" dirty="0">
-                <a:ln>
-                  <a:solidFill>
-                    <a:srgbClr val="4F81BD">
-                      <a:alpha val="0"/>
-                    </a:srgbClr>
-                  </a:solidFill>
-                </a:ln>
-                <a:solidFill>
-                  <a:prstClr val="black">
-                    <a:lumMod val="85000"/>
-                    <a:lumOff val="15000"/>
-                  </a:prstClr>
-                </a:solidFill>
-                <a:effectLst/>
-                <a:uLnTx/>
-                <a:uFillTx/>
-                <a:latin typeface="배달의민족 주아 OTF" panose="02020603020101020101" pitchFamily="18" charset="-127"/>
-                <a:ea typeface="배달의민족 주아 OTF" panose="02020603020101020101" pitchFamily="18" charset="-127"/>
-              </a:rPr>
-              <a:t>변수들</a:t>
-            </a:r>
-            <a:r>
-              <a:rPr kumimoji="0" lang="en-US" altLang="ko-KR" sz="2400" b="0" i="0" u="none" strike="noStrike" kern="1200" cap="none" spc="0" normalizeH="0" baseline="0" noProof="0" dirty="0">
-                <a:ln>
-                  <a:solidFill>
-                    <a:srgbClr val="4F81BD">
-                      <a:alpha val="0"/>
-                    </a:srgbClr>
-                  </a:solidFill>
-                </a:ln>
-                <a:solidFill>
-                  <a:prstClr val="black">
-                    <a:lumMod val="85000"/>
-                    <a:lumOff val="15000"/>
-                  </a:prstClr>
-                </a:solidFill>
-                <a:effectLst/>
-                <a:uLnTx/>
-                <a:uFillTx/>
-                <a:latin typeface="배달의민족 주아 OTF" panose="02020603020101020101" pitchFamily="18" charset="-127"/>
-                <a:ea typeface="배달의민족 주아 OTF" panose="02020603020101020101" pitchFamily="18" charset="-127"/>
-              </a:rPr>
-              <a:t>(</a:t>
-            </a:r>
-            <a:r>
-              <a:rPr kumimoji="0" lang="ko-KR" altLang="en-US" sz="2400" b="0" i="0" u="none" strike="noStrike" kern="1200" cap="none" spc="0" normalizeH="0" baseline="0" noProof="0" dirty="0">
-                <a:ln>
-                  <a:solidFill>
-                    <a:srgbClr val="4F81BD">
-                      <a:alpha val="0"/>
-                    </a:srgbClr>
-                  </a:solidFill>
-                </a:ln>
-                <a:solidFill>
-                  <a:prstClr val="black">
-                    <a:lumMod val="85000"/>
-                    <a:lumOff val="15000"/>
-                  </a:prstClr>
-                </a:solidFill>
-                <a:effectLst/>
-                <a:uLnTx/>
-                <a:uFillTx/>
-                <a:latin typeface="배달의민족 주아 OTF" panose="02020603020101020101" pitchFamily="18" charset="-127"/>
-                <a:ea typeface="배달의민족 주아 OTF" panose="02020603020101020101" pitchFamily="18" charset="-127"/>
-              </a:rPr>
-              <a:t>더미 변수가 아닌 원래 변수 사용</a:t>
-            </a:r>
-            <a:r>
-              <a:rPr kumimoji="0" lang="en-US" altLang="ko-KR" sz="2400" b="0" i="0" u="none" strike="noStrike" kern="1200" cap="none" spc="0" normalizeH="0" baseline="0" noProof="0" dirty="0">
-                <a:ln>
-                  <a:solidFill>
-                    <a:srgbClr val="4F81BD">
-                      <a:alpha val="0"/>
-                    </a:srgbClr>
-                  </a:solidFill>
-                </a:ln>
-                <a:solidFill>
-                  <a:prstClr val="black">
-                    <a:lumMod val="85000"/>
-                    <a:lumOff val="15000"/>
-                  </a:prstClr>
-                </a:solidFill>
-                <a:effectLst/>
-                <a:uLnTx/>
-                <a:uFillTx/>
-                <a:latin typeface="배달의민족 주아 OTF" panose="02020603020101020101" pitchFamily="18" charset="-127"/>
-                <a:ea typeface="배달의민족 주아 OTF" panose="02020603020101020101" pitchFamily="18" charset="-127"/>
-              </a:rPr>
-              <a:t>)</a:t>
-            </a:r>
-            <a:r>
-              <a:rPr kumimoji="0" lang="ko-KR" altLang="en-US" sz="2400" b="0" i="0" u="none" strike="noStrike" kern="1200" cap="none" spc="0" normalizeH="0" baseline="0" noProof="0" dirty="0">
-                <a:ln>
-                  <a:solidFill>
-                    <a:srgbClr val="4F81BD">
-                      <a:alpha val="0"/>
-                    </a:srgbClr>
-                  </a:solidFill>
-                </a:ln>
-                <a:solidFill>
-                  <a:prstClr val="black">
-                    <a:lumMod val="85000"/>
-                    <a:lumOff val="15000"/>
-                  </a:prstClr>
-                </a:solidFill>
-                <a:effectLst/>
-                <a:uLnTx/>
-                <a:uFillTx/>
-                <a:latin typeface="배달의민족 주아 OTF" panose="02020603020101020101" pitchFamily="18" charset="-127"/>
-                <a:ea typeface="배달의민족 주아 OTF" panose="02020603020101020101" pitchFamily="18" charset="-127"/>
-              </a:rPr>
-              <a:t>의 함수로서 이진형 결과 변수</a:t>
-            </a:r>
-            <a:r>
-              <a:rPr kumimoji="0" lang="en-US" altLang="ko-KR" sz="2400" b="0" i="0" u="none" strike="noStrike" kern="1200" cap="none" spc="0" normalizeH="0" baseline="0" noProof="0" dirty="0">
-                <a:ln>
-                  <a:solidFill>
-                    <a:srgbClr val="4F81BD">
-                      <a:alpha val="0"/>
-                    </a:srgbClr>
-                  </a:solidFill>
-                </a:ln>
-                <a:solidFill>
-                  <a:prstClr val="black">
-                    <a:lumMod val="85000"/>
-                    <a:lumOff val="15000"/>
-                  </a:prstClr>
-                </a:solidFill>
-                <a:effectLst/>
-                <a:uLnTx/>
-                <a:uFillTx/>
-                <a:latin typeface="배달의민족 주아 OTF" panose="02020603020101020101" pitchFamily="18" charset="-127"/>
-                <a:ea typeface="배달의민족 주아 OTF" panose="02020603020101020101" pitchFamily="18" charset="-127"/>
-              </a:rPr>
-              <a:t>(</a:t>
-            </a:r>
-            <a:r>
-              <a:rPr kumimoji="0" lang="ko-KR" altLang="en-US" sz="2400" b="0" i="0" u="none" strike="noStrike" kern="1200" cap="none" spc="0" normalizeH="0" baseline="0" noProof="0" dirty="0">
-                <a:ln>
-                  <a:solidFill>
-                    <a:srgbClr val="4F81BD">
-                      <a:alpha val="0"/>
-                    </a:srgbClr>
-                  </a:solidFill>
-                </a:ln>
-                <a:solidFill>
-                  <a:prstClr val="black">
-                    <a:lumMod val="85000"/>
-                    <a:lumOff val="15000"/>
-                  </a:prstClr>
-                </a:solidFill>
-                <a:effectLst/>
-                <a:uLnTx/>
-                <a:uFillTx/>
-                <a:latin typeface="배달의민족 주아 OTF" panose="02020603020101020101" pitchFamily="18" charset="-127"/>
-                <a:ea typeface="배달의민족 주아 OTF" panose="02020603020101020101" pitchFamily="18" charset="-127"/>
-              </a:rPr>
-              <a:t>경쟁적인 경매 여부</a:t>
-            </a:r>
-            <a:r>
-              <a:rPr kumimoji="0" lang="en-US" altLang="ko-KR" sz="2400" b="0" i="0" u="none" strike="noStrike" kern="1200" cap="none" spc="0" normalizeH="0" baseline="0" noProof="0" dirty="0">
-                <a:ln>
-                  <a:solidFill>
-                    <a:srgbClr val="4F81BD">
-                      <a:alpha val="0"/>
-                    </a:srgbClr>
-                  </a:solidFill>
-                </a:ln>
-                <a:solidFill>
-                  <a:prstClr val="black">
-                    <a:lumMod val="85000"/>
-                    <a:lumOff val="15000"/>
-                  </a:prstClr>
-                </a:solidFill>
-                <a:effectLst/>
-                <a:uLnTx/>
-                <a:uFillTx/>
-                <a:latin typeface="배달의민족 주아 OTF" panose="02020603020101020101" pitchFamily="18" charset="-127"/>
-                <a:ea typeface="배달의민족 주아 OTF" panose="02020603020101020101" pitchFamily="18" charset="-127"/>
-              </a:rPr>
-              <a:t>)</a:t>
-            </a:r>
-            <a:r>
-              <a:rPr kumimoji="0" lang="ko-KR" altLang="en-US" sz="2400" b="0" i="0" u="none" strike="noStrike" kern="1200" cap="none" spc="0" normalizeH="0" baseline="0" noProof="0" dirty="0">
-                <a:ln>
-                  <a:solidFill>
-                    <a:srgbClr val="4F81BD">
-                      <a:alpha val="0"/>
-                    </a:srgbClr>
-                  </a:solidFill>
-                </a:ln>
-                <a:solidFill>
-                  <a:prstClr val="black">
-                    <a:lumMod val="85000"/>
-                    <a:lumOff val="15000"/>
-                  </a:prstClr>
-                </a:solidFill>
-                <a:effectLst/>
-                <a:uLnTx/>
-                <a:uFillTx/>
-                <a:latin typeface="배달의민족 주아 OTF" panose="02020603020101020101" pitchFamily="18" charset="-127"/>
-                <a:ea typeface="배달의민족 주아 OTF" panose="02020603020101020101" pitchFamily="18" charset="-127"/>
-              </a:rPr>
-              <a:t>의 평균을 구하기 위해 피벗 테이블을 </a:t>
-            </a:r>
-            <a:r>
-              <a:rPr kumimoji="0" lang="ko-KR" altLang="en-US" sz="2400" b="0" i="0" u="none" strike="noStrike" kern="1200" cap="none" spc="0" normalizeH="0" baseline="0" noProof="0" dirty="0" err="1">
-                <a:ln>
-                  <a:solidFill>
-                    <a:srgbClr val="4F81BD">
-                      <a:alpha val="0"/>
-                    </a:srgbClr>
-                  </a:solidFill>
-                </a:ln>
-                <a:solidFill>
-                  <a:prstClr val="black">
-                    <a:lumMod val="85000"/>
-                    <a:lumOff val="15000"/>
-                  </a:prstClr>
-                </a:solidFill>
-                <a:effectLst/>
-                <a:uLnTx/>
-                <a:uFillTx/>
-                <a:latin typeface="배달의민족 주아 OTF" panose="02020603020101020101" pitchFamily="18" charset="-127"/>
-                <a:ea typeface="배달의민족 주아 OTF" panose="02020603020101020101" pitchFamily="18" charset="-127"/>
-              </a:rPr>
-              <a:t>작성하시오</a:t>
-            </a:r>
-            <a:r>
-              <a:rPr kumimoji="0" lang="en-US" altLang="ko-KR" sz="2400" b="0" i="0" u="none" strike="noStrike" kern="1200" cap="none" spc="0" normalizeH="0" baseline="0" noProof="0" dirty="0">
-                <a:ln>
-                  <a:solidFill>
-                    <a:srgbClr val="4F81BD">
-                      <a:alpha val="0"/>
-                    </a:srgbClr>
-                  </a:solidFill>
-                </a:ln>
-                <a:solidFill>
-                  <a:prstClr val="black">
-                    <a:lumMod val="85000"/>
-                    <a:lumOff val="15000"/>
-                  </a:prstClr>
-                </a:solidFill>
-                <a:effectLst/>
-                <a:uLnTx/>
-                <a:uFillTx/>
-                <a:latin typeface="배달의민족 주아 OTF" panose="02020603020101020101" pitchFamily="18" charset="-127"/>
-                <a:ea typeface="배달의민족 주아 OTF" panose="02020603020101020101" pitchFamily="18" charset="-127"/>
-              </a:rPr>
-              <a:t>. </a:t>
-            </a:r>
-            <a:br>
-              <a:rPr kumimoji="0" lang="en-US" altLang="ko-KR" sz="2400" b="0" i="0" u="none" strike="noStrike" kern="1200" cap="none" spc="0" normalizeH="0" baseline="0" noProof="0" dirty="0">
-                <a:ln>
-                  <a:solidFill>
-                    <a:srgbClr val="4F81BD">
-                      <a:alpha val="0"/>
-                    </a:srgbClr>
-                  </a:solidFill>
-                </a:ln>
-                <a:solidFill>
-                  <a:prstClr val="black">
-                    <a:lumMod val="85000"/>
-                    <a:lumOff val="15000"/>
-                  </a:prstClr>
-                </a:solidFill>
-                <a:effectLst/>
-                <a:uLnTx/>
-                <a:uFillTx/>
-                <a:latin typeface="배달의민족 주아 OTF" panose="02020603020101020101" pitchFamily="18" charset="-127"/>
-                <a:ea typeface="배달의민족 주아 OTF" panose="02020603020101020101" pitchFamily="18" charset="-127"/>
-              </a:rPr>
-            </a:br>
-            <a:r>
-              <a:rPr kumimoji="0" lang="ko-KR" altLang="en-US" sz="2400" b="0" i="0" u="none" strike="noStrike" kern="1200" cap="none" spc="0" normalizeH="0" baseline="0" noProof="0" dirty="0">
-                <a:ln>
-                  <a:solidFill>
-                    <a:srgbClr val="4F81BD">
-                      <a:alpha val="0"/>
-                    </a:srgbClr>
-                  </a:solidFill>
-                </a:ln>
-                <a:solidFill>
-                  <a:prstClr val="black">
-                    <a:lumMod val="85000"/>
-                    <a:lumOff val="15000"/>
-                  </a:prstClr>
-                </a:solidFill>
-                <a:effectLst/>
-                <a:uLnTx/>
-                <a:uFillTx/>
-                <a:latin typeface="배달의민족 주아 OTF" panose="02020603020101020101" pitchFamily="18" charset="-127"/>
-                <a:ea typeface="배달의민족 주아 OTF" panose="02020603020101020101" pitchFamily="18" charset="-127"/>
-              </a:rPr>
-              <a:t>모델에서 사용될 더미 변수의 개수를 줄이기 위해서 피벗 테이블의 정보를 </a:t>
-            </a:r>
-            <a:r>
-              <a:rPr kumimoji="0" lang="ko-KR" altLang="en-US" sz="2400" b="0" i="0" u="none" strike="noStrike" kern="1200" cap="none" spc="0" normalizeH="0" baseline="0" noProof="0" dirty="0" err="1">
-                <a:ln>
-                  <a:solidFill>
-                    <a:srgbClr val="4F81BD">
-                      <a:alpha val="0"/>
-                    </a:srgbClr>
-                  </a:solidFill>
-                </a:ln>
-                <a:solidFill>
-                  <a:prstClr val="black">
-                    <a:lumMod val="85000"/>
-                    <a:lumOff val="15000"/>
-                  </a:prstClr>
-                </a:solidFill>
-                <a:effectLst/>
-                <a:uLnTx/>
-                <a:uFillTx/>
-                <a:latin typeface="배달의민족 주아 OTF" panose="02020603020101020101" pitchFamily="18" charset="-127"/>
-                <a:ea typeface="배달의민족 주아 OTF" panose="02020603020101020101" pitchFamily="18" charset="-127"/>
-              </a:rPr>
-              <a:t>활용하시오</a:t>
-            </a:r>
-            <a:r>
-              <a:rPr kumimoji="0" lang="en-US" altLang="ko-KR" sz="2400" b="0" i="0" u="none" strike="noStrike" kern="1200" cap="none" spc="0" normalizeH="0" baseline="0" noProof="0" dirty="0">
-                <a:ln>
-                  <a:solidFill>
-                    <a:srgbClr val="4F81BD">
-                      <a:alpha val="0"/>
-                    </a:srgbClr>
-                  </a:solidFill>
-                </a:ln>
-                <a:solidFill>
-                  <a:prstClr val="black">
-                    <a:lumMod val="85000"/>
-                    <a:lumOff val="15000"/>
-                  </a:prstClr>
-                </a:solidFill>
-                <a:effectLst/>
-                <a:uLnTx/>
-                <a:uFillTx/>
-                <a:latin typeface="배달의민족 주아 OTF" panose="02020603020101020101" pitchFamily="18" charset="-127"/>
-                <a:ea typeface="배달의민족 주아 OTF" panose="02020603020101020101" pitchFamily="18" charset="-127"/>
-              </a:rPr>
-              <a:t>. </a:t>
-            </a:r>
-            <a:br>
-              <a:rPr kumimoji="0" lang="en-US" altLang="ko-KR" sz="2400" b="0" i="0" u="none" strike="noStrike" kern="1200" cap="none" spc="0" normalizeH="0" baseline="0" noProof="0" dirty="0">
-                <a:ln>
-                  <a:solidFill>
-                    <a:srgbClr val="4F81BD">
-                      <a:alpha val="0"/>
-                    </a:srgbClr>
-                  </a:solidFill>
-                </a:ln>
-                <a:solidFill>
-                  <a:prstClr val="black">
-                    <a:lumMod val="85000"/>
-                    <a:lumOff val="15000"/>
-                  </a:prstClr>
-                </a:solidFill>
-                <a:effectLst/>
-                <a:uLnTx/>
-                <a:uFillTx/>
-                <a:latin typeface="배달의민족 주아 OTF" panose="02020603020101020101" pitchFamily="18" charset="-127"/>
-                <a:ea typeface="배달의민족 주아 OTF" panose="02020603020101020101" pitchFamily="18" charset="-127"/>
-              </a:rPr>
-            </a:br>
-            <a:r>
-              <a:rPr kumimoji="0" lang="ko-KR" altLang="en-US" sz="2400" b="0" i="0" u="none" strike="noStrike" kern="1200" cap="none" spc="0" normalizeH="0" baseline="0" noProof="0" dirty="0">
-                <a:ln>
-                  <a:solidFill>
-                    <a:srgbClr val="4F81BD">
-                      <a:alpha val="0"/>
-                    </a:srgbClr>
-                  </a:solidFill>
-                </a:ln>
-                <a:solidFill>
-                  <a:prstClr val="black">
-                    <a:lumMod val="85000"/>
-                    <a:lumOff val="15000"/>
-                  </a:prstClr>
-                </a:solidFill>
-                <a:effectLst/>
-                <a:uLnTx/>
-                <a:uFillTx/>
-                <a:latin typeface="배달의민족 주아 OTF" panose="02020603020101020101" pitchFamily="18" charset="-127"/>
-                <a:ea typeface="배달의민족 주아 OTF" panose="02020603020101020101" pitchFamily="18" charset="-127"/>
-              </a:rPr>
-              <a:t>예를 들어</a:t>
-            </a:r>
-            <a:r>
-              <a:rPr kumimoji="0" lang="en-US" altLang="ko-KR" sz="2400" b="0" i="0" u="none" strike="noStrike" kern="1200" cap="none" spc="0" normalizeH="0" baseline="0" noProof="0" dirty="0">
-                <a:ln>
-                  <a:solidFill>
-                    <a:srgbClr val="4F81BD">
-                      <a:alpha val="0"/>
-                    </a:srgbClr>
-                  </a:solidFill>
-                </a:ln>
-                <a:solidFill>
-                  <a:prstClr val="black">
-                    <a:lumMod val="85000"/>
-                    <a:lumOff val="15000"/>
-                  </a:prstClr>
-                </a:solidFill>
-                <a:effectLst/>
-                <a:uLnTx/>
-                <a:uFillTx/>
-                <a:latin typeface="배달의민족 주아 OTF" panose="02020603020101020101" pitchFamily="18" charset="-127"/>
-                <a:ea typeface="배달의민족 주아 OTF" panose="02020603020101020101" pitchFamily="18" charset="-127"/>
-              </a:rPr>
-              <a:t>, </a:t>
-            </a:r>
-            <a:r>
-              <a:rPr kumimoji="0" lang="ko-KR" altLang="en-US" sz="2400" b="0" i="0" u="none" strike="noStrike" kern="1200" cap="none" spc="0" normalizeH="0" baseline="0" noProof="0" dirty="0">
-                <a:ln>
-                  <a:solidFill>
-                    <a:srgbClr val="4F81BD">
-                      <a:alpha val="0"/>
-                    </a:srgbClr>
-                  </a:solidFill>
-                </a:ln>
-                <a:solidFill>
-                  <a:prstClr val="black">
-                    <a:lumMod val="85000"/>
-                    <a:lumOff val="15000"/>
-                  </a:prstClr>
-                </a:solidFill>
-                <a:effectLst/>
-                <a:uLnTx/>
-                <a:uFillTx/>
-                <a:latin typeface="배달의민족 주아 OTF" panose="02020603020101020101" pitchFamily="18" charset="-127"/>
-                <a:ea typeface="배달의민족 주아 OTF" panose="02020603020101020101" pitchFamily="18" charset="-127"/>
-              </a:rPr>
-              <a:t>경쟁적인 경매의 분포가 유사한 범주는 합칠 수 있다</a:t>
-            </a:r>
-            <a:r>
-              <a:rPr kumimoji="0" lang="en-US" altLang="ko-KR" sz="2400" b="0" i="0" u="none" strike="noStrike" kern="1200" cap="none" spc="0" normalizeH="0" baseline="0" noProof="0" dirty="0">
-                <a:ln>
-                  <a:solidFill>
-                    <a:srgbClr val="4F81BD">
-                      <a:alpha val="0"/>
-                    </a:srgbClr>
-                  </a:solidFill>
-                </a:ln>
-                <a:solidFill>
-                  <a:prstClr val="black">
-                    <a:lumMod val="85000"/>
-                    <a:lumOff val="15000"/>
-                  </a:prstClr>
-                </a:solidFill>
-                <a:effectLst/>
-                <a:uLnTx/>
-                <a:uFillTx/>
-                <a:latin typeface="배달의민족 주아 OTF" panose="02020603020101020101" pitchFamily="18" charset="-127"/>
-                <a:ea typeface="배달의민족 주아 OTF" panose="02020603020101020101" pitchFamily="18" charset="-127"/>
-              </a:rPr>
-              <a:t>.</a:t>
-            </a:r>
-            <a:endParaRPr kumimoji="0" lang="ko-KR" altLang="en-US" sz="2400" dirty="0">
-              <a:ln>
-                <a:solidFill>
-                  <a:srgbClr val="4F81BD">
-                    <a:alpha val="0"/>
-                  </a:srgbClr>
-                </a:solidFill>
-              </a:ln>
-              <a:solidFill>
-                <a:schemeClr val="tx1">
-                  <a:lumMod val="85000"/>
-                  <a:lumOff val="15000"/>
-                </a:schemeClr>
-              </a:solidFill>
-              <a:latin typeface="배달의민족 주아 OTF" panose="02020603020101020101" pitchFamily="18" charset="-127"/>
-              <a:ea typeface="배달의민족 주아 OTF" panose="02020603020101020101" pitchFamily="18" charset="-127"/>
-            </a:endParaRPr>
-          </a:p>
-        </p:txBody>
-      </p:sp>
-    </p:spTree>
-    <p:extLst>
-      <p:ext uri="{BB962C8B-B14F-4D97-AF65-F5344CB8AC3E}">
-        <p14:creationId xmlns:p14="http://schemas.microsoft.com/office/powerpoint/2010/main" val="3027798344"/>
-      </p:ext>
-    </p:extLst>
-  </p:cSld>
-  <p:clrMapOvr>
-    <a:masterClrMapping/>
-  </p:clrMapOvr>
-</p:sld>
-</file>
-
 <file path=ppt/slides/slide2.xml><?xml version="1.0" encoding="utf-8"?>
 <p:sld xmlns:a="http://schemas.openxmlformats.org/drawingml/2006/main" xmlns:r="http://schemas.openxmlformats.org/officeDocument/2006/relationships" xmlns:p="http://schemas.openxmlformats.org/presentationml/2006/main">
   <p:cSld>
@@ -11243,6 +12361,921 @@
 </file>
 
 <file path=ppt/slides/slide20.xml><?xml version="1.0" encoding="utf-8"?>
+<p:sld xmlns:a="http://schemas.openxmlformats.org/drawingml/2006/main" xmlns:r="http://schemas.openxmlformats.org/officeDocument/2006/relationships" xmlns:p="http://schemas.openxmlformats.org/presentationml/2006/main">
+  <p:cSld>
+    <p:spTree>
+      <p:nvGrpSpPr>
+        <p:cNvPr id="1" name="">
+          <a:extLst>
+            <a:ext uri="{FF2B5EF4-FFF2-40B4-BE49-F238E27FC236}">
+              <a16:creationId xmlns:a16="http://schemas.microsoft.com/office/drawing/2014/main" id="{C09A0E1B-0DD5-55FA-60DD-0C7FD7902F46}"/>
+            </a:ext>
+          </a:extLst>
+        </p:cNvPr>
+        <p:cNvGrpSpPr/>
+        <p:nvPr/>
+      </p:nvGrpSpPr>
+      <p:grpSpPr>
+        <a:xfrm>
+          <a:off x="0" y="0"/>
+          <a:ext cx="0" cy="0"/>
+          <a:chOff x="0" y="0"/>
+          <a:chExt cx="0" cy="0"/>
+        </a:xfrm>
+      </p:grpSpPr>
+      <p:sp>
+        <p:nvSpPr>
+          <p:cNvPr id="2" name="제목 1">
+            <a:extLst>
+              <a:ext uri="{FF2B5EF4-FFF2-40B4-BE49-F238E27FC236}">
+                <a16:creationId xmlns:a16="http://schemas.microsoft.com/office/drawing/2014/main" id="{BA12999A-59FD-D8A4-5B84-5B574A361BBB}"/>
+              </a:ext>
+            </a:extLst>
+          </p:cNvPr>
+          <p:cNvSpPr>
+            <a:spLocks noGrp="1"/>
+          </p:cNvSpPr>
+          <p:nvPr>
+            <p:ph type="title"/>
+          </p:nvPr>
+        </p:nvSpPr>
+        <p:spPr/>
+        <p:txBody>
+          <a:bodyPr/>
+          <a:lstStyle/>
+          <a:p>
+            <a:r>
+              <a:rPr lang="ko-KR" altLang="en-US" dirty="0">
+                <a:latin typeface="배달의민족 주아 OTF" panose="02020603020101020101" pitchFamily="18" charset="-127"/>
+                <a:ea typeface="배달의민족 주아 OTF" panose="02020603020101020101" pitchFamily="18" charset="-127"/>
+              </a:rPr>
+              <a:t>문제 </a:t>
+            </a:r>
+            <a:r>
+              <a:rPr lang="en-US" altLang="ko-KR" dirty="0">
+                <a:latin typeface="배달의민족 주아 OTF" panose="02020603020101020101" pitchFamily="18" charset="-127"/>
+                <a:ea typeface="배달의민족 주아 OTF" panose="02020603020101020101" pitchFamily="18" charset="-127"/>
+              </a:rPr>
+              <a:t>2. </a:t>
+            </a:r>
+            <a:r>
+              <a:rPr lang="ko-KR" altLang="en-US" dirty="0">
+                <a:latin typeface="배달의민족 주아 OTF" panose="02020603020101020101" pitchFamily="18" charset="-127"/>
+                <a:ea typeface="배달의민족 주아 OTF" panose="02020603020101020101" pitchFamily="18" charset="-127"/>
+              </a:rPr>
+              <a:t>카테고리 변수 개수 축소하기</a:t>
+            </a:r>
+            <a:endParaRPr lang="en-US" dirty="0">
+              <a:latin typeface="배달의민족 주아 OTF" panose="02020603020101020101" pitchFamily="18" charset="-127"/>
+              <a:ea typeface="배달의민족 주아 OTF" panose="02020603020101020101" pitchFamily="18" charset="-127"/>
+            </a:endParaRPr>
+          </a:p>
+        </p:txBody>
+      </p:sp>
+      <p:sp>
+        <p:nvSpPr>
+          <p:cNvPr id="6" name="내용 개체 틀 2">
+            <a:extLst>
+              <a:ext uri="{FF2B5EF4-FFF2-40B4-BE49-F238E27FC236}">
+                <a16:creationId xmlns:a16="http://schemas.microsoft.com/office/drawing/2014/main" id="{AC8FD7B6-40C8-0B99-19CF-84D4F65E3FA7}"/>
+              </a:ext>
+            </a:extLst>
+          </p:cNvPr>
+          <p:cNvSpPr txBox="1">
+            <a:spLocks/>
+          </p:cNvSpPr>
+          <p:nvPr/>
+        </p:nvSpPr>
+        <p:spPr>
+          <a:xfrm>
+            <a:off x="176546" y="1640217"/>
+            <a:ext cx="12141530" cy="5418323"/>
+          </a:xfrm>
+          <a:prstGeom prst="rect">
+            <a:avLst/>
+          </a:prstGeom>
+        </p:spPr>
+        <p:txBody>
+          <a:bodyPr vert="horz" lIns="91440" tIns="45720" rIns="91440" bIns="45720" rtlCol="0">
+            <a:normAutofit/>
+          </a:bodyPr>
+          <a:lstStyle>
+            <a:lvl1pPr marL="228600" indent="-228600" algn="l" defTabSz="914400" rtl="0" eaLnBrk="1" latinLnBrk="0" hangingPunct="1">
+              <a:lnSpc>
+                <a:spcPct val="90000"/>
+              </a:lnSpc>
+              <a:spcBef>
+                <a:spcPts val="1000"/>
+              </a:spcBef>
+              <a:buFont typeface="Arial" panose="020B0604020202020204" pitchFamily="34" charset="0"/>
+              <a:buChar char="•"/>
+              <a:defRPr sz="2800" kern="1200">
+                <a:solidFill>
+                  <a:schemeClr val="tx1"/>
+                </a:solidFill>
+                <a:latin typeface="+mn-lt"/>
+                <a:ea typeface="+mn-ea"/>
+                <a:cs typeface="+mn-cs"/>
+              </a:defRPr>
+            </a:lvl1pPr>
+            <a:lvl2pPr marL="685800" indent="-228600" algn="l" defTabSz="914400" rtl="0" eaLnBrk="1" latinLnBrk="0" hangingPunct="1">
+              <a:lnSpc>
+                <a:spcPct val="90000"/>
+              </a:lnSpc>
+              <a:spcBef>
+                <a:spcPts val="500"/>
+              </a:spcBef>
+              <a:buFont typeface="Arial" panose="020B0604020202020204" pitchFamily="34" charset="0"/>
+              <a:buChar char="•"/>
+              <a:defRPr sz="2400" kern="1200">
+                <a:solidFill>
+                  <a:schemeClr val="tx1"/>
+                </a:solidFill>
+                <a:latin typeface="+mn-lt"/>
+                <a:ea typeface="+mn-ea"/>
+                <a:cs typeface="+mn-cs"/>
+              </a:defRPr>
+            </a:lvl2pPr>
+            <a:lvl3pPr marL="1143000" indent="-228600" algn="l" defTabSz="914400" rtl="0" eaLnBrk="1" latinLnBrk="0" hangingPunct="1">
+              <a:lnSpc>
+                <a:spcPct val="90000"/>
+              </a:lnSpc>
+              <a:spcBef>
+                <a:spcPts val="500"/>
+              </a:spcBef>
+              <a:buFont typeface="Arial" panose="020B0604020202020204" pitchFamily="34" charset="0"/>
+              <a:buChar char="•"/>
+              <a:defRPr sz="2000" kern="1200">
+                <a:solidFill>
+                  <a:schemeClr val="tx1"/>
+                </a:solidFill>
+                <a:latin typeface="+mn-lt"/>
+                <a:ea typeface="+mn-ea"/>
+                <a:cs typeface="+mn-cs"/>
+              </a:defRPr>
+            </a:lvl3pPr>
+            <a:lvl4pPr marL="1600200" indent="-228600" algn="l" defTabSz="914400" rtl="0" eaLnBrk="1" latinLnBrk="0" hangingPunct="1">
+              <a:lnSpc>
+                <a:spcPct val="90000"/>
+              </a:lnSpc>
+              <a:spcBef>
+                <a:spcPts val="500"/>
+              </a:spcBef>
+              <a:buFont typeface="Arial" panose="020B0604020202020204" pitchFamily="34" charset="0"/>
+              <a:buChar char="•"/>
+              <a:defRPr sz="1800" kern="1200">
+                <a:solidFill>
+                  <a:schemeClr val="tx1"/>
+                </a:solidFill>
+                <a:latin typeface="+mn-lt"/>
+                <a:ea typeface="+mn-ea"/>
+                <a:cs typeface="+mn-cs"/>
+              </a:defRPr>
+            </a:lvl4pPr>
+            <a:lvl5pPr marL="2057400" indent="-228600" algn="l" defTabSz="914400" rtl="0" eaLnBrk="1" latinLnBrk="0" hangingPunct="1">
+              <a:lnSpc>
+                <a:spcPct val="90000"/>
+              </a:lnSpc>
+              <a:spcBef>
+                <a:spcPts val="500"/>
+              </a:spcBef>
+              <a:buFont typeface="Arial" panose="020B0604020202020204" pitchFamily="34" charset="0"/>
+              <a:buChar char="•"/>
+              <a:defRPr sz="1800" kern="1200">
+                <a:solidFill>
+                  <a:schemeClr val="tx1"/>
+                </a:solidFill>
+                <a:latin typeface="+mn-lt"/>
+                <a:ea typeface="+mn-ea"/>
+                <a:cs typeface="+mn-cs"/>
+              </a:defRPr>
+            </a:lvl5pPr>
+            <a:lvl6pPr marL="2514600" indent="-228600" algn="l" defTabSz="914400" rtl="0" eaLnBrk="1" latinLnBrk="0" hangingPunct="1">
+              <a:lnSpc>
+                <a:spcPct val="90000"/>
+              </a:lnSpc>
+              <a:spcBef>
+                <a:spcPts val="500"/>
+              </a:spcBef>
+              <a:buFont typeface="Arial" panose="020B0604020202020204" pitchFamily="34" charset="0"/>
+              <a:buChar char="•"/>
+              <a:defRPr sz="1800" kern="1200">
+                <a:solidFill>
+                  <a:schemeClr val="tx1"/>
+                </a:solidFill>
+                <a:latin typeface="+mn-lt"/>
+                <a:ea typeface="+mn-ea"/>
+                <a:cs typeface="+mn-cs"/>
+              </a:defRPr>
+            </a:lvl6pPr>
+            <a:lvl7pPr marL="2971800" indent="-228600" algn="l" defTabSz="914400" rtl="0" eaLnBrk="1" latinLnBrk="0" hangingPunct="1">
+              <a:lnSpc>
+                <a:spcPct val="90000"/>
+              </a:lnSpc>
+              <a:spcBef>
+                <a:spcPts val="500"/>
+              </a:spcBef>
+              <a:buFont typeface="Arial" panose="020B0604020202020204" pitchFamily="34" charset="0"/>
+              <a:buChar char="•"/>
+              <a:defRPr sz="1800" kern="1200">
+                <a:solidFill>
+                  <a:schemeClr val="tx1"/>
+                </a:solidFill>
+                <a:latin typeface="+mn-lt"/>
+                <a:ea typeface="+mn-ea"/>
+                <a:cs typeface="+mn-cs"/>
+              </a:defRPr>
+            </a:lvl7pPr>
+            <a:lvl8pPr marL="3429000" indent="-228600" algn="l" defTabSz="914400" rtl="0" eaLnBrk="1" latinLnBrk="0" hangingPunct="1">
+              <a:lnSpc>
+                <a:spcPct val="90000"/>
+              </a:lnSpc>
+              <a:spcBef>
+                <a:spcPts val="500"/>
+              </a:spcBef>
+              <a:buFont typeface="Arial" panose="020B0604020202020204" pitchFamily="34" charset="0"/>
+              <a:buChar char="•"/>
+              <a:defRPr sz="1800" kern="1200">
+                <a:solidFill>
+                  <a:schemeClr val="tx1"/>
+                </a:solidFill>
+                <a:latin typeface="+mn-lt"/>
+                <a:ea typeface="+mn-ea"/>
+                <a:cs typeface="+mn-cs"/>
+              </a:defRPr>
+            </a:lvl8pPr>
+            <a:lvl9pPr marL="3886200" indent="-228600" algn="l" defTabSz="914400" rtl="0" eaLnBrk="1" latinLnBrk="0" hangingPunct="1">
+              <a:lnSpc>
+                <a:spcPct val="90000"/>
+              </a:lnSpc>
+              <a:spcBef>
+                <a:spcPts val="500"/>
+              </a:spcBef>
+              <a:buFont typeface="Arial" panose="020B0604020202020204" pitchFamily="34" charset="0"/>
+              <a:buChar char="•"/>
+              <a:defRPr sz="1800" kern="1200">
+                <a:solidFill>
+                  <a:schemeClr val="tx1"/>
+                </a:solidFill>
+                <a:latin typeface="+mn-lt"/>
+                <a:ea typeface="+mn-ea"/>
+                <a:cs typeface="+mn-cs"/>
+              </a:defRPr>
+            </a:lvl9pPr>
+          </a:lstStyle>
+          <a:p>
+            <a:pPr marL="914400" lvl="2" indent="0">
+              <a:buNone/>
+            </a:pPr>
+            <a:r>
+              <a:rPr lang="en-US" altLang="ko-KR" dirty="0">
+                <a:latin typeface="배달의민족 주아 OTF" panose="02020603020101020101" pitchFamily="18" charset="-127"/>
+                <a:ea typeface="배달의민족 주아 OTF" panose="02020603020101020101" pitchFamily="18" charset="-127"/>
+              </a:rPr>
+              <a:t> </a:t>
+            </a:r>
+            <a:br>
+              <a:rPr lang="en-US" altLang="ko-KR" dirty="0">
+                <a:latin typeface="배달의민족 주아 OTF" panose="02020603020101020101" pitchFamily="18" charset="-127"/>
+                <a:ea typeface="배달의민족 주아 OTF" panose="02020603020101020101" pitchFamily="18" charset="-127"/>
+              </a:rPr>
+            </a:br>
+            <a:endParaRPr lang="en-US" altLang="ko-KR" dirty="0">
+              <a:latin typeface="배달의민족 주아 OTF" panose="02020603020101020101" pitchFamily="18" charset="-127"/>
+              <a:ea typeface="배달의민족 주아 OTF" panose="02020603020101020101" pitchFamily="18" charset="-127"/>
+            </a:endParaRPr>
+          </a:p>
+        </p:txBody>
+      </p:sp>
+      <p:sp>
+        <p:nvSpPr>
+          <p:cNvPr id="5" name="TextBox 4">
+            <a:extLst>
+              <a:ext uri="{FF2B5EF4-FFF2-40B4-BE49-F238E27FC236}">
+                <a16:creationId xmlns:a16="http://schemas.microsoft.com/office/drawing/2014/main" id="{1CDC315D-C6A4-5B8A-0897-662076BCFE0A}"/>
+              </a:ext>
+            </a:extLst>
+          </p:cNvPr>
+          <p:cNvSpPr txBox="1"/>
+          <p:nvPr/>
+        </p:nvSpPr>
+        <p:spPr>
+          <a:xfrm>
+            <a:off x="1448789" y="2436420"/>
+            <a:ext cx="10248405" cy="1985159"/>
+          </a:xfrm>
+          <a:prstGeom prst="rect">
+            <a:avLst/>
+          </a:prstGeom>
+          <a:noFill/>
+        </p:spPr>
+        <p:txBody>
+          <a:bodyPr wrap="square">
+            <a:spAutoFit/>
+          </a:bodyPr>
+          <a:lstStyle/>
+          <a:p>
+            <a:pPr marR="0" lvl="0" algn="l" defTabSz="914400" rtl="0" eaLnBrk="1" fontAlgn="base" latinLnBrk="0" hangingPunct="1">
+              <a:lnSpc>
+                <a:spcPct val="130000"/>
+              </a:lnSpc>
+              <a:spcBef>
+                <a:spcPts val="1200"/>
+              </a:spcBef>
+              <a:spcAft>
+                <a:spcPts val="0"/>
+              </a:spcAft>
+              <a:buClr>
+                <a:srgbClr val="4D4D4D"/>
+              </a:buClr>
+              <a:buSzTx/>
+              <a:tabLst/>
+              <a:defRPr/>
+            </a:pPr>
+            <a:r>
+              <a:rPr kumimoji="0" lang="ko-KR" altLang="en-US" sz="2400" b="0" i="0" u="none" strike="noStrike" kern="1200" cap="none" spc="0" normalizeH="0" baseline="0" noProof="0" dirty="0">
+                <a:ln>
+                  <a:solidFill>
+                    <a:srgbClr val="4F81BD">
+                      <a:alpha val="0"/>
+                    </a:srgbClr>
+                  </a:solidFill>
+                </a:ln>
+                <a:solidFill>
+                  <a:prstClr val="black">
+                    <a:lumMod val="85000"/>
+                    <a:lumOff val="15000"/>
+                  </a:prstClr>
+                </a:solidFill>
+                <a:effectLst/>
+                <a:uLnTx/>
+                <a:uFillTx/>
+                <a:latin typeface="배달의민족 주아 OTF" panose="02020603020101020101" pitchFamily="18" charset="-127"/>
+                <a:ea typeface="배달의민족 주아 OTF" panose="02020603020101020101" pitchFamily="18" charset="-127"/>
+              </a:rPr>
+              <a:t>다양한</a:t>
+            </a:r>
+            <a:r>
+              <a:rPr kumimoji="0" lang="en-US" altLang="ko-KR" sz="2400" b="0" i="0" u="none" strike="noStrike" kern="1200" cap="none" spc="0" normalizeH="0" baseline="0" noProof="0" dirty="0">
+                <a:ln>
+                  <a:solidFill>
+                    <a:srgbClr val="4F81BD">
+                      <a:alpha val="0"/>
+                    </a:srgbClr>
+                  </a:solidFill>
+                </a:ln>
+                <a:solidFill>
+                  <a:prstClr val="black">
+                    <a:lumMod val="85000"/>
+                    <a:lumOff val="15000"/>
+                  </a:prstClr>
+                </a:solidFill>
+                <a:effectLst/>
+                <a:uLnTx/>
+                <a:uFillTx/>
+                <a:latin typeface="배달의민족 주아 OTF" panose="02020603020101020101" pitchFamily="18" charset="-127"/>
+                <a:ea typeface="배달의민족 주아 OTF" panose="02020603020101020101" pitchFamily="18" charset="-127"/>
+              </a:rPr>
+              <a:t> </a:t>
+            </a:r>
+            <a:r>
+              <a:rPr kumimoji="0" lang="ko-KR" altLang="en-US" sz="2400" b="0" i="0" u="none" strike="noStrike" kern="1200" cap="none" spc="0" normalizeH="0" baseline="0" noProof="0" dirty="0">
+                <a:ln>
+                  <a:solidFill>
+                    <a:srgbClr val="4F81BD">
+                      <a:alpha val="0"/>
+                    </a:srgbClr>
+                  </a:solidFill>
+                </a:ln>
+                <a:solidFill>
+                  <a:prstClr val="black">
+                    <a:lumMod val="85000"/>
+                    <a:lumOff val="15000"/>
+                  </a:prstClr>
+                </a:solidFill>
+                <a:effectLst/>
+                <a:uLnTx/>
+                <a:uFillTx/>
+                <a:latin typeface="배달의민족 주아 OTF" panose="02020603020101020101" pitchFamily="18" charset="-127"/>
+                <a:ea typeface="배달의민족 주아 OTF" panose="02020603020101020101" pitchFamily="18" charset="-127"/>
+              </a:rPr>
+              <a:t>범주형</a:t>
+            </a:r>
+            <a:r>
+              <a:rPr kumimoji="0" lang="en-US" altLang="ko-KR" sz="2400" b="0" i="0" u="none" strike="noStrike" kern="1200" cap="none" spc="0" normalizeH="0" baseline="0" noProof="0" dirty="0">
+                <a:ln>
+                  <a:solidFill>
+                    <a:srgbClr val="4F81BD">
+                      <a:alpha val="0"/>
+                    </a:srgbClr>
+                  </a:solidFill>
+                </a:ln>
+                <a:solidFill>
+                  <a:prstClr val="black">
+                    <a:lumMod val="85000"/>
+                    <a:lumOff val="15000"/>
+                  </a:prstClr>
+                </a:solidFill>
+                <a:effectLst/>
+                <a:uLnTx/>
+                <a:uFillTx/>
+                <a:latin typeface="배달의민족 주아 OTF" panose="02020603020101020101" pitchFamily="18" charset="-127"/>
+                <a:ea typeface="배달의민족 주아 OTF" panose="02020603020101020101" pitchFamily="18" charset="-127"/>
+              </a:rPr>
+              <a:t> </a:t>
+            </a:r>
+            <a:r>
+              <a:rPr kumimoji="0" lang="ko-KR" altLang="en-US" sz="2400" b="0" i="0" u="none" strike="noStrike" kern="1200" cap="none" spc="0" normalizeH="0" baseline="0" noProof="0" dirty="0">
+                <a:ln>
+                  <a:solidFill>
+                    <a:srgbClr val="4F81BD">
+                      <a:alpha val="0"/>
+                    </a:srgbClr>
+                  </a:solidFill>
+                </a:ln>
+                <a:solidFill>
+                  <a:prstClr val="black">
+                    <a:lumMod val="85000"/>
+                    <a:lumOff val="15000"/>
+                  </a:prstClr>
+                </a:solidFill>
+                <a:effectLst/>
+                <a:uLnTx/>
+                <a:uFillTx/>
+                <a:latin typeface="배달의민족 주아 OTF" panose="02020603020101020101" pitchFamily="18" charset="-127"/>
+                <a:ea typeface="배달의민족 주아 OTF" panose="02020603020101020101" pitchFamily="18" charset="-127"/>
+              </a:rPr>
+              <a:t>변수들</a:t>
+            </a:r>
+            <a:r>
+              <a:rPr kumimoji="0" lang="en-US" altLang="ko-KR" sz="2400" b="0" i="0" u="none" strike="noStrike" kern="1200" cap="none" spc="0" normalizeH="0" baseline="0" noProof="0" dirty="0">
+                <a:ln>
+                  <a:solidFill>
+                    <a:srgbClr val="4F81BD">
+                      <a:alpha val="0"/>
+                    </a:srgbClr>
+                  </a:solidFill>
+                </a:ln>
+                <a:solidFill>
+                  <a:prstClr val="black">
+                    <a:lumMod val="85000"/>
+                    <a:lumOff val="15000"/>
+                  </a:prstClr>
+                </a:solidFill>
+                <a:effectLst/>
+                <a:uLnTx/>
+                <a:uFillTx/>
+                <a:latin typeface="배달의민족 주아 OTF" panose="02020603020101020101" pitchFamily="18" charset="-127"/>
+                <a:ea typeface="배달의민족 주아 OTF" panose="02020603020101020101" pitchFamily="18" charset="-127"/>
+              </a:rPr>
+              <a:t>(</a:t>
+            </a:r>
+            <a:r>
+              <a:rPr kumimoji="0" lang="ko-KR" altLang="en-US" sz="2400" b="0" i="0" u="none" strike="noStrike" kern="1200" cap="none" spc="0" normalizeH="0" baseline="0" noProof="0" dirty="0">
+                <a:ln>
+                  <a:solidFill>
+                    <a:srgbClr val="4F81BD">
+                      <a:alpha val="0"/>
+                    </a:srgbClr>
+                  </a:solidFill>
+                </a:ln>
+                <a:solidFill>
+                  <a:prstClr val="black">
+                    <a:lumMod val="85000"/>
+                    <a:lumOff val="15000"/>
+                  </a:prstClr>
+                </a:solidFill>
+                <a:effectLst/>
+                <a:uLnTx/>
+                <a:uFillTx/>
+                <a:latin typeface="배달의민족 주아 OTF" panose="02020603020101020101" pitchFamily="18" charset="-127"/>
+                <a:ea typeface="배달의민족 주아 OTF" panose="02020603020101020101" pitchFamily="18" charset="-127"/>
+              </a:rPr>
+              <a:t>더미 변수가 아닌 원래 변수 사용</a:t>
+            </a:r>
+            <a:r>
+              <a:rPr kumimoji="0" lang="en-US" altLang="ko-KR" sz="2400" b="0" i="0" u="none" strike="noStrike" kern="1200" cap="none" spc="0" normalizeH="0" baseline="0" noProof="0" dirty="0">
+                <a:ln>
+                  <a:solidFill>
+                    <a:srgbClr val="4F81BD">
+                      <a:alpha val="0"/>
+                    </a:srgbClr>
+                  </a:solidFill>
+                </a:ln>
+                <a:solidFill>
+                  <a:prstClr val="black">
+                    <a:lumMod val="85000"/>
+                    <a:lumOff val="15000"/>
+                  </a:prstClr>
+                </a:solidFill>
+                <a:effectLst/>
+                <a:uLnTx/>
+                <a:uFillTx/>
+                <a:latin typeface="배달의민족 주아 OTF" panose="02020603020101020101" pitchFamily="18" charset="-127"/>
+                <a:ea typeface="배달의민족 주아 OTF" panose="02020603020101020101" pitchFamily="18" charset="-127"/>
+              </a:rPr>
+              <a:t>)</a:t>
+            </a:r>
+            <a:r>
+              <a:rPr kumimoji="0" lang="ko-KR" altLang="en-US" sz="2400" b="0" i="0" u="none" strike="noStrike" kern="1200" cap="none" spc="0" normalizeH="0" baseline="0" noProof="0" dirty="0">
+                <a:ln>
+                  <a:solidFill>
+                    <a:srgbClr val="4F81BD">
+                      <a:alpha val="0"/>
+                    </a:srgbClr>
+                  </a:solidFill>
+                </a:ln>
+                <a:solidFill>
+                  <a:prstClr val="black">
+                    <a:lumMod val="85000"/>
+                    <a:lumOff val="15000"/>
+                  </a:prstClr>
+                </a:solidFill>
+                <a:effectLst/>
+                <a:uLnTx/>
+                <a:uFillTx/>
+                <a:latin typeface="배달의민족 주아 OTF" panose="02020603020101020101" pitchFamily="18" charset="-127"/>
+                <a:ea typeface="배달의민족 주아 OTF" panose="02020603020101020101" pitchFamily="18" charset="-127"/>
+              </a:rPr>
+              <a:t>의 함수로서 이진형 결과 변수</a:t>
+            </a:r>
+            <a:r>
+              <a:rPr kumimoji="0" lang="en-US" altLang="ko-KR" sz="2400" b="0" i="0" u="none" strike="noStrike" kern="1200" cap="none" spc="0" normalizeH="0" baseline="0" noProof="0" dirty="0">
+                <a:ln>
+                  <a:solidFill>
+                    <a:srgbClr val="4F81BD">
+                      <a:alpha val="0"/>
+                    </a:srgbClr>
+                  </a:solidFill>
+                </a:ln>
+                <a:solidFill>
+                  <a:prstClr val="black">
+                    <a:lumMod val="85000"/>
+                    <a:lumOff val="15000"/>
+                  </a:prstClr>
+                </a:solidFill>
+                <a:effectLst/>
+                <a:uLnTx/>
+                <a:uFillTx/>
+                <a:latin typeface="배달의민족 주아 OTF" panose="02020603020101020101" pitchFamily="18" charset="-127"/>
+                <a:ea typeface="배달의민족 주아 OTF" panose="02020603020101020101" pitchFamily="18" charset="-127"/>
+              </a:rPr>
+              <a:t>(</a:t>
+            </a:r>
+            <a:r>
+              <a:rPr kumimoji="0" lang="ko-KR" altLang="en-US" sz="2400" b="0" i="0" u="none" strike="noStrike" kern="1200" cap="none" spc="0" normalizeH="0" baseline="0" noProof="0" dirty="0">
+                <a:ln>
+                  <a:solidFill>
+                    <a:srgbClr val="4F81BD">
+                      <a:alpha val="0"/>
+                    </a:srgbClr>
+                  </a:solidFill>
+                </a:ln>
+                <a:solidFill>
+                  <a:prstClr val="black">
+                    <a:lumMod val="85000"/>
+                    <a:lumOff val="15000"/>
+                  </a:prstClr>
+                </a:solidFill>
+                <a:effectLst/>
+                <a:uLnTx/>
+                <a:uFillTx/>
+                <a:latin typeface="배달의민족 주아 OTF" panose="02020603020101020101" pitchFamily="18" charset="-127"/>
+                <a:ea typeface="배달의민족 주아 OTF" panose="02020603020101020101" pitchFamily="18" charset="-127"/>
+              </a:rPr>
+              <a:t>경쟁적인 경매 여부</a:t>
+            </a:r>
+            <a:r>
+              <a:rPr kumimoji="0" lang="en-US" altLang="ko-KR" sz="2400" b="0" i="0" u="none" strike="noStrike" kern="1200" cap="none" spc="0" normalizeH="0" baseline="0" noProof="0" dirty="0">
+                <a:ln>
+                  <a:solidFill>
+                    <a:srgbClr val="4F81BD">
+                      <a:alpha val="0"/>
+                    </a:srgbClr>
+                  </a:solidFill>
+                </a:ln>
+                <a:solidFill>
+                  <a:prstClr val="black">
+                    <a:lumMod val="85000"/>
+                    <a:lumOff val="15000"/>
+                  </a:prstClr>
+                </a:solidFill>
+                <a:effectLst/>
+                <a:uLnTx/>
+                <a:uFillTx/>
+                <a:latin typeface="배달의민족 주아 OTF" panose="02020603020101020101" pitchFamily="18" charset="-127"/>
+                <a:ea typeface="배달의민족 주아 OTF" panose="02020603020101020101" pitchFamily="18" charset="-127"/>
+              </a:rPr>
+              <a:t>)</a:t>
+            </a:r>
+            <a:r>
+              <a:rPr kumimoji="0" lang="ko-KR" altLang="en-US" sz="2400" b="0" i="0" u="none" strike="noStrike" kern="1200" cap="none" spc="0" normalizeH="0" baseline="0" noProof="0" dirty="0">
+                <a:ln>
+                  <a:solidFill>
+                    <a:srgbClr val="4F81BD">
+                      <a:alpha val="0"/>
+                    </a:srgbClr>
+                  </a:solidFill>
+                </a:ln>
+                <a:solidFill>
+                  <a:prstClr val="black">
+                    <a:lumMod val="85000"/>
+                    <a:lumOff val="15000"/>
+                  </a:prstClr>
+                </a:solidFill>
+                <a:effectLst/>
+                <a:uLnTx/>
+                <a:uFillTx/>
+                <a:latin typeface="배달의민족 주아 OTF" panose="02020603020101020101" pitchFamily="18" charset="-127"/>
+                <a:ea typeface="배달의민족 주아 OTF" panose="02020603020101020101" pitchFamily="18" charset="-127"/>
+              </a:rPr>
+              <a:t>의 평균을 구하기 위해 피벗 테이블을 </a:t>
+            </a:r>
+            <a:r>
+              <a:rPr kumimoji="0" lang="ko-KR" altLang="en-US" sz="2400" b="0" i="0" u="none" strike="noStrike" kern="1200" cap="none" spc="0" normalizeH="0" baseline="0" noProof="0" dirty="0" err="1">
+                <a:ln>
+                  <a:solidFill>
+                    <a:srgbClr val="4F81BD">
+                      <a:alpha val="0"/>
+                    </a:srgbClr>
+                  </a:solidFill>
+                </a:ln>
+                <a:solidFill>
+                  <a:prstClr val="black">
+                    <a:lumMod val="85000"/>
+                    <a:lumOff val="15000"/>
+                  </a:prstClr>
+                </a:solidFill>
+                <a:effectLst/>
+                <a:uLnTx/>
+                <a:uFillTx/>
+                <a:latin typeface="배달의민족 주아 OTF" panose="02020603020101020101" pitchFamily="18" charset="-127"/>
+                <a:ea typeface="배달의민족 주아 OTF" panose="02020603020101020101" pitchFamily="18" charset="-127"/>
+              </a:rPr>
+              <a:t>작성하시오</a:t>
+            </a:r>
+            <a:r>
+              <a:rPr kumimoji="0" lang="en-US" altLang="ko-KR" sz="2400" b="0" i="0" u="none" strike="noStrike" kern="1200" cap="none" spc="0" normalizeH="0" baseline="0" noProof="0" dirty="0">
+                <a:ln>
+                  <a:solidFill>
+                    <a:srgbClr val="4F81BD">
+                      <a:alpha val="0"/>
+                    </a:srgbClr>
+                  </a:solidFill>
+                </a:ln>
+                <a:solidFill>
+                  <a:prstClr val="black">
+                    <a:lumMod val="85000"/>
+                    <a:lumOff val="15000"/>
+                  </a:prstClr>
+                </a:solidFill>
+                <a:effectLst/>
+                <a:uLnTx/>
+                <a:uFillTx/>
+                <a:latin typeface="배달의민족 주아 OTF" panose="02020603020101020101" pitchFamily="18" charset="-127"/>
+                <a:ea typeface="배달의민족 주아 OTF" panose="02020603020101020101" pitchFamily="18" charset="-127"/>
+              </a:rPr>
+              <a:t>. </a:t>
+            </a:r>
+            <a:br>
+              <a:rPr kumimoji="0" lang="en-US" altLang="ko-KR" sz="2400" b="0" i="0" u="none" strike="noStrike" kern="1200" cap="none" spc="0" normalizeH="0" baseline="0" noProof="0" dirty="0">
+                <a:ln>
+                  <a:solidFill>
+                    <a:srgbClr val="4F81BD">
+                      <a:alpha val="0"/>
+                    </a:srgbClr>
+                  </a:solidFill>
+                </a:ln>
+                <a:solidFill>
+                  <a:prstClr val="black">
+                    <a:lumMod val="85000"/>
+                    <a:lumOff val="15000"/>
+                  </a:prstClr>
+                </a:solidFill>
+                <a:effectLst/>
+                <a:uLnTx/>
+                <a:uFillTx/>
+                <a:latin typeface="배달의민족 주아 OTF" panose="02020603020101020101" pitchFamily="18" charset="-127"/>
+                <a:ea typeface="배달의민족 주아 OTF" panose="02020603020101020101" pitchFamily="18" charset="-127"/>
+              </a:rPr>
+            </a:br>
+            <a:r>
+              <a:rPr kumimoji="0" lang="ko-KR" altLang="en-US" sz="2400" b="0" i="0" u="none" strike="noStrike" kern="1200" cap="none" spc="0" normalizeH="0" baseline="0" noProof="0" dirty="0">
+                <a:ln>
+                  <a:solidFill>
+                    <a:srgbClr val="4F81BD">
+                      <a:alpha val="0"/>
+                    </a:srgbClr>
+                  </a:solidFill>
+                </a:ln>
+                <a:solidFill>
+                  <a:prstClr val="black">
+                    <a:lumMod val="85000"/>
+                    <a:lumOff val="15000"/>
+                  </a:prstClr>
+                </a:solidFill>
+                <a:effectLst/>
+                <a:uLnTx/>
+                <a:uFillTx/>
+                <a:latin typeface="배달의민족 주아 OTF" panose="02020603020101020101" pitchFamily="18" charset="-127"/>
+                <a:ea typeface="배달의민족 주아 OTF" panose="02020603020101020101" pitchFamily="18" charset="-127"/>
+              </a:rPr>
+              <a:t>모델에서 사용될 더미 변수의 개수를 줄이기 위해서 피벗 테이블의 정보를 </a:t>
+            </a:r>
+            <a:r>
+              <a:rPr kumimoji="0" lang="ko-KR" altLang="en-US" sz="2400" b="0" i="0" u="none" strike="noStrike" kern="1200" cap="none" spc="0" normalizeH="0" baseline="0" noProof="0" dirty="0" err="1">
+                <a:ln>
+                  <a:solidFill>
+                    <a:srgbClr val="4F81BD">
+                      <a:alpha val="0"/>
+                    </a:srgbClr>
+                  </a:solidFill>
+                </a:ln>
+                <a:solidFill>
+                  <a:prstClr val="black">
+                    <a:lumMod val="85000"/>
+                    <a:lumOff val="15000"/>
+                  </a:prstClr>
+                </a:solidFill>
+                <a:effectLst/>
+                <a:uLnTx/>
+                <a:uFillTx/>
+                <a:latin typeface="배달의민족 주아 OTF" panose="02020603020101020101" pitchFamily="18" charset="-127"/>
+                <a:ea typeface="배달의민족 주아 OTF" panose="02020603020101020101" pitchFamily="18" charset="-127"/>
+              </a:rPr>
+              <a:t>활용하시오</a:t>
+            </a:r>
+            <a:r>
+              <a:rPr kumimoji="0" lang="en-US" altLang="ko-KR" sz="2400" b="0" i="0" u="none" strike="noStrike" kern="1200" cap="none" spc="0" normalizeH="0" baseline="0" noProof="0" dirty="0">
+                <a:ln>
+                  <a:solidFill>
+                    <a:srgbClr val="4F81BD">
+                      <a:alpha val="0"/>
+                    </a:srgbClr>
+                  </a:solidFill>
+                </a:ln>
+                <a:solidFill>
+                  <a:prstClr val="black">
+                    <a:lumMod val="85000"/>
+                    <a:lumOff val="15000"/>
+                  </a:prstClr>
+                </a:solidFill>
+                <a:effectLst/>
+                <a:uLnTx/>
+                <a:uFillTx/>
+                <a:latin typeface="배달의민족 주아 OTF" panose="02020603020101020101" pitchFamily="18" charset="-127"/>
+                <a:ea typeface="배달의민족 주아 OTF" panose="02020603020101020101" pitchFamily="18" charset="-127"/>
+              </a:rPr>
+              <a:t>. </a:t>
+            </a:r>
+            <a:br>
+              <a:rPr kumimoji="0" lang="en-US" altLang="ko-KR" sz="2400" b="0" i="0" u="none" strike="noStrike" kern="1200" cap="none" spc="0" normalizeH="0" baseline="0" noProof="0" dirty="0">
+                <a:ln>
+                  <a:solidFill>
+                    <a:srgbClr val="4F81BD">
+                      <a:alpha val="0"/>
+                    </a:srgbClr>
+                  </a:solidFill>
+                </a:ln>
+                <a:solidFill>
+                  <a:prstClr val="black">
+                    <a:lumMod val="85000"/>
+                    <a:lumOff val="15000"/>
+                  </a:prstClr>
+                </a:solidFill>
+                <a:effectLst/>
+                <a:uLnTx/>
+                <a:uFillTx/>
+                <a:latin typeface="배달의민족 주아 OTF" panose="02020603020101020101" pitchFamily="18" charset="-127"/>
+                <a:ea typeface="배달의민족 주아 OTF" panose="02020603020101020101" pitchFamily="18" charset="-127"/>
+              </a:rPr>
+            </a:br>
+            <a:r>
+              <a:rPr kumimoji="0" lang="ko-KR" altLang="en-US" sz="2400" b="0" i="0" u="none" strike="noStrike" kern="1200" cap="none" spc="0" normalizeH="0" baseline="0" noProof="0" dirty="0">
+                <a:ln>
+                  <a:solidFill>
+                    <a:srgbClr val="4F81BD">
+                      <a:alpha val="0"/>
+                    </a:srgbClr>
+                  </a:solidFill>
+                </a:ln>
+                <a:solidFill>
+                  <a:prstClr val="black">
+                    <a:lumMod val="85000"/>
+                    <a:lumOff val="15000"/>
+                  </a:prstClr>
+                </a:solidFill>
+                <a:effectLst/>
+                <a:uLnTx/>
+                <a:uFillTx/>
+                <a:latin typeface="배달의민족 주아 OTF" panose="02020603020101020101" pitchFamily="18" charset="-127"/>
+                <a:ea typeface="배달의민족 주아 OTF" panose="02020603020101020101" pitchFamily="18" charset="-127"/>
+              </a:rPr>
+              <a:t>예를 들어</a:t>
+            </a:r>
+            <a:r>
+              <a:rPr kumimoji="0" lang="en-US" altLang="ko-KR" sz="2400" b="0" i="0" u="none" strike="noStrike" kern="1200" cap="none" spc="0" normalizeH="0" baseline="0" noProof="0" dirty="0">
+                <a:ln>
+                  <a:solidFill>
+                    <a:srgbClr val="4F81BD">
+                      <a:alpha val="0"/>
+                    </a:srgbClr>
+                  </a:solidFill>
+                </a:ln>
+                <a:solidFill>
+                  <a:prstClr val="black">
+                    <a:lumMod val="85000"/>
+                    <a:lumOff val="15000"/>
+                  </a:prstClr>
+                </a:solidFill>
+                <a:effectLst/>
+                <a:uLnTx/>
+                <a:uFillTx/>
+                <a:latin typeface="배달의민족 주아 OTF" panose="02020603020101020101" pitchFamily="18" charset="-127"/>
+                <a:ea typeface="배달의민족 주아 OTF" panose="02020603020101020101" pitchFamily="18" charset="-127"/>
+              </a:rPr>
+              <a:t>, </a:t>
+            </a:r>
+            <a:r>
+              <a:rPr kumimoji="0" lang="ko-KR" altLang="en-US" sz="2400" b="0" i="0" u="none" strike="noStrike" kern="1200" cap="none" spc="0" normalizeH="0" baseline="0" noProof="0" dirty="0">
+                <a:ln>
+                  <a:solidFill>
+                    <a:srgbClr val="4F81BD">
+                      <a:alpha val="0"/>
+                    </a:srgbClr>
+                  </a:solidFill>
+                </a:ln>
+                <a:solidFill>
+                  <a:prstClr val="black">
+                    <a:lumMod val="85000"/>
+                    <a:lumOff val="15000"/>
+                  </a:prstClr>
+                </a:solidFill>
+                <a:effectLst/>
+                <a:uLnTx/>
+                <a:uFillTx/>
+                <a:latin typeface="배달의민족 주아 OTF" panose="02020603020101020101" pitchFamily="18" charset="-127"/>
+                <a:ea typeface="배달의민족 주아 OTF" panose="02020603020101020101" pitchFamily="18" charset="-127"/>
+              </a:rPr>
+              <a:t>경쟁적인 경매의 분포가 유사한 범주는 합칠 수 있다</a:t>
+            </a:r>
+            <a:r>
+              <a:rPr kumimoji="0" lang="en-US" altLang="ko-KR" sz="2400" b="0" i="0" u="none" strike="noStrike" kern="1200" cap="none" spc="0" normalizeH="0" baseline="0" noProof="0" dirty="0">
+                <a:ln>
+                  <a:solidFill>
+                    <a:srgbClr val="4F81BD">
+                      <a:alpha val="0"/>
+                    </a:srgbClr>
+                  </a:solidFill>
+                </a:ln>
+                <a:solidFill>
+                  <a:prstClr val="black">
+                    <a:lumMod val="85000"/>
+                    <a:lumOff val="15000"/>
+                  </a:prstClr>
+                </a:solidFill>
+                <a:effectLst/>
+                <a:uLnTx/>
+                <a:uFillTx/>
+                <a:latin typeface="배달의민족 주아 OTF" panose="02020603020101020101" pitchFamily="18" charset="-127"/>
+                <a:ea typeface="배달의민족 주아 OTF" panose="02020603020101020101" pitchFamily="18" charset="-127"/>
+              </a:rPr>
+              <a:t>.</a:t>
+            </a:r>
+            <a:endParaRPr kumimoji="0" lang="ko-KR" altLang="en-US" sz="2400" dirty="0">
+              <a:ln>
+                <a:solidFill>
+                  <a:srgbClr val="4F81BD">
+                    <a:alpha val="0"/>
+                  </a:srgbClr>
+                </a:solidFill>
+              </a:ln>
+              <a:solidFill>
+                <a:schemeClr val="tx1">
+                  <a:lumMod val="85000"/>
+                  <a:lumOff val="15000"/>
+                </a:schemeClr>
+              </a:solidFill>
+              <a:latin typeface="배달의민족 주아 OTF" panose="02020603020101020101" pitchFamily="18" charset="-127"/>
+              <a:ea typeface="배달의민족 주아 OTF" panose="02020603020101020101" pitchFamily="18" charset="-127"/>
+            </a:endParaRPr>
+          </a:p>
+        </p:txBody>
+      </p:sp>
+    </p:spTree>
+    <p:extLst>
+      <p:ext uri="{BB962C8B-B14F-4D97-AF65-F5344CB8AC3E}">
+        <p14:creationId xmlns:p14="http://schemas.microsoft.com/office/powerpoint/2010/main" val="3027798344"/>
+      </p:ext>
+    </p:extLst>
+  </p:cSld>
+  <p:clrMapOvr>
+    <a:masterClrMapping/>
+  </p:clrMapOvr>
+</p:sld>
+</file>
+
+<file path=ppt/slides/slide21.xml><?xml version="1.0" encoding="utf-8"?>
 <p:sld xmlns:a="http://schemas.openxmlformats.org/drawingml/2006/main" xmlns:r="http://schemas.openxmlformats.org/officeDocument/2006/relationships" xmlns:p="http://schemas.openxmlformats.org/presentationml/2006/main">
   <p:cSld>
     <p:spTree>
@@ -11425,7 +13458,7 @@
 </p:sld>
 </file>
 
-<file path=ppt/slides/slide21.xml><?xml version="1.0" encoding="utf-8"?>
+<file path=ppt/slides/slide22.xml><?xml version="1.0" encoding="utf-8"?>
 <p:sld xmlns:a="http://schemas.openxmlformats.org/drawingml/2006/main" xmlns:r="http://schemas.openxmlformats.org/officeDocument/2006/relationships" xmlns:p="http://schemas.openxmlformats.org/presentationml/2006/main">
   <p:cSld>
     <p:spTree>
@@ -11959,7 +13992,7 @@
 </p:sld>
 </file>
 
-<file path=ppt/slides/slide22.xml><?xml version="1.0" encoding="utf-8"?>
+<file path=ppt/slides/slide23.xml><?xml version="1.0" encoding="utf-8"?>
 <p:sld xmlns:a="http://schemas.openxmlformats.org/drawingml/2006/main" xmlns:r="http://schemas.openxmlformats.org/officeDocument/2006/relationships" xmlns:p="http://schemas.openxmlformats.org/presentationml/2006/main">
   <p:cSld>
     <p:spTree>
@@ -12104,7 +14137,7 @@
 </p:sld>
 </file>
 
-<file path=ppt/slides/slide23.xml><?xml version="1.0" encoding="utf-8"?>
+<file path=ppt/slides/slide24.xml><?xml version="1.0" encoding="utf-8"?>
 <p:sld xmlns:a="http://schemas.openxmlformats.org/drawingml/2006/main" xmlns:r="http://schemas.openxmlformats.org/officeDocument/2006/relationships" xmlns:p="http://schemas.openxmlformats.org/presentationml/2006/main">
   <p:cSld>
     <p:spTree>
@@ -12248,7 +14281,7 @@
 </p:sld>
 </file>
 
-<file path=ppt/slides/slide24.xml><?xml version="1.0" encoding="utf-8"?>
+<file path=ppt/slides/slide25.xml><?xml version="1.0" encoding="utf-8"?>
 <p:sld xmlns:a="http://schemas.openxmlformats.org/drawingml/2006/main" xmlns:r="http://schemas.openxmlformats.org/officeDocument/2006/relationships" xmlns:p="http://schemas.openxmlformats.org/presentationml/2006/main">
   <p:cSld>
     <p:spTree>
@@ -12505,7 +14538,7 @@
 </p:sld>
 </file>
 
-<file path=ppt/slides/slide25.xml><?xml version="1.0" encoding="utf-8"?>
+<file path=ppt/slides/slide26.xml><?xml version="1.0" encoding="utf-8"?>
 <p:sld xmlns:a="http://schemas.openxmlformats.org/drawingml/2006/main" xmlns:r="http://schemas.openxmlformats.org/officeDocument/2006/relationships" xmlns:p="http://schemas.openxmlformats.org/presentationml/2006/main">
   <p:cSld>
     <p:spTree>
@@ -12946,7 +14979,7 @@
 </p:sld>
 </file>
 
-<file path=ppt/slides/slide26.xml><?xml version="1.0" encoding="utf-8"?>
+<file path=ppt/slides/slide27.xml><?xml version="1.0" encoding="utf-8"?>
 <p:sld xmlns:a="http://schemas.openxmlformats.org/drawingml/2006/main" xmlns:r="http://schemas.openxmlformats.org/officeDocument/2006/relationships" xmlns:p="http://schemas.openxmlformats.org/presentationml/2006/main">
   <p:cSld>
     <p:spTree>
@@ -13598,7 +15631,7 @@
 </p:sld>
 </file>
 
-<file path=ppt/slides/slide27.xml><?xml version="1.0" encoding="utf-8"?>
+<file path=ppt/slides/slide28.xml><?xml version="1.0" encoding="utf-8"?>
 <p:sld xmlns:a="http://schemas.openxmlformats.org/drawingml/2006/main" xmlns:r="http://schemas.openxmlformats.org/officeDocument/2006/relationships" xmlns:p="http://schemas.openxmlformats.org/presentationml/2006/main">
   <p:cSld>
     <p:spTree>
@@ -14270,7 +16303,7 @@
 </p:sld>
 </file>
 
-<file path=ppt/slides/slide28.xml><?xml version="1.0" encoding="utf-8"?>
+<file path=ppt/slides/slide29.xml><?xml version="1.0" encoding="utf-8"?>
 <p:sld xmlns:a="http://schemas.openxmlformats.org/drawingml/2006/main" xmlns:r="http://schemas.openxmlformats.org/officeDocument/2006/relationships" xmlns:p="http://schemas.openxmlformats.org/presentationml/2006/main">
   <p:cSld>
     <p:spTree>
@@ -16149,7 +18182,326 @@
 </p:sld>
 </file>
 
-<file path=ppt/slides/slide29.xml><?xml version="1.0" encoding="utf-8"?>
+<file path=ppt/slides/slide3.xml><?xml version="1.0" encoding="utf-8"?>
+<p:sld xmlns:a="http://schemas.openxmlformats.org/drawingml/2006/main" xmlns:r="http://schemas.openxmlformats.org/officeDocument/2006/relationships" xmlns:p="http://schemas.openxmlformats.org/presentationml/2006/main">
+  <p:cSld>
+    <p:spTree>
+      <p:nvGrpSpPr>
+        <p:cNvPr id="1" name=""/>
+        <p:cNvGrpSpPr/>
+        <p:nvPr/>
+      </p:nvGrpSpPr>
+      <p:grpSpPr>
+        <a:xfrm>
+          <a:off x="0" y="0"/>
+          <a:ext cx="0" cy="0"/>
+          <a:chOff x="0" y="0"/>
+          <a:chExt cx="0" cy="0"/>
+        </a:xfrm>
+      </p:grpSpPr>
+      <p:sp>
+        <p:nvSpPr>
+          <p:cNvPr id="2" name="제목 1">
+            <a:extLst>
+              <a:ext uri="{FF2B5EF4-FFF2-40B4-BE49-F238E27FC236}">
+                <a16:creationId xmlns:a16="http://schemas.microsoft.com/office/drawing/2014/main" id="{CF3C3383-4BA2-6721-1287-6A7566889E49}"/>
+              </a:ext>
+            </a:extLst>
+          </p:cNvPr>
+          <p:cNvSpPr>
+            <a:spLocks noGrp="1"/>
+          </p:cNvSpPr>
+          <p:nvPr>
+            <p:ph type="title"/>
+          </p:nvPr>
+        </p:nvSpPr>
+        <p:spPr/>
+        <p:txBody>
+          <a:bodyPr/>
+          <a:lstStyle/>
+          <a:p>
+            <a:r>
+              <a:rPr lang="ko-KR" altLang="en-US" dirty="0">
+                <a:latin typeface="배달의민족 주아 OTF" panose="02020603020101020101" pitchFamily="18" charset="-127"/>
+                <a:ea typeface="배달의민족 주아 OTF" panose="02020603020101020101" pitchFamily="18" charset="-127"/>
+              </a:rPr>
+              <a:t>프로젝트 설명</a:t>
+            </a:r>
+            <a:endParaRPr lang="en-US" dirty="0">
+              <a:latin typeface="배달의민족 주아 OTF" panose="02020603020101020101" pitchFamily="18" charset="-127"/>
+              <a:ea typeface="배달의민족 주아 OTF" panose="02020603020101020101" pitchFamily="18" charset="-127"/>
+            </a:endParaRPr>
+          </a:p>
+        </p:txBody>
+      </p:sp>
+      <p:sp>
+        <p:nvSpPr>
+          <p:cNvPr id="3" name="내용 개체 틀 2">
+            <a:extLst>
+              <a:ext uri="{FF2B5EF4-FFF2-40B4-BE49-F238E27FC236}">
+                <a16:creationId xmlns:a16="http://schemas.microsoft.com/office/drawing/2014/main" id="{281A1953-6A7A-D92F-FDE0-2AC44230E559}"/>
+              </a:ext>
+            </a:extLst>
+          </p:cNvPr>
+          <p:cNvSpPr>
+            <a:spLocks noGrp="1"/>
+          </p:cNvSpPr>
+          <p:nvPr>
+            <p:ph idx="1"/>
+          </p:nvPr>
+        </p:nvSpPr>
+        <p:spPr/>
+        <p:txBody>
+          <a:bodyPr/>
+          <a:lstStyle/>
+          <a:p>
+            <a:r>
+              <a:rPr lang="ko-KR" altLang="en-US" dirty="0">
+                <a:latin typeface="배달의민족 주아 OTF" panose="02020603020101020101" pitchFamily="18" charset="-127"/>
+                <a:ea typeface="배달의민족 주아 OTF" panose="02020603020101020101" pitchFamily="18" charset="-127"/>
+              </a:rPr>
+              <a:t>목표</a:t>
+            </a:r>
+            <a:endParaRPr lang="en-US" altLang="ko-KR" dirty="0">
+              <a:latin typeface="배달의민족 주아 OTF" panose="02020603020101020101" pitchFamily="18" charset="-127"/>
+              <a:ea typeface="배달의민족 주아 OTF" panose="02020603020101020101" pitchFamily="18" charset="-127"/>
+            </a:endParaRPr>
+          </a:p>
+          <a:p>
+            <a:pPr lvl="1"/>
+            <a:r>
+              <a:rPr lang="ko-KR" altLang="en-US" dirty="0">
+                <a:latin typeface="배달의민족 주아 OTF" panose="02020603020101020101" pitchFamily="18" charset="-127"/>
+                <a:ea typeface="배달의민족 주아 OTF" panose="02020603020101020101" pitchFamily="18" charset="-127"/>
+              </a:rPr>
+              <a:t>경매 정보를 바탕으로 모델을 구축하여 </a:t>
+            </a:r>
+            <a:r>
+              <a:rPr lang="ko-KR" altLang="en-US" dirty="0">
+                <a:solidFill>
+                  <a:srgbClr val="FF0000"/>
+                </a:solidFill>
+                <a:latin typeface="배달의민족 주아 OTF" panose="02020603020101020101" pitchFamily="18" charset="-127"/>
+                <a:ea typeface="배달의민족 주아 OTF" panose="02020603020101020101" pitchFamily="18" charset="-127"/>
+              </a:rPr>
+              <a:t>경쟁적</a:t>
+            </a:r>
+            <a:r>
+              <a:rPr lang="ko-KR" altLang="en-US" dirty="0">
+                <a:latin typeface="배달의민족 주아 OTF" panose="02020603020101020101" pitchFamily="18" charset="-127"/>
+                <a:ea typeface="배달의민족 주아 OTF" panose="02020603020101020101" pitchFamily="18" charset="-127"/>
+              </a:rPr>
+              <a:t>인 경매와 </a:t>
+            </a:r>
+            <a:r>
+              <a:rPr lang="ko-KR" altLang="en-US" dirty="0">
+                <a:solidFill>
+                  <a:schemeClr val="tx2">
+                    <a:lumMod val="50000"/>
+                    <a:lumOff val="50000"/>
+                  </a:schemeClr>
+                </a:solidFill>
+                <a:latin typeface="배달의민족 주아 OTF" panose="02020603020101020101" pitchFamily="18" charset="-127"/>
+                <a:ea typeface="배달의민족 주아 OTF" panose="02020603020101020101" pitchFamily="18" charset="-127"/>
+              </a:rPr>
+              <a:t>비경쟁</a:t>
+            </a:r>
+            <a:r>
+              <a:rPr lang="ko-KR" altLang="en-US" dirty="0">
+                <a:latin typeface="배달의민족 주아 OTF" panose="02020603020101020101" pitchFamily="18" charset="-127"/>
+                <a:ea typeface="배달의민족 주아 OTF" panose="02020603020101020101" pitchFamily="18" charset="-127"/>
+              </a:rPr>
+              <a:t>적 경매를 구분하기</a:t>
+            </a:r>
+            <a:r>
+              <a:rPr lang="en-US" altLang="ko-KR" dirty="0">
+                <a:latin typeface="배달의민족 주아 OTF" panose="02020603020101020101" pitchFamily="18" charset="-127"/>
+                <a:ea typeface="배달의민족 주아 OTF" panose="02020603020101020101" pitchFamily="18" charset="-127"/>
+              </a:rPr>
+              <a:t>.</a:t>
+            </a:r>
+          </a:p>
+          <a:p>
+            <a:pPr lvl="1"/>
+            <a:endParaRPr lang="en-US" altLang="ko-KR" dirty="0">
+              <a:latin typeface="배달의민족 주아 OTF" panose="02020603020101020101" pitchFamily="18" charset="-127"/>
+              <a:ea typeface="배달의민족 주아 OTF" panose="02020603020101020101" pitchFamily="18" charset="-127"/>
+            </a:endParaRPr>
+          </a:p>
+          <a:p>
+            <a:r>
+              <a:rPr lang="ko-KR" altLang="en-US" dirty="0">
+                <a:latin typeface="배달의민족 주아 OTF" panose="02020603020101020101" pitchFamily="18" charset="-127"/>
+                <a:ea typeface="배달의민족 주아 OTF" panose="02020603020101020101" pitchFamily="18" charset="-127"/>
+              </a:rPr>
+              <a:t>분석 대상</a:t>
+            </a:r>
+            <a:endParaRPr lang="en-US" altLang="ko-KR" dirty="0">
+              <a:latin typeface="배달의민족 주아 OTF" panose="02020603020101020101" pitchFamily="18" charset="-127"/>
+              <a:ea typeface="배달의민족 주아 OTF" panose="02020603020101020101" pitchFamily="18" charset="-127"/>
+            </a:endParaRPr>
+          </a:p>
+          <a:p>
+            <a:pPr lvl="1"/>
+            <a:r>
+              <a:rPr lang="en-US" altLang="ko-KR" dirty="0">
+                <a:latin typeface="배달의민족 주아 OTF" panose="02020603020101020101" pitchFamily="18" charset="-127"/>
+                <a:ea typeface="배달의민족 주아 OTF" panose="02020603020101020101" pitchFamily="18" charset="-127"/>
+              </a:rPr>
+              <a:t>2004</a:t>
+            </a:r>
+            <a:r>
+              <a:rPr lang="ko-KR" altLang="en-US" dirty="0">
+                <a:latin typeface="배달의민족 주아 OTF" panose="02020603020101020101" pitchFamily="18" charset="-127"/>
+                <a:ea typeface="배달의민족 주아 OTF" panose="02020603020101020101" pitchFamily="18" charset="-127"/>
+              </a:rPr>
+              <a:t>년 </a:t>
+            </a:r>
+            <a:r>
+              <a:rPr lang="en-US" altLang="ko-KR" dirty="0">
+                <a:latin typeface="배달의민족 주아 OTF" panose="02020603020101020101" pitchFamily="18" charset="-127"/>
+                <a:ea typeface="배달의민족 주아 OTF" panose="02020603020101020101" pitchFamily="18" charset="-127"/>
+              </a:rPr>
+              <a:t>5</a:t>
+            </a:r>
+            <a:r>
+              <a:rPr lang="ko-KR" altLang="en-US" dirty="0">
+                <a:latin typeface="배달의민족 주아 OTF" panose="02020603020101020101" pitchFamily="18" charset="-127"/>
+                <a:ea typeface="배달의민족 주아 OTF" panose="02020603020101020101" pitchFamily="18" charset="-127"/>
+              </a:rPr>
+              <a:t>월</a:t>
+            </a:r>
+            <a:r>
+              <a:rPr lang="en-US" altLang="ko-KR" dirty="0">
+                <a:latin typeface="배달의민족 주아 OTF" panose="02020603020101020101" pitchFamily="18" charset="-127"/>
+                <a:ea typeface="배달의민족 주아 OTF" panose="02020603020101020101" pitchFamily="18" charset="-127"/>
+              </a:rPr>
+              <a:t>, 6</a:t>
+            </a:r>
+            <a:r>
+              <a:rPr lang="ko-KR" altLang="en-US" dirty="0">
+                <a:latin typeface="배달의민족 주아 OTF" panose="02020603020101020101" pitchFamily="18" charset="-127"/>
+                <a:ea typeface="배달의민족 주아 OTF" panose="02020603020101020101" pitchFamily="18" charset="-127"/>
+              </a:rPr>
+              <a:t>월 </a:t>
+            </a:r>
+            <a:r>
+              <a:rPr lang="en-US" altLang="ko-KR" dirty="0">
+                <a:latin typeface="배달의민족 주아 OTF" panose="02020603020101020101" pitchFamily="18" charset="-127"/>
+                <a:ea typeface="배달의민족 주아 OTF" panose="02020603020101020101" pitchFamily="18" charset="-127"/>
+              </a:rPr>
+              <a:t>eBay</a:t>
+            </a:r>
+            <a:r>
+              <a:rPr lang="ko-KR" altLang="en-US" dirty="0">
+                <a:latin typeface="배달의민족 주아 OTF" panose="02020603020101020101" pitchFamily="18" charset="-127"/>
+                <a:ea typeface="배달의민족 주아 OTF" panose="02020603020101020101" pitchFamily="18" charset="-127"/>
+              </a:rPr>
+              <a:t>에서 거래된 </a:t>
+            </a:r>
+            <a:r>
+              <a:rPr lang="en-US" altLang="ko-KR" dirty="0">
+                <a:latin typeface="배달의민족 주아 OTF" panose="02020603020101020101" pitchFamily="18" charset="-127"/>
+                <a:ea typeface="배달의민족 주아 OTF" panose="02020603020101020101" pitchFamily="18" charset="-127"/>
+              </a:rPr>
+              <a:t>1972</a:t>
+            </a:r>
+            <a:r>
+              <a:rPr lang="ko-KR" altLang="en-US" dirty="0">
+                <a:latin typeface="배달의민족 주아 OTF" panose="02020603020101020101" pitchFamily="18" charset="-127"/>
+                <a:ea typeface="배달의민족 주아 OTF" panose="02020603020101020101" pitchFamily="18" charset="-127"/>
+              </a:rPr>
+              <a:t>건의 경매</a:t>
+            </a:r>
+            <a:br>
+              <a:rPr lang="en-US" altLang="ko-KR" dirty="0">
+                <a:latin typeface="배달의민족 주아 OTF" panose="02020603020101020101" pitchFamily="18" charset="-127"/>
+                <a:ea typeface="배달의민족 주아 OTF" panose="02020603020101020101" pitchFamily="18" charset="-127"/>
+              </a:rPr>
+            </a:br>
+            <a:endParaRPr lang="en-US" altLang="ko-KR" dirty="0">
+              <a:latin typeface="배달의민족 주아 OTF" panose="02020603020101020101" pitchFamily="18" charset="-127"/>
+              <a:ea typeface="배달의민족 주아 OTF" panose="02020603020101020101" pitchFamily="18" charset="-127"/>
+            </a:endParaRPr>
+          </a:p>
+          <a:p>
+            <a:r>
+              <a:rPr lang="ko-KR" altLang="en-US" dirty="0">
+                <a:latin typeface="배달의민족 주아 OTF" panose="02020603020101020101" pitchFamily="18" charset="-127"/>
+                <a:ea typeface="배달의민족 주아 OTF" panose="02020603020101020101" pitchFamily="18" charset="-127"/>
+              </a:rPr>
+              <a:t>용어 설명</a:t>
+            </a:r>
+            <a:endParaRPr lang="en-US" altLang="ko-KR" dirty="0">
+              <a:latin typeface="배달의민족 주아 OTF" panose="02020603020101020101" pitchFamily="18" charset="-127"/>
+              <a:ea typeface="배달의민족 주아 OTF" panose="02020603020101020101" pitchFamily="18" charset="-127"/>
+            </a:endParaRPr>
+          </a:p>
+          <a:p>
+            <a:pPr lvl="1"/>
+            <a:r>
+              <a:rPr lang="ko-KR" altLang="en-US" dirty="0">
+                <a:latin typeface="배달의민족 주아 OTF" panose="02020603020101020101" pitchFamily="18" charset="-127"/>
+                <a:ea typeface="배달의민족 주아 OTF" panose="02020603020101020101" pitchFamily="18" charset="-127"/>
+              </a:rPr>
+              <a:t>경쟁적 경매 </a:t>
+            </a:r>
+            <a:endParaRPr lang="en-US" altLang="ko-KR" dirty="0">
+              <a:latin typeface="배달의민족 주아 OTF" panose="02020603020101020101" pitchFamily="18" charset="-127"/>
+              <a:ea typeface="배달의민족 주아 OTF" panose="02020603020101020101" pitchFamily="18" charset="-127"/>
+            </a:endParaRPr>
+          </a:p>
+          <a:p>
+            <a:pPr lvl="2"/>
+            <a:r>
+              <a:rPr lang="ko-KR" altLang="en-US" dirty="0">
+                <a:latin typeface="배달의민족 주아 OTF" panose="02020603020101020101" pitchFamily="18" charset="-127"/>
+                <a:ea typeface="배달의민족 주아 OTF" panose="02020603020101020101" pitchFamily="18" charset="-127"/>
+              </a:rPr>
+              <a:t>최소 </a:t>
+            </a:r>
+            <a:r>
+              <a:rPr lang="en-US" altLang="ko-KR" dirty="0">
+                <a:latin typeface="배달의민족 주아 OTF" panose="02020603020101020101" pitchFamily="18" charset="-127"/>
+                <a:ea typeface="배달의민족 주아 OTF" panose="02020603020101020101" pitchFamily="18" charset="-127"/>
+              </a:rPr>
+              <a:t>2</a:t>
+            </a:r>
+            <a:r>
+              <a:rPr lang="ko-KR" altLang="en-US" dirty="0">
+                <a:latin typeface="배달의민족 주아 OTF" panose="02020603020101020101" pitchFamily="18" charset="-127"/>
+                <a:ea typeface="배달의민족 주아 OTF" panose="02020603020101020101" pitchFamily="18" charset="-127"/>
+              </a:rPr>
+              <a:t>개 이상의 입찰이 있는 경매</a:t>
+            </a:r>
+            <a:endParaRPr lang="en-US" altLang="ko-KR" dirty="0">
+              <a:latin typeface="배달의민족 주아 OTF" panose="02020603020101020101" pitchFamily="18" charset="-127"/>
+              <a:ea typeface="배달의민족 주아 OTF" panose="02020603020101020101" pitchFamily="18" charset="-127"/>
+            </a:endParaRPr>
+          </a:p>
+          <a:p>
+            <a:pPr lvl="2"/>
+            <a:endParaRPr lang="en-US" altLang="ko-KR" dirty="0">
+              <a:latin typeface="배달의민족 주아 OTF" panose="02020603020101020101" pitchFamily="18" charset="-127"/>
+              <a:ea typeface="배달의민족 주아 OTF" panose="02020603020101020101" pitchFamily="18" charset="-127"/>
+            </a:endParaRPr>
+          </a:p>
+        </p:txBody>
+      </p:sp>
+    </p:spTree>
+    <p:extLst>
+      <p:ext uri="{BB962C8B-B14F-4D97-AF65-F5344CB8AC3E}">
+        <p14:creationId xmlns:p14="http://schemas.microsoft.com/office/powerpoint/2010/main" val="1794321449"/>
+      </p:ext>
+    </p:extLst>
+  </p:cSld>
+  <p:clrMapOvr>
+    <a:masterClrMapping/>
+  </p:clrMapOvr>
+</p:sld>
+</file>
+
+<file path=ppt/slides/slide30.xml><?xml version="1.0" encoding="utf-8"?>
 <p:sld xmlns:a="http://schemas.openxmlformats.org/drawingml/2006/main" xmlns:r="http://schemas.openxmlformats.org/officeDocument/2006/relationships" xmlns:p="http://schemas.openxmlformats.org/presentationml/2006/main">
   <p:cSld>
     <p:spTree>
@@ -16589,326 +18941,7 @@
 </p:sld>
 </file>
 
-<file path=ppt/slides/slide3.xml><?xml version="1.0" encoding="utf-8"?>
-<p:sld xmlns:a="http://schemas.openxmlformats.org/drawingml/2006/main" xmlns:r="http://schemas.openxmlformats.org/officeDocument/2006/relationships" xmlns:p="http://schemas.openxmlformats.org/presentationml/2006/main">
-  <p:cSld>
-    <p:spTree>
-      <p:nvGrpSpPr>
-        <p:cNvPr id="1" name=""/>
-        <p:cNvGrpSpPr/>
-        <p:nvPr/>
-      </p:nvGrpSpPr>
-      <p:grpSpPr>
-        <a:xfrm>
-          <a:off x="0" y="0"/>
-          <a:ext cx="0" cy="0"/>
-          <a:chOff x="0" y="0"/>
-          <a:chExt cx="0" cy="0"/>
-        </a:xfrm>
-      </p:grpSpPr>
-      <p:sp>
-        <p:nvSpPr>
-          <p:cNvPr id="2" name="제목 1">
-            <a:extLst>
-              <a:ext uri="{FF2B5EF4-FFF2-40B4-BE49-F238E27FC236}">
-                <a16:creationId xmlns:a16="http://schemas.microsoft.com/office/drawing/2014/main" id="{CF3C3383-4BA2-6721-1287-6A7566889E49}"/>
-              </a:ext>
-            </a:extLst>
-          </p:cNvPr>
-          <p:cNvSpPr>
-            <a:spLocks noGrp="1"/>
-          </p:cNvSpPr>
-          <p:nvPr>
-            <p:ph type="title"/>
-          </p:nvPr>
-        </p:nvSpPr>
-        <p:spPr/>
-        <p:txBody>
-          <a:bodyPr/>
-          <a:lstStyle/>
-          <a:p>
-            <a:r>
-              <a:rPr lang="ko-KR" altLang="en-US" dirty="0">
-                <a:latin typeface="배달의민족 주아 OTF" panose="02020603020101020101" pitchFamily="18" charset="-127"/>
-                <a:ea typeface="배달의민족 주아 OTF" panose="02020603020101020101" pitchFamily="18" charset="-127"/>
-              </a:rPr>
-              <a:t>프로젝트 설명</a:t>
-            </a:r>
-            <a:endParaRPr lang="en-US" dirty="0">
-              <a:latin typeface="배달의민족 주아 OTF" panose="02020603020101020101" pitchFamily="18" charset="-127"/>
-              <a:ea typeface="배달의민족 주아 OTF" panose="02020603020101020101" pitchFamily="18" charset="-127"/>
-            </a:endParaRPr>
-          </a:p>
-        </p:txBody>
-      </p:sp>
-      <p:sp>
-        <p:nvSpPr>
-          <p:cNvPr id="3" name="내용 개체 틀 2">
-            <a:extLst>
-              <a:ext uri="{FF2B5EF4-FFF2-40B4-BE49-F238E27FC236}">
-                <a16:creationId xmlns:a16="http://schemas.microsoft.com/office/drawing/2014/main" id="{281A1953-6A7A-D92F-FDE0-2AC44230E559}"/>
-              </a:ext>
-            </a:extLst>
-          </p:cNvPr>
-          <p:cNvSpPr>
-            <a:spLocks noGrp="1"/>
-          </p:cNvSpPr>
-          <p:nvPr>
-            <p:ph idx="1"/>
-          </p:nvPr>
-        </p:nvSpPr>
-        <p:spPr/>
-        <p:txBody>
-          <a:bodyPr/>
-          <a:lstStyle/>
-          <a:p>
-            <a:r>
-              <a:rPr lang="ko-KR" altLang="en-US" dirty="0">
-                <a:latin typeface="배달의민족 주아 OTF" panose="02020603020101020101" pitchFamily="18" charset="-127"/>
-                <a:ea typeface="배달의민족 주아 OTF" panose="02020603020101020101" pitchFamily="18" charset="-127"/>
-              </a:rPr>
-              <a:t>목표</a:t>
-            </a:r>
-            <a:endParaRPr lang="en-US" altLang="ko-KR" dirty="0">
-              <a:latin typeface="배달의민족 주아 OTF" panose="02020603020101020101" pitchFamily="18" charset="-127"/>
-              <a:ea typeface="배달의민족 주아 OTF" panose="02020603020101020101" pitchFamily="18" charset="-127"/>
-            </a:endParaRPr>
-          </a:p>
-          <a:p>
-            <a:pPr lvl="1"/>
-            <a:r>
-              <a:rPr lang="ko-KR" altLang="en-US" dirty="0">
-                <a:latin typeface="배달의민족 주아 OTF" panose="02020603020101020101" pitchFamily="18" charset="-127"/>
-                <a:ea typeface="배달의민족 주아 OTF" panose="02020603020101020101" pitchFamily="18" charset="-127"/>
-              </a:rPr>
-              <a:t>경매 정보를 바탕으로 모델을 구축하여 </a:t>
-            </a:r>
-            <a:r>
-              <a:rPr lang="ko-KR" altLang="en-US" dirty="0">
-                <a:solidFill>
-                  <a:srgbClr val="FF0000"/>
-                </a:solidFill>
-                <a:latin typeface="배달의민족 주아 OTF" panose="02020603020101020101" pitchFamily="18" charset="-127"/>
-                <a:ea typeface="배달의민족 주아 OTF" panose="02020603020101020101" pitchFamily="18" charset="-127"/>
-              </a:rPr>
-              <a:t>경쟁적</a:t>
-            </a:r>
-            <a:r>
-              <a:rPr lang="ko-KR" altLang="en-US" dirty="0">
-                <a:latin typeface="배달의민족 주아 OTF" panose="02020603020101020101" pitchFamily="18" charset="-127"/>
-                <a:ea typeface="배달의민족 주아 OTF" panose="02020603020101020101" pitchFamily="18" charset="-127"/>
-              </a:rPr>
-              <a:t>인 경매와 </a:t>
-            </a:r>
-            <a:r>
-              <a:rPr lang="ko-KR" altLang="en-US" dirty="0">
-                <a:solidFill>
-                  <a:schemeClr val="tx2">
-                    <a:lumMod val="50000"/>
-                    <a:lumOff val="50000"/>
-                  </a:schemeClr>
-                </a:solidFill>
-                <a:latin typeface="배달의민족 주아 OTF" panose="02020603020101020101" pitchFamily="18" charset="-127"/>
-                <a:ea typeface="배달의민족 주아 OTF" panose="02020603020101020101" pitchFamily="18" charset="-127"/>
-              </a:rPr>
-              <a:t>비경쟁</a:t>
-            </a:r>
-            <a:r>
-              <a:rPr lang="ko-KR" altLang="en-US" dirty="0">
-                <a:latin typeface="배달의민족 주아 OTF" panose="02020603020101020101" pitchFamily="18" charset="-127"/>
-                <a:ea typeface="배달의민족 주아 OTF" panose="02020603020101020101" pitchFamily="18" charset="-127"/>
-              </a:rPr>
-              <a:t>적 경매를 구분하기</a:t>
-            </a:r>
-            <a:r>
-              <a:rPr lang="en-US" altLang="ko-KR" dirty="0">
-                <a:latin typeface="배달의민족 주아 OTF" panose="02020603020101020101" pitchFamily="18" charset="-127"/>
-                <a:ea typeface="배달의민족 주아 OTF" panose="02020603020101020101" pitchFamily="18" charset="-127"/>
-              </a:rPr>
-              <a:t>.</a:t>
-            </a:r>
-          </a:p>
-          <a:p>
-            <a:pPr lvl="1"/>
-            <a:endParaRPr lang="en-US" altLang="ko-KR" dirty="0">
-              <a:latin typeface="배달의민족 주아 OTF" panose="02020603020101020101" pitchFamily="18" charset="-127"/>
-              <a:ea typeface="배달의민족 주아 OTF" panose="02020603020101020101" pitchFamily="18" charset="-127"/>
-            </a:endParaRPr>
-          </a:p>
-          <a:p>
-            <a:r>
-              <a:rPr lang="ko-KR" altLang="en-US" dirty="0">
-                <a:latin typeface="배달의민족 주아 OTF" panose="02020603020101020101" pitchFamily="18" charset="-127"/>
-                <a:ea typeface="배달의민족 주아 OTF" panose="02020603020101020101" pitchFamily="18" charset="-127"/>
-              </a:rPr>
-              <a:t>분석 대상</a:t>
-            </a:r>
-            <a:endParaRPr lang="en-US" altLang="ko-KR" dirty="0">
-              <a:latin typeface="배달의민족 주아 OTF" panose="02020603020101020101" pitchFamily="18" charset="-127"/>
-              <a:ea typeface="배달의민족 주아 OTF" panose="02020603020101020101" pitchFamily="18" charset="-127"/>
-            </a:endParaRPr>
-          </a:p>
-          <a:p>
-            <a:pPr lvl="1"/>
-            <a:r>
-              <a:rPr lang="en-US" altLang="ko-KR" dirty="0">
-                <a:latin typeface="배달의민족 주아 OTF" panose="02020603020101020101" pitchFamily="18" charset="-127"/>
-                <a:ea typeface="배달의민족 주아 OTF" panose="02020603020101020101" pitchFamily="18" charset="-127"/>
-              </a:rPr>
-              <a:t>2004</a:t>
-            </a:r>
-            <a:r>
-              <a:rPr lang="ko-KR" altLang="en-US" dirty="0">
-                <a:latin typeface="배달의민족 주아 OTF" panose="02020603020101020101" pitchFamily="18" charset="-127"/>
-                <a:ea typeface="배달의민족 주아 OTF" panose="02020603020101020101" pitchFamily="18" charset="-127"/>
-              </a:rPr>
-              <a:t>년 </a:t>
-            </a:r>
-            <a:r>
-              <a:rPr lang="en-US" altLang="ko-KR" dirty="0">
-                <a:latin typeface="배달의민족 주아 OTF" panose="02020603020101020101" pitchFamily="18" charset="-127"/>
-                <a:ea typeface="배달의민족 주아 OTF" panose="02020603020101020101" pitchFamily="18" charset="-127"/>
-              </a:rPr>
-              <a:t>5</a:t>
-            </a:r>
-            <a:r>
-              <a:rPr lang="ko-KR" altLang="en-US" dirty="0">
-                <a:latin typeface="배달의민족 주아 OTF" panose="02020603020101020101" pitchFamily="18" charset="-127"/>
-                <a:ea typeface="배달의민족 주아 OTF" panose="02020603020101020101" pitchFamily="18" charset="-127"/>
-              </a:rPr>
-              <a:t>월</a:t>
-            </a:r>
-            <a:r>
-              <a:rPr lang="en-US" altLang="ko-KR" dirty="0">
-                <a:latin typeface="배달의민족 주아 OTF" panose="02020603020101020101" pitchFamily="18" charset="-127"/>
-                <a:ea typeface="배달의민족 주아 OTF" panose="02020603020101020101" pitchFamily="18" charset="-127"/>
-              </a:rPr>
-              <a:t>, 6</a:t>
-            </a:r>
-            <a:r>
-              <a:rPr lang="ko-KR" altLang="en-US" dirty="0">
-                <a:latin typeface="배달의민족 주아 OTF" panose="02020603020101020101" pitchFamily="18" charset="-127"/>
-                <a:ea typeface="배달의민족 주아 OTF" panose="02020603020101020101" pitchFamily="18" charset="-127"/>
-              </a:rPr>
-              <a:t>월 </a:t>
-            </a:r>
-            <a:r>
-              <a:rPr lang="en-US" altLang="ko-KR" dirty="0">
-                <a:latin typeface="배달의민족 주아 OTF" panose="02020603020101020101" pitchFamily="18" charset="-127"/>
-                <a:ea typeface="배달의민족 주아 OTF" panose="02020603020101020101" pitchFamily="18" charset="-127"/>
-              </a:rPr>
-              <a:t>eBay</a:t>
-            </a:r>
-            <a:r>
-              <a:rPr lang="ko-KR" altLang="en-US" dirty="0">
-                <a:latin typeface="배달의민족 주아 OTF" panose="02020603020101020101" pitchFamily="18" charset="-127"/>
-                <a:ea typeface="배달의민족 주아 OTF" panose="02020603020101020101" pitchFamily="18" charset="-127"/>
-              </a:rPr>
-              <a:t>에서 거래된 </a:t>
-            </a:r>
-            <a:r>
-              <a:rPr lang="en-US" altLang="ko-KR" dirty="0">
-                <a:latin typeface="배달의민족 주아 OTF" panose="02020603020101020101" pitchFamily="18" charset="-127"/>
-                <a:ea typeface="배달의민족 주아 OTF" panose="02020603020101020101" pitchFamily="18" charset="-127"/>
-              </a:rPr>
-              <a:t>1972</a:t>
-            </a:r>
-            <a:r>
-              <a:rPr lang="ko-KR" altLang="en-US" dirty="0">
-                <a:latin typeface="배달의민족 주아 OTF" panose="02020603020101020101" pitchFamily="18" charset="-127"/>
-                <a:ea typeface="배달의민족 주아 OTF" panose="02020603020101020101" pitchFamily="18" charset="-127"/>
-              </a:rPr>
-              <a:t>건의 경매</a:t>
-            </a:r>
-            <a:br>
-              <a:rPr lang="en-US" altLang="ko-KR" dirty="0">
-                <a:latin typeface="배달의민족 주아 OTF" panose="02020603020101020101" pitchFamily="18" charset="-127"/>
-                <a:ea typeface="배달의민족 주아 OTF" panose="02020603020101020101" pitchFamily="18" charset="-127"/>
-              </a:rPr>
-            </a:br>
-            <a:endParaRPr lang="en-US" altLang="ko-KR" dirty="0">
-              <a:latin typeface="배달의민족 주아 OTF" panose="02020603020101020101" pitchFamily="18" charset="-127"/>
-              <a:ea typeface="배달의민족 주아 OTF" panose="02020603020101020101" pitchFamily="18" charset="-127"/>
-            </a:endParaRPr>
-          </a:p>
-          <a:p>
-            <a:r>
-              <a:rPr lang="ko-KR" altLang="en-US" dirty="0">
-                <a:latin typeface="배달의민족 주아 OTF" panose="02020603020101020101" pitchFamily="18" charset="-127"/>
-                <a:ea typeface="배달의민족 주아 OTF" panose="02020603020101020101" pitchFamily="18" charset="-127"/>
-              </a:rPr>
-              <a:t>용어 설명</a:t>
-            </a:r>
-            <a:endParaRPr lang="en-US" altLang="ko-KR" dirty="0">
-              <a:latin typeface="배달의민족 주아 OTF" panose="02020603020101020101" pitchFamily="18" charset="-127"/>
-              <a:ea typeface="배달의민족 주아 OTF" panose="02020603020101020101" pitchFamily="18" charset="-127"/>
-            </a:endParaRPr>
-          </a:p>
-          <a:p>
-            <a:pPr lvl="1"/>
-            <a:r>
-              <a:rPr lang="ko-KR" altLang="en-US" dirty="0">
-                <a:latin typeface="배달의민족 주아 OTF" panose="02020603020101020101" pitchFamily="18" charset="-127"/>
-                <a:ea typeface="배달의민족 주아 OTF" panose="02020603020101020101" pitchFamily="18" charset="-127"/>
-              </a:rPr>
-              <a:t>경쟁적 경매 </a:t>
-            </a:r>
-            <a:endParaRPr lang="en-US" altLang="ko-KR" dirty="0">
-              <a:latin typeface="배달의민족 주아 OTF" panose="02020603020101020101" pitchFamily="18" charset="-127"/>
-              <a:ea typeface="배달의민족 주아 OTF" panose="02020603020101020101" pitchFamily="18" charset="-127"/>
-            </a:endParaRPr>
-          </a:p>
-          <a:p>
-            <a:pPr lvl="2"/>
-            <a:r>
-              <a:rPr lang="ko-KR" altLang="en-US" dirty="0">
-                <a:latin typeface="배달의민족 주아 OTF" panose="02020603020101020101" pitchFamily="18" charset="-127"/>
-                <a:ea typeface="배달의민족 주아 OTF" panose="02020603020101020101" pitchFamily="18" charset="-127"/>
-              </a:rPr>
-              <a:t>최소 </a:t>
-            </a:r>
-            <a:r>
-              <a:rPr lang="en-US" altLang="ko-KR" dirty="0">
-                <a:latin typeface="배달의민족 주아 OTF" panose="02020603020101020101" pitchFamily="18" charset="-127"/>
-                <a:ea typeface="배달의민족 주아 OTF" panose="02020603020101020101" pitchFamily="18" charset="-127"/>
-              </a:rPr>
-              <a:t>2</a:t>
-            </a:r>
-            <a:r>
-              <a:rPr lang="ko-KR" altLang="en-US" dirty="0">
-                <a:latin typeface="배달의민족 주아 OTF" panose="02020603020101020101" pitchFamily="18" charset="-127"/>
-                <a:ea typeface="배달의민족 주아 OTF" panose="02020603020101020101" pitchFamily="18" charset="-127"/>
-              </a:rPr>
-              <a:t>개 이상의 입찰이 있는 경매</a:t>
-            </a:r>
-            <a:endParaRPr lang="en-US" altLang="ko-KR" dirty="0">
-              <a:latin typeface="배달의민족 주아 OTF" panose="02020603020101020101" pitchFamily="18" charset="-127"/>
-              <a:ea typeface="배달의민족 주아 OTF" panose="02020603020101020101" pitchFamily="18" charset="-127"/>
-            </a:endParaRPr>
-          </a:p>
-          <a:p>
-            <a:pPr lvl="2"/>
-            <a:endParaRPr lang="en-US" altLang="ko-KR" dirty="0">
-              <a:latin typeface="배달의민족 주아 OTF" panose="02020603020101020101" pitchFamily="18" charset="-127"/>
-              <a:ea typeface="배달의민족 주아 OTF" panose="02020603020101020101" pitchFamily="18" charset="-127"/>
-            </a:endParaRPr>
-          </a:p>
-        </p:txBody>
-      </p:sp>
-    </p:spTree>
-    <p:extLst>
-      <p:ext uri="{BB962C8B-B14F-4D97-AF65-F5344CB8AC3E}">
-        <p14:creationId xmlns:p14="http://schemas.microsoft.com/office/powerpoint/2010/main" val="1794321449"/>
-      </p:ext>
-    </p:extLst>
-  </p:cSld>
-  <p:clrMapOvr>
-    <a:masterClrMapping/>
-  </p:clrMapOvr>
-</p:sld>
-</file>
-
-<file path=ppt/slides/slide30.xml><?xml version="1.0" encoding="utf-8"?>
+<file path=ppt/slides/slide31.xml><?xml version="1.0" encoding="utf-8"?>
 <p:sld xmlns:a="http://schemas.openxmlformats.org/drawingml/2006/main" xmlns:r="http://schemas.openxmlformats.org/officeDocument/2006/relationships" xmlns:p="http://schemas.openxmlformats.org/presentationml/2006/main">
   <p:cSld>
     <p:spTree>
@@ -20268,7 +22301,7 @@
 </p:sld>
 </file>
 
-<file path=ppt/slides/slide31.xml><?xml version="1.0" encoding="utf-8"?>
+<file path=ppt/slides/slide32.xml><?xml version="1.0" encoding="utf-8"?>
 <p:sld xmlns:a="http://schemas.openxmlformats.org/drawingml/2006/main" xmlns:r="http://schemas.openxmlformats.org/officeDocument/2006/relationships" xmlns:p="http://schemas.openxmlformats.org/presentationml/2006/main">
   <p:cSld>
     <p:spTree>
@@ -21296,7 +23329,7 @@
 </p:sld>
 </file>
 
-<file path=ppt/slides/slide32.xml><?xml version="1.0" encoding="utf-8"?>
+<file path=ppt/slides/slide33.xml><?xml version="1.0" encoding="utf-8"?>
 <p:sld xmlns:a="http://schemas.openxmlformats.org/drawingml/2006/main" xmlns:r="http://schemas.openxmlformats.org/officeDocument/2006/relationships" xmlns:p="http://schemas.openxmlformats.org/presentationml/2006/main">
   <p:cSld>
     <p:spTree>
@@ -21941,7 +23974,7 @@
 </p:sld>
 </file>
 
-<file path=ppt/slides/slide33.xml><?xml version="1.0" encoding="utf-8"?>
+<file path=ppt/slides/slide34.xml><?xml version="1.0" encoding="utf-8"?>
 <p:sld xmlns:a="http://schemas.openxmlformats.org/drawingml/2006/main" xmlns:r="http://schemas.openxmlformats.org/officeDocument/2006/relationships" xmlns:p="http://schemas.openxmlformats.org/presentationml/2006/main">
   <p:cSld>
     <p:spTree>
@@ -22395,7 +24428,7 @@
 </p:sld>
 </file>
 
-<file path=ppt/slides/slide34.xml><?xml version="1.0" encoding="utf-8"?>
+<file path=ppt/slides/slide35.xml><?xml version="1.0" encoding="utf-8"?>
 <p:sld xmlns:a="http://schemas.openxmlformats.org/drawingml/2006/main" xmlns:r="http://schemas.openxmlformats.org/officeDocument/2006/relationships" xmlns:p="http://schemas.openxmlformats.org/presentationml/2006/main">
   <p:cSld>
     <p:spTree>
@@ -23148,7 +25181,7 @@
 </p:sld>
 </file>
 
-<file path=ppt/slides/slide35.xml><?xml version="1.0" encoding="utf-8"?>
+<file path=ppt/slides/slide36.xml><?xml version="1.0" encoding="utf-8"?>
 <p:sld xmlns:a="http://schemas.openxmlformats.org/drawingml/2006/main" xmlns:r="http://schemas.openxmlformats.org/officeDocument/2006/relationships" xmlns:p="http://schemas.openxmlformats.org/presentationml/2006/main">
   <p:cSld>
     <p:spTree>
@@ -23921,7 +25954,7 @@
 </p:sld>
 </file>
 
-<file path=ppt/slides/slide36.xml><?xml version="1.0" encoding="utf-8"?>
+<file path=ppt/slides/slide37.xml><?xml version="1.0" encoding="utf-8"?>
 <p:sld xmlns:a="http://schemas.openxmlformats.org/drawingml/2006/main" xmlns:r="http://schemas.openxmlformats.org/officeDocument/2006/relationships" xmlns:p="http://schemas.openxmlformats.org/presentationml/2006/main">
   <p:cSld>
     <p:spTree>
@@ -24372,7 +26405,7 @@
 </p:sld>
 </file>
 
-<file path=ppt/slides/slide37.xml><?xml version="1.0" encoding="utf-8"?>
+<file path=ppt/slides/slide38.xml><?xml version="1.0" encoding="utf-8"?>
 <p:sld xmlns:a="http://schemas.openxmlformats.org/drawingml/2006/main" xmlns:r="http://schemas.openxmlformats.org/officeDocument/2006/relationships" xmlns:p="http://schemas.openxmlformats.org/presentationml/2006/main">
   <p:cSld>
     <p:spTree>
@@ -24605,7 +26638,7 @@
 </p:sld>
 </file>
 
-<file path=ppt/slides/slide38.xml><?xml version="1.0" encoding="utf-8"?>
+<file path=ppt/slides/slide39.xml><?xml version="1.0" encoding="utf-8"?>
 <p:sld xmlns:a="http://schemas.openxmlformats.org/drawingml/2006/main" xmlns:r="http://schemas.openxmlformats.org/officeDocument/2006/relationships" xmlns:p="http://schemas.openxmlformats.org/presentationml/2006/main">
   <p:cSld>
     <p:spTree>
@@ -24746,7 +26779,232 @@
 </p:sld>
 </file>
 
-<file path=ppt/slides/slide39.xml><?xml version="1.0" encoding="utf-8"?>
+<file path=ppt/slides/slide4.xml><?xml version="1.0" encoding="utf-8"?>
+<p:sld xmlns:a="http://schemas.openxmlformats.org/drawingml/2006/main" xmlns:r="http://schemas.openxmlformats.org/officeDocument/2006/relationships" xmlns:p="http://schemas.openxmlformats.org/presentationml/2006/main">
+  <p:cSld>
+    <p:spTree>
+      <p:nvGrpSpPr>
+        <p:cNvPr id="1" name="">
+          <a:extLst>
+            <a:ext uri="{FF2B5EF4-FFF2-40B4-BE49-F238E27FC236}">
+              <a16:creationId xmlns:a16="http://schemas.microsoft.com/office/drawing/2014/main" id="{760DABB4-67AB-4BFF-00FB-7D6F83187C7A}"/>
+            </a:ext>
+          </a:extLst>
+        </p:cNvPr>
+        <p:cNvGrpSpPr/>
+        <p:nvPr/>
+      </p:nvGrpSpPr>
+      <p:grpSpPr>
+        <a:xfrm>
+          <a:off x="0" y="0"/>
+          <a:ext cx="0" cy="0"/>
+          <a:chOff x="0" y="0"/>
+          <a:chExt cx="0" cy="0"/>
+        </a:xfrm>
+      </p:grpSpPr>
+      <p:sp>
+        <p:nvSpPr>
+          <p:cNvPr id="2" name="제목 1">
+            <a:extLst>
+              <a:ext uri="{FF2B5EF4-FFF2-40B4-BE49-F238E27FC236}">
+                <a16:creationId xmlns:a16="http://schemas.microsoft.com/office/drawing/2014/main" id="{9E0615CB-D04D-E216-CB13-7D9BA8F5EA2C}"/>
+              </a:ext>
+            </a:extLst>
+          </p:cNvPr>
+          <p:cNvSpPr>
+            <a:spLocks noGrp="1"/>
+          </p:cNvSpPr>
+          <p:nvPr>
+            <p:ph type="title"/>
+          </p:nvPr>
+        </p:nvSpPr>
+        <p:spPr/>
+        <p:txBody>
+          <a:bodyPr/>
+          <a:lstStyle/>
+          <a:p>
+            <a:r>
+              <a:rPr lang="ko-KR" altLang="en-US" dirty="0">
+                <a:latin typeface="배달의민족 주아 OTF" panose="02020603020101020101" pitchFamily="18" charset="-127"/>
+                <a:ea typeface="배달의민족 주아 OTF" panose="02020603020101020101" pitchFamily="18" charset="-127"/>
+              </a:rPr>
+              <a:t>목차</a:t>
+            </a:r>
+            <a:endParaRPr lang="en-US" dirty="0">
+              <a:latin typeface="배달의민족 주아 OTF" panose="02020603020101020101" pitchFamily="18" charset="-127"/>
+              <a:ea typeface="배달의민족 주아 OTF" panose="02020603020101020101" pitchFamily="18" charset="-127"/>
+            </a:endParaRPr>
+          </a:p>
+        </p:txBody>
+      </p:sp>
+      <p:sp>
+        <p:nvSpPr>
+          <p:cNvPr id="3" name="내용 개체 틀 2">
+            <a:extLst>
+              <a:ext uri="{FF2B5EF4-FFF2-40B4-BE49-F238E27FC236}">
+                <a16:creationId xmlns:a16="http://schemas.microsoft.com/office/drawing/2014/main" id="{E6C7B407-FAB8-4D87-20C6-3B1D7FAA17A4}"/>
+              </a:ext>
+            </a:extLst>
+          </p:cNvPr>
+          <p:cNvSpPr>
+            <a:spLocks noGrp="1"/>
+          </p:cNvSpPr>
+          <p:nvPr>
+            <p:ph idx="1"/>
+          </p:nvPr>
+        </p:nvSpPr>
+        <p:spPr/>
+        <p:txBody>
+          <a:bodyPr/>
+          <a:lstStyle/>
+          <a:p>
+            <a:r>
+              <a:rPr lang="ko-KR" altLang="en-US" dirty="0">
+                <a:latin typeface="배달의민족 주아 OTF" panose="02020603020101020101" pitchFamily="18" charset="-127"/>
+                <a:ea typeface="배달의민족 주아 OTF" panose="02020603020101020101" pitchFamily="18" charset="-127"/>
+              </a:rPr>
+              <a:t>프로젝트 설명</a:t>
+            </a:r>
+            <a:endParaRPr lang="en-US" altLang="ko-KR" dirty="0">
+              <a:latin typeface="배달의민족 주아 OTF" panose="02020603020101020101" pitchFamily="18" charset="-127"/>
+              <a:ea typeface="배달의민족 주아 OTF" panose="02020603020101020101" pitchFamily="18" charset="-127"/>
+            </a:endParaRPr>
+          </a:p>
+          <a:p>
+            <a:endParaRPr lang="en-US" altLang="ko-KR" dirty="0">
+              <a:latin typeface="배달의민족 주아 OTF" panose="02020603020101020101" pitchFamily="18" charset="-127"/>
+              <a:ea typeface="배달의민족 주아 OTF" panose="02020603020101020101" pitchFamily="18" charset="-127"/>
+            </a:endParaRPr>
+          </a:p>
+          <a:p>
+            <a:r>
+              <a:rPr lang="ko-KR" altLang="en-US" dirty="0">
+                <a:latin typeface="배달의민족 주아 OTF" panose="02020603020101020101" pitchFamily="18" charset="-127"/>
+                <a:ea typeface="배달의민족 주아 OTF" panose="02020603020101020101" pitchFamily="18" charset="-127"/>
+              </a:rPr>
+              <a:t>데이터 개요</a:t>
+            </a:r>
+            <a:endParaRPr lang="en-US" altLang="ko-KR" dirty="0">
+              <a:latin typeface="배달의민족 주아 OTF" panose="02020603020101020101" pitchFamily="18" charset="-127"/>
+              <a:ea typeface="배달의민족 주아 OTF" panose="02020603020101020101" pitchFamily="18" charset="-127"/>
+            </a:endParaRPr>
+          </a:p>
+          <a:p>
+            <a:endParaRPr lang="en-US" altLang="ko-KR" dirty="0">
+              <a:latin typeface="배달의민족 주아 OTF" panose="02020603020101020101" pitchFamily="18" charset="-127"/>
+              <a:ea typeface="배달의민족 주아 OTF" panose="02020603020101020101" pitchFamily="18" charset="-127"/>
+            </a:endParaRPr>
+          </a:p>
+          <a:p>
+            <a:r>
+              <a:rPr lang="ko-KR" altLang="en-US" dirty="0">
+                <a:latin typeface="배달의민족 주아 OTF" panose="02020603020101020101" pitchFamily="18" charset="-127"/>
+                <a:ea typeface="배달의민족 주아 OTF" panose="02020603020101020101" pitchFamily="18" charset="-127"/>
+              </a:rPr>
+              <a:t>데이터 분석 및 예측</a:t>
+            </a:r>
+            <a:endParaRPr lang="en-US" altLang="ko-KR" dirty="0">
+              <a:latin typeface="배달의민족 주아 OTF" panose="02020603020101020101" pitchFamily="18" charset="-127"/>
+              <a:ea typeface="배달의민족 주아 OTF" panose="02020603020101020101" pitchFamily="18" charset="-127"/>
+            </a:endParaRPr>
+          </a:p>
+          <a:p>
+            <a:endParaRPr lang="en-US" altLang="ko-KR" dirty="0">
+              <a:latin typeface="배달의민족 주아 OTF" panose="02020603020101020101" pitchFamily="18" charset="-127"/>
+              <a:ea typeface="배달의민족 주아 OTF" panose="02020603020101020101" pitchFamily="18" charset="-127"/>
+            </a:endParaRPr>
+          </a:p>
+          <a:p>
+            <a:r>
+              <a:rPr lang="ko-KR" altLang="en-US" dirty="0">
+                <a:latin typeface="배달의민족 주아 OTF" panose="02020603020101020101" pitchFamily="18" charset="-127"/>
+                <a:ea typeface="배달의민족 주아 OTF" panose="02020603020101020101" pitchFamily="18" charset="-127"/>
+              </a:rPr>
+              <a:t>결론</a:t>
+            </a:r>
+            <a:endParaRPr lang="en-US" altLang="ko-KR" dirty="0">
+              <a:latin typeface="배달의민족 주아 OTF" panose="02020603020101020101" pitchFamily="18" charset="-127"/>
+              <a:ea typeface="배달의민족 주아 OTF" panose="02020603020101020101" pitchFamily="18" charset="-127"/>
+            </a:endParaRPr>
+          </a:p>
+        </p:txBody>
+      </p:sp>
+      <p:sp>
+        <p:nvSpPr>
+          <p:cNvPr id="4" name="화살표: 오른쪽 3">
+            <a:extLst>
+              <a:ext uri="{FF2B5EF4-FFF2-40B4-BE49-F238E27FC236}">
+                <a16:creationId xmlns:a16="http://schemas.microsoft.com/office/drawing/2014/main" id="{998469DB-D70A-E130-C58D-14571A02DA02}"/>
+              </a:ext>
+            </a:extLst>
+          </p:cNvPr>
+          <p:cNvSpPr/>
+          <p:nvPr/>
+        </p:nvSpPr>
+        <p:spPr>
+          <a:xfrm>
+            <a:off x="258783" y="2835028"/>
+            <a:ext cx="439387" cy="498763"/>
+          </a:xfrm>
+          <a:prstGeom prst="rightArrow">
+            <a:avLst/>
+          </a:prstGeom>
+          <a:solidFill>
+            <a:schemeClr val="accent2"/>
+          </a:solidFill>
+        </p:spPr>
+        <p:style>
+          <a:lnRef idx="2">
+            <a:schemeClr val="accent1">
+              <a:shade val="15000"/>
+            </a:schemeClr>
+          </a:lnRef>
+          <a:fillRef idx="1">
+            <a:schemeClr val="accent1"/>
+          </a:fillRef>
+          <a:effectRef idx="0">
+            <a:schemeClr val="accent1"/>
+          </a:effectRef>
+          <a:fontRef idx="minor">
+            <a:schemeClr val="lt1"/>
+          </a:fontRef>
+        </p:style>
+        <p:txBody>
+          <a:bodyPr rtlCol="0" anchor="ctr"/>
+          <a:lstStyle/>
+          <a:p>
+            <a:pPr algn="ctr"/>
+            <a:endParaRPr lang="en-US" b="1">
+              <a:ln w="22225">
+                <a:solidFill>
+                  <a:schemeClr val="accent2"/>
+                </a:solidFill>
+                <a:prstDash val="solid"/>
+              </a:ln>
+              <a:solidFill>
+                <a:schemeClr val="accent2">
+                  <a:lumMod val="40000"/>
+                  <a:lumOff val="60000"/>
+                </a:schemeClr>
+              </a:solidFill>
+            </a:endParaRPr>
+          </a:p>
+        </p:txBody>
+      </p:sp>
+    </p:spTree>
+    <p:extLst>
+      <p:ext uri="{BB962C8B-B14F-4D97-AF65-F5344CB8AC3E}">
+        <p14:creationId xmlns:p14="http://schemas.microsoft.com/office/powerpoint/2010/main" val="2320380152"/>
+      </p:ext>
+    </p:extLst>
+  </p:cSld>
+  <p:clrMapOvr>
+    <a:masterClrMapping/>
+  </p:clrMapOvr>
+</p:sld>
+</file>
+
+<file path=ppt/slides/slide40.xml><?xml version="1.0" encoding="utf-8"?>
 <p:sld xmlns:a="http://schemas.openxmlformats.org/drawingml/2006/main" xmlns:r="http://schemas.openxmlformats.org/officeDocument/2006/relationships" xmlns:p="http://schemas.openxmlformats.org/presentationml/2006/main">
   <p:cSld>
     <p:spTree>
@@ -24933,232 +27191,7 @@
 </p:sld>
 </file>
 
-<file path=ppt/slides/slide4.xml><?xml version="1.0" encoding="utf-8"?>
-<p:sld xmlns:a="http://schemas.openxmlformats.org/drawingml/2006/main" xmlns:r="http://schemas.openxmlformats.org/officeDocument/2006/relationships" xmlns:p="http://schemas.openxmlformats.org/presentationml/2006/main">
-  <p:cSld>
-    <p:spTree>
-      <p:nvGrpSpPr>
-        <p:cNvPr id="1" name="">
-          <a:extLst>
-            <a:ext uri="{FF2B5EF4-FFF2-40B4-BE49-F238E27FC236}">
-              <a16:creationId xmlns:a16="http://schemas.microsoft.com/office/drawing/2014/main" id="{760DABB4-67AB-4BFF-00FB-7D6F83187C7A}"/>
-            </a:ext>
-          </a:extLst>
-        </p:cNvPr>
-        <p:cNvGrpSpPr/>
-        <p:nvPr/>
-      </p:nvGrpSpPr>
-      <p:grpSpPr>
-        <a:xfrm>
-          <a:off x="0" y="0"/>
-          <a:ext cx="0" cy="0"/>
-          <a:chOff x="0" y="0"/>
-          <a:chExt cx="0" cy="0"/>
-        </a:xfrm>
-      </p:grpSpPr>
-      <p:sp>
-        <p:nvSpPr>
-          <p:cNvPr id="2" name="제목 1">
-            <a:extLst>
-              <a:ext uri="{FF2B5EF4-FFF2-40B4-BE49-F238E27FC236}">
-                <a16:creationId xmlns:a16="http://schemas.microsoft.com/office/drawing/2014/main" id="{9E0615CB-D04D-E216-CB13-7D9BA8F5EA2C}"/>
-              </a:ext>
-            </a:extLst>
-          </p:cNvPr>
-          <p:cNvSpPr>
-            <a:spLocks noGrp="1"/>
-          </p:cNvSpPr>
-          <p:nvPr>
-            <p:ph type="title"/>
-          </p:nvPr>
-        </p:nvSpPr>
-        <p:spPr/>
-        <p:txBody>
-          <a:bodyPr/>
-          <a:lstStyle/>
-          <a:p>
-            <a:r>
-              <a:rPr lang="ko-KR" altLang="en-US" dirty="0">
-                <a:latin typeface="배달의민족 주아 OTF" panose="02020603020101020101" pitchFamily="18" charset="-127"/>
-                <a:ea typeface="배달의민족 주아 OTF" panose="02020603020101020101" pitchFamily="18" charset="-127"/>
-              </a:rPr>
-              <a:t>목차</a:t>
-            </a:r>
-            <a:endParaRPr lang="en-US" dirty="0">
-              <a:latin typeface="배달의민족 주아 OTF" panose="02020603020101020101" pitchFamily="18" charset="-127"/>
-              <a:ea typeface="배달의민족 주아 OTF" panose="02020603020101020101" pitchFamily="18" charset="-127"/>
-            </a:endParaRPr>
-          </a:p>
-        </p:txBody>
-      </p:sp>
-      <p:sp>
-        <p:nvSpPr>
-          <p:cNvPr id="3" name="내용 개체 틀 2">
-            <a:extLst>
-              <a:ext uri="{FF2B5EF4-FFF2-40B4-BE49-F238E27FC236}">
-                <a16:creationId xmlns:a16="http://schemas.microsoft.com/office/drawing/2014/main" id="{E6C7B407-FAB8-4D87-20C6-3B1D7FAA17A4}"/>
-              </a:ext>
-            </a:extLst>
-          </p:cNvPr>
-          <p:cNvSpPr>
-            <a:spLocks noGrp="1"/>
-          </p:cNvSpPr>
-          <p:nvPr>
-            <p:ph idx="1"/>
-          </p:nvPr>
-        </p:nvSpPr>
-        <p:spPr/>
-        <p:txBody>
-          <a:bodyPr/>
-          <a:lstStyle/>
-          <a:p>
-            <a:r>
-              <a:rPr lang="ko-KR" altLang="en-US" dirty="0">
-                <a:latin typeface="배달의민족 주아 OTF" panose="02020603020101020101" pitchFamily="18" charset="-127"/>
-                <a:ea typeface="배달의민족 주아 OTF" panose="02020603020101020101" pitchFamily="18" charset="-127"/>
-              </a:rPr>
-              <a:t>프로젝트 설명</a:t>
-            </a:r>
-            <a:endParaRPr lang="en-US" altLang="ko-KR" dirty="0">
-              <a:latin typeface="배달의민족 주아 OTF" panose="02020603020101020101" pitchFamily="18" charset="-127"/>
-              <a:ea typeface="배달의민족 주아 OTF" panose="02020603020101020101" pitchFamily="18" charset="-127"/>
-            </a:endParaRPr>
-          </a:p>
-          <a:p>
-            <a:endParaRPr lang="en-US" altLang="ko-KR" dirty="0">
-              <a:latin typeface="배달의민족 주아 OTF" panose="02020603020101020101" pitchFamily="18" charset="-127"/>
-              <a:ea typeface="배달의민족 주아 OTF" panose="02020603020101020101" pitchFamily="18" charset="-127"/>
-            </a:endParaRPr>
-          </a:p>
-          <a:p>
-            <a:r>
-              <a:rPr lang="ko-KR" altLang="en-US" dirty="0">
-                <a:latin typeface="배달의민족 주아 OTF" panose="02020603020101020101" pitchFamily="18" charset="-127"/>
-                <a:ea typeface="배달의민족 주아 OTF" panose="02020603020101020101" pitchFamily="18" charset="-127"/>
-              </a:rPr>
-              <a:t>데이터 개요</a:t>
-            </a:r>
-            <a:endParaRPr lang="en-US" altLang="ko-KR" dirty="0">
-              <a:latin typeface="배달의민족 주아 OTF" panose="02020603020101020101" pitchFamily="18" charset="-127"/>
-              <a:ea typeface="배달의민족 주아 OTF" panose="02020603020101020101" pitchFamily="18" charset="-127"/>
-            </a:endParaRPr>
-          </a:p>
-          <a:p>
-            <a:endParaRPr lang="en-US" altLang="ko-KR" dirty="0">
-              <a:latin typeface="배달의민족 주아 OTF" panose="02020603020101020101" pitchFamily="18" charset="-127"/>
-              <a:ea typeface="배달의민족 주아 OTF" panose="02020603020101020101" pitchFamily="18" charset="-127"/>
-            </a:endParaRPr>
-          </a:p>
-          <a:p>
-            <a:r>
-              <a:rPr lang="ko-KR" altLang="en-US" dirty="0">
-                <a:latin typeface="배달의민족 주아 OTF" panose="02020603020101020101" pitchFamily="18" charset="-127"/>
-                <a:ea typeface="배달의민족 주아 OTF" panose="02020603020101020101" pitchFamily="18" charset="-127"/>
-              </a:rPr>
-              <a:t>데이터 분석 및 예측</a:t>
-            </a:r>
-            <a:endParaRPr lang="en-US" altLang="ko-KR" dirty="0">
-              <a:latin typeface="배달의민족 주아 OTF" panose="02020603020101020101" pitchFamily="18" charset="-127"/>
-              <a:ea typeface="배달의민족 주아 OTF" panose="02020603020101020101" pitchFamily="18" charset="-127"/>
-            </a:endParaRPr>
-          </a:p>
-          <a:p>
-            <a:endParaRPr lang="en-US" altLang="ko-KR" dirty="0">
-              <a:latin typeface="배달의민족 주아 OTF" panose="02020603020101020101" pitchFamily="18" charset="-127"/>
-              <a:ea typeface="배달의민족 주아 OTF" panose="02020603020101020101" pitchFamily="18" charset="-127"/>
-            </a:endParaRPr>
-          </a:p>
-          <a:p>
-            <a:r>
-              <a:rPr lang="ko-KR" altLang="en-US" dirty="0">
-                <a:latin typeface="배달의민족 주아 OTF" panose="02020603020101020101" pitchFamily="18" charset="-127"/>
-                <a:ea typeface="배달의민족 주아 OTF" panose="02020603020101020101" pitchFamily="18" charset="-127"/>
-              </a:rPr>
-              <a:t>결론</a:t>
-            </a:r>
-            <a:endParaRPr lang="en-US" altLang="ko-KR" dirty="0">
-              <a:latin typeface="배달의민족 주아 OTF" panose="02020603020101020101" pitchFamily="18" charset="-127"/>
-              <a:ea typeface="배달의민족 주아 OTF" panose="02020603020101020101" pitchFamily="18" charset="-127"/>
-            </a:endParaRPr>
-          </a:p>
-        </p:txBody>
-      </p:sp>
-      <p:sp>
-        <p:nvSpPr>
-          <p:cNvPr id="4" name="화살표: 오른쪽 3">
-            <a:extLst>
-              <a:ext uri="{FF2B5EF4-FFF2-40B4-BE49-F238E27FC236}">
-                <a16:creationId xmlns:a16="http://schemas.microsoft.com/office/drawing/2014/main" id="{998469DB-D70A-E130-C58D-14571A02DA02}"/>
-              </a:ext>
-            </a:extLst>
-          </p:cNvPr>
-          <p:cNvSpPr/>
-          <p:nvPr/>
-        </p:nvSpPr>
-        <p:spPr>
-          <a:xfrm>
-            <a:off x="258783" y="2835028"/>
-            <a:ext cx="439387" cy="498763"/>
-          </a:xfrm>
-          <a:prstGeom prst="rightArrow">
-            <a:avLst/>
-          </a:prstGeom>
-          <a:solidFill>
-            <a:schemeClr val="accent2"/>
-          </a:solidFill>
-        </p:spPr>
-        <p:style>
-          <a:lnRef idx="2">
-            <a:schemeClr val="accent1">
-              <a:shade val="15000"/>
-            </a:schemeClr>
-          </a:lnRef>
-          <a:fillRef idx="1">
-            <a:schemeClr val="accent1"/>
-          </a:fillRef>
-          <a:effectRef idx="0">
-            <a:schemeClr val="accent1"/>
-          </a:effectRef>
-          <a:fontRef idx="minor">
-            <a:schemeClr val="lt1"/>
-          </a:fontRef>
-        </p:style>
-        <p:txBody>
-          <a:bodyPr rtlCol="0" anchor="ctr"/>
-          <a:lstStyle/>
-          <a:p>
-            <a:pPr algn="ctr"/>
-            <a:endParaRPr lang="en-US" b="1">
-              <a:ln w="22225">
-                <a:solidFill>
-                  <a:schemeClr val="accent2"/>
-                </a:solidFill>
-                <a:prstDash val="solid"/>
-              </a:ln>
-              <a:solidFill>
-                <a:schemeClr val="accent2">
-                  <a:lumMod val="40000"/>
-                  <a:lumOff val="60000"/>
-                </a:schemeClr>
-              </a:solidFill>
-            </a:endParaRPr>
-          </a:p>
-        </p:txBody>
-      </p:sp>
-    </p:spTree>
-    <p:extLst>
-      <p:ext uri="{BB962C8B-B14F-4D97-AF65-F5344CB8AC3E}">
-        <p14:creationId xmlns:p14="http://schemas.microsoft.com/office/powerpoint/2010/main" val="2320380152"/>
-      </p:ext>
-    </p:extLst>
-  </p:cSld>
-  <p:clrMapOvr>
-    <a:masterClrMapping/>
-  </p:clrMapOvr>
-</p:sld>
-</file>
-
-<file path=ppt/slides/slide40.xml><?xml version="1.0" encoding="utf-8"?>
+<file path=ppt/slides/slide41.xml><?xml version="1.0" encoding="utf-8"?>
 <p:sld xmlns:a="http://schemas.openxmlformats.org/drawingml/2006/main" xmlns:r="http://schemas.openxmlformats.org/officeDocument/2006/relationships" xmlns:p="http://schemas.openxmlformats.org/presentationml/2006/main">
   <p:cSld>
     <p:spTree>
@@ -25549,7 +27582,7 @@
 </p:sld>
 </file>
 
-<file path=ppt/slides/slide41.xml><?xml version="1.0" encoding="utf-8"?>
+<file path=ppt/slides/slide42.xml><?xml version="1.0" encoding="utf-8"?>
 <p:sld xmlns:a="http://schemas.openxmlformats.org/drawingml/2006/main" xmlns:r="http://schemas.openxmlformats.org/officeDocument/2006/relationships" xmlns:p="http://schemas.openxmlformats.org/presentationml/2006/main">
   <p:cSld>
     <p:spTree>
@@ -25736,7 +27769,7 @@
 </p:sld>
 </file>
 
-<file path=ppt/slides/slide42.xml><?xml version="1.0" encoding="utf-8"?>
+<file path=ppt/slides/slide43.xml><?xml version="1.0" encoding="utf-8"?>
 <p:sld xmlns:a="http://schemas.openxmlformats.org/drawingml/2006/main" xmlns:r="http://schemas.openxmlformats.org/officeDocument/2006/relationships" xmlns:p="http://schemas.openxmlformats.org/presentationml/2006/main">
   <p:cSld>
     <p:spTree>
@@ -26467,7 +28500,7 @@
 </p:sld>
 </file>
 
-<file path=ppt/slides/slide43.xml><?xml version="1.0" encoding="utf-8"?>
+<file path=ppt/slides/slide44.xml><?xml version="1.0" encoding="utf-8"?>
 <p:sld xmlns:a="http://schemas.openxmlformats.org/drawingml/2006/main" xmlns:r="http://schemas.openxmlformats.org/officeDocument/2006/relationships" xmlns:p="http://schemas.openxmlformats.org/presentationml/2006/main">
   <p:cSld>
     <p:spTree>
@@ -26556,7 +28589,7 @@
 </p:sld>
 </file>
 
-<file path=ppt/slides/slide44.xml><?xml version="1.0" encoding="utf-8"?>
+<file path=ppt/slides/slide45.xml><?xml version="1.0" encoding="utf-8"?>
 <p:sld xmlns:a="http://schemas.openxmlformats.org/drawingml/2006/main" xmlns:r="http://schemas.openxmlformats.org/officeDocument/2006/relationships" xmlns:p="http://schemas.openxmlformats.org/presentationml/2006/main">
   <p:cSld>
     <p:spTree>
@@ -26722,7 +28755,7 @@
 </p:sld>
 </file>
 
-<file path=ppt/slides/slide45.xml><?xml version="1.0" encoding="utf-8"?>
+<file path=ppt/slides/slide46.xml><?xml version="1.0" encoding="utf-8"?>
 <p:sld xmlns:a="http://schemas.openxmlformats.org/drawingml/2006/main" xmlns:r="http://schemas.openxmlformats.org/officeDocument/2006/relationships" xmlns:p="http://schemas.openxmlformats.org/presentationml/2006/main">
   <p:cSld>
     <p:spTree>
@@ -26988,7 +29021,7 @@
 </p:sld>
 </file>
 
-<file path=ppt/slides/slide46.xml><?xml version="1.0" encoding="utf-8"?>
+<file path=ppt/slides/slide47.xml><?xml version="1.0" encoding="utf-8"?>
 <p:sld xmlns:a="http://schemas.openxmlformats.org/drawingml/2006/main" xmlns:r="http://schemas.openxmlformats.org/officeDocument/2006/relationships" xmlns:p="http://schemas.openxmlformats.org/presentationml/2006/main">
   <p:cSld>
     <p:spTree>
@@ -27151,7 +29184,7 @@
 </p:sld>
 </file>
 
-<file path=ppt/slides/slide47.xml><?xml version="1.0" encoding="utf-8"?>
+<file path=ppt/slides/slide48.xml><?xml version="1.0" encoding="utf-8"?>
 <p:sld xmlns:a="http://schemas.openxmlformats.org/drawingml/2006/main" xmlns:r="http://schemas.openxmlformats.org/officeDocument/2006/relationships" xmlns:p="http://schemas.openxmlformats.org/presentationml/2006/main">
   <p:cSld>
     <p:spTree>
@@ -27418,7 +29451,7 @@
 </p:sld>
 </file>
 
-<file path=ppt/slides/slide48.xml><?xml version="1.0" encoding="utf-8"?>
+<file path=ppt/slides/slide49.xml><?xml version="1.0" encoding="utf-8"?>
 <p:sld xmlns:a="http://schemas.openxmlformats.org/drawingml/2006/main" xmlns:r="http://schemas.openxmlformats.org/officeDocument/2006/relationships" xmlns:p="http://schemas.openxmlformats.org/presentationml/2006/main">
   <p:cSld>
     <p:spTree>
@@ -29608,164 +31641,6 @@
 </p:sld>
 </file>
 
-<file path=ppt/slides/slide49.xml><?xml version="1.0" encoding="utf-8"?>
-<p:sld xmlns:a="http://schemas.openxmlformats.org/drawingml/2006/main" xmlns:r="http://schemas.openxmlformats.org/officeDocument/2006/relationships" xmlns:p="http://schemas.openxmlformats.org/presentationml/2006/main">
-  <p:cSld>
-    <p:spTree>
-      <p:nvGrpSpPr>
-        <p:cNvPr id="1" name="Shape 184"/>
-        <p:cNvGrpSpPr/>
-        <p:nvPr/>
-      </p:nvGrpSpPr>
-      <p:grpSpPr>
-        <a:xfrm>
-          <a:off x="0" y="0"/>
-          <a:ext cx="0" cy="0"/>
-          <a:chOff x="0" y="0"/>
-          <a:chExt cx="0" cy="0"/>
-        </a:xfrm>
-      </p:grpSpPr>
-      <p:sp>
-        <p:nvSpPr>
-          <p:cNvPr id="185" name="Google Shape;185;g32108594268_0_28"/>
-          <p:cNvSpPr txBox="1">
-            <a:spLocks noGrp="1"/>
-          </p:cNvSpPr>
-          <p:nvPr>
-            <p:ph type="title"/>
-          </p:nvPr>
-        </p:nvSpPr>
-        <p:spPr>
-          <a:xfrm>
-            <a:off x="838200" y="365125"/>
-            <a:ext cx="10515600" cy="1325700"/>
-          </a:xfrm>
-          <a:prstGeom prst="rect">
-            <a:avLst/>
-          </a:prstGeom>
-          <a:noFill/>
-          <a:ln>
-            <a:noFill/>
-          </a:ln>
-        </p:spPr>
-        <p:txBody>
-          <a:bodyPr spcFirstLastPara="1" wrap="square" lIns="91425" tIns="45700" rIns="91425" bIns="45700" anchor="ctr" anchorCtr="0">
-            <a:normAutofit/>
-          </a:bodyPr>
-          <a:lstStyle/>
-          <a:p>
-            <a:pPr marL="0" lvl="0" indent="0" algn="l" rtl="0">
-              <a:lnSpc>
-                <a:spcPct val="90000"/>
-              </a:lnSpc>
-              <a:spcBef>
-                <a:spcPts val="0"/>
-              </a:spcBef>
-              <a:spcAft>
-                <a:spcPts val="0"/>
-              </a:spcAft>
-              <a:buClr>
-                <a:schemeClr val="dk1"/>
-              </a:buClr>
-              <a:buSzPts val="4400"/>
-              <a:buFont typeface="Arial"/>
-              <a:buNone/>
-            </a:pPr>
-            <a:r>
-              <a:rPr lang="ko-KR">
-                <a:latin typeface="Arial"/>
-                <a:ea typeface="Arial"/>
-                <a:cs typeface="Arial"/>
-                <a:sym typeface="Arial"/>
-              </a:rPr>
-              <a:t>j. 최적의 컷오프 </a:t>
-            </a:r>
-            <a:endParaRPr>
-              <a:latin typeface="Arial"/>
-              <a:ea typeface="Arial"/>
-              <a:cs typeface="Arial"/>
-              <a:sym typeface="Arial"/>
-            </a:endParaRPr>
-          </a:p>
-        </p:txBody>
-      </p:sp>
-      <p:sp>
-        <p:nvSpPr>
-          <p:cNvPr id="186" name="Google Shape;186;g32108594268_0_28"/>
-          <p:cNvSpPr txBox="1">
-            <a:spLocks noGrp="1"/>
-          </p:cNvSpPr>
-          <p:nvPr>
-            <p:ph type="body" idx="1"/>
-          </p:nvPr>
-        </p:nvSpPr>
-        <p:spPr>
-          <a:xfrm>
-            <a:off x="838200" y="1825625"/>
-            <a:ext cx="10515600" cy="955800"/>
-          </a:xfrm>
-          <a:prstGeom prst="rect">
-            <a:avLst/>
-          </a:prstGeom>
-          <a:noFill/>
-          <a:ln>
-            <a:noFill/>
-          </a:ln>
-        </p:spPr>
-        <p:txBody>
-          <a:bodyPr spcFirstLastPara="1" wrap="square" lIns="91425" tIns="45700" rIns="91425" bIns="45700" anchor="t" anchorCtr="0">
-            <a:normAutofit/>
-          </a:bodyPr>
-          <a:lstStyle/>
-          <a:p>
-            <a:pPr marL="228600" lvl="0" indent="-228600" algn="l" rtl="0">
-              <a:lnSpc>
-                <a:spcPct val="90000"/>
-              </a:lnSpc>
-              <a:spcBef>
-                <a:spcPts val="0"/>
-              </a:spcBef>
-              <a:spcAft>
-                <a:spcPts val="0"/>
-              </a:spcAft>
-              <a:buClr>
-                <a:schemeClr val="dk1"/>
-              </a:buClr>
-              <a:buSzPts val="2800"/>
-              <a:buChar char="•"/>
-            </a:pPr>
-            <a:r>
-              <a:rPr lang="ko-KR"/>
-              <a:t>모델 분석의 주목적이 정확한 분류라고 한다면, 어떤 </a:t>
-            </a:r>
-            <a:r>
-              <a:rPr lang="ko-KR">
-                <a:solidFill>
-                  <a:srgbClr val="4892DC"/>
-                </a:solidFill>
-              </a:rPr>
-              <a:t>컷오프</a:t>
-            </a:r>
-            <a:r>
-              <a:rPr lang="ko-KR"/>
-              <a:t> 값이 사용되어야 하는가?</a:t>
-            </a:r>
-            <a:endParaRPr>
-              <a:solidFill>
-                <a:srgbClr val="4A86E8"/>
-              </a:solidFill>
-            </a:endParaRPr>
-          </a:p>
-        </p:txBody>
-      </p:sp>
-    </p:spTree>
-  </p:cSld>
-  <p:clrMapOvr>
-    <a:masterClrMapping/>
-  </p:clrMapOvr>
-</p:sld>
-</file>
-
 <file path=ppt/slides/slide5.xml><?xml version="1.0" encoding="utf-8"?>
 <p:sld xmlns:a="http://schemas.openxmlformats.org/drawingml/2006/main" xmlns:r="http://schemas.openxmlformats.org/officeDocument/2006/relationships" xmlns:p="http://schemas.openxmlformats.org/presentationml/2006/main">
   <p:cSld>
@@ -30408,6 +32283,164 @@
   <p:cSld>
     <p:spTree>
       <p:nvGrpSpPr>
+        <p:cNvPr id="1" name="Shape 184"/>
+        <p:cNvGrpSpPr/>
+        <p:nvPr/>
+      </p:nvGrpSpPr>
+      <p:grpSpPr>
+        <a:xfrm>
+          <a:off x="0" y="0"/>
+          <a:ext cx="0" cy="0"/>
+          <a:chOff x="0" y="0"/>
+          <a:chExt cx="0" cy="0"/>
+        </a:xfrm>
+      </p:grpSpPr>
+      <p:sp>
+        <p:nvSpPr>
+          <p:cNvPr id="185" name="Google Shape;185;g32108594268_0_28"/>
+          <p:cNvSpPr txBox="1">
+            <a:spLocks noGrp="1"/>
+          </p:cNvSpPr>
+          <p:nvPr>
+            <p:ph type="title"/>
+          </p:nvPr>
+        </p:nvSpPr>
+        <p:spPr>
+          <a:xfrm>
+            <a:off x="838200" y="365125"/>
+            <a:ext cx="10515600" cy="1325700"/>
+          </a:xfrm>
+          <a:prstGeom prst="rect">
+            <a:avLst/>
+          </a:prstGeom>
+          <a:noFill/>
+          <a:ln>
+            <a:noFill/>
+          </a:ln>
+        </p:spPr>
+        <p:txBody>
+          <a:bodyPr spcFirstLastPara="1" wrap="square" lIns="91425" tIns="45700" rIns="91425" bIns="45700" anchor="ctr" anchorCtr="0">
+            <a:normAutofit/>
+          </a:bodyPr>
+          <a:lstStyle/>
+          <a:p>
+            <a:pPr marL="0" lvl="0" indent="0" algn="l" rtl="0">
+              <a:lnSpc>
+                <a:spcPct val="90000"/>
+              </a:lnSpc>
+              <a:spcBef>
+                <a:spcPts val="0"/>
+              </a:spcBef>
+              <a:spcAft>
+                <a:spcPts val="0"/>
+              </a:spcAft>
+              <a:buClr>
+                <a:schemeClr val="dk1"/>
+              </a:buClr>
+              <a:buSzPts val="4400"/>
+              <a:buFont typeface="Arial"/>
+              <a:buNone/>
+            </a:pPr>
+            <a:r>
+              <a:rPr lang="ko-KR">
+                <a:latin typeface="Arial"/>
+                <a:ea typeface="Arial"/>
+                <a:cs typeface="Arial"/>
+                <a:sym typeface="Arial"/>
+              </a:rPr>
+              <a:t>j. 최적의 컷오프 </a:t>
+            </a:r>
+            <a:endParaRPr>
+              <a:latin typeface="Arial"/>
+              <a:ea typeface="Arial"/>
+              <a:cs typeface="Arial"/>
+              <a:sym typeface="Arial"/>
+            </a:endParaRPr>
+          </a:p>
+        </p:txBody>
+      </p:sp>
+      <p:sp>
+        <p:nvSpPr>
+          <p:cNvPr id="186" name="Google Shape;186;g32108594268_0_28"/>
+          <p:cNvSpPr txBox="1">
+            <a:spLocks noGrp="1"/>
+          </p:cNvSpPr>
+          <p:nvPr>
+            <p:ph type="body" idx="1"/>
+          </p:nvPr>
+        </p:nvSpPr>
+        <p:spPr>
+          <a:xfrm>
+            <a:off x="838200" y="1825625"/>
+            <a:ext cx="10515600" cy="955800"/>
+          </a:xfrm>
+          <a:prstGeom prst="rect">
+            <a:avLst/>
+          </a:prstGeom>
+          <a:noFill/>
+          <a:ln>
+            <a:noFill/>
+          </a:ln>
+        </p:spPr>
+        <p:txBody>
+          <a:bodyPr spcFirstLastPara="1" wrap="square" lIns="91425" tIns="45700" rIns="91425" bIns="45700" anchor="t" anchorCtr="0">
+            <a:normAutofit/>
+          </a:bodyPr>
+          <a:lstStyle/>
+          <a:p>
+            <a:pPr marL="228600" lvl="0" indent="-228600" algn="l" rtl="0">
+              <a:lnSpc>
+                <a:spcPct val="90000"/>
+              </a:lnSpc>
+              <a:spcBef>
+                <a:spcPts val="0"/>
+              </a:spcBef>
+              <a:spcAft>
+                <a:spcPts val="0"/>
+              </a:spcAft>
+              <a:buClr>
+                <a:schemeClr val="dk1"/>
+              </a:buClr>
+              <a:buSzPts val="2800"/>
+              <a:buChar char="•"/>
+            </a:pPr>
+            <a:r>
+              <a:rPr lang="ko-KR"/>
+              <a:t>모델 분석의 주목적이 정확한 분류라고 한다면, 어떤 </a:t>
+            </a:r>
+            <a:r>
+              <a:rPr lang="ko-KR">
+                <a:solidFill>
+                  <a:srgbClr val="4892DC"/>
+                </a:solidFill>
+              </a:rPr>
+              <a:t>컷오프</a:t>
+            </a:r>
+            <a:r>
+              <a:rPr lang="ko-KR"/>
+              <a:t> 값이 사용되어야 하는가?</a:t>
+            </a:r>
+            <a:endParaRPr>
+              <a:solidFill>
+                <a:srgbClr val="4A86E8"/>
+              </a:solidFill>
+            </a:endParaRPr>
+          </a:p>
+        </p:txBody>
+      </p:sp>
+    </p:spTree>
+  </p:cSld>
+  <p:clrMapOvr>
+    <a:masterClrMapping/>
+  </p:clrMapOvr>
+</p:sld>
+</file>
+
+<file path=ppt/slides/slide51.xml><?xml version="1.0" encoding="utf-8"?>
+<p:sld xmlns:a="http://schemas.openxmlformats.org/drawingml/2006/main" xmlns:r="http://schemas.openxmlformats.org/officeDocument/2006/relationships" xmlns:p="http://schemas.openxmlformats.org/presentationml/2006/main">
+  <p:cSld>
+    <p:spTree>
+      <p:nvGrpSpPr>
         <p:cNvPr id="1" name="Shape 190"/>
         <p:cNvGrpSpPr/>
         <p:nvPr/>
@@ -30634,7 +32667,7 @@
 </p:sld>
 </file>
 
-<file path=ppt/slides/slide51.xml><?xml version="1.0" encoding="utf-8"?>
+<file path=ppt/slides/slide52.xml><?xml version="1.0" encoding="utf-8"?>
 <p:sld xmlns:a="http://schemas.openxmlformats.org/drawingml/2006/main" xmlns:r="http://schemas.openxmlformats.org/officeDocument/2006/relationships" xmlns:p="http://schemas.openxmlformats.org/presentationml/2006/main">
   <p:cSld>
     <p:spTree>
@@ -30804,7 +32837,7 @@
 </p:sld>
 </file>
 
-<file path=ppt/slides/slide52.xml><?xml version="1.0" encoding="utf-8"?>
+<file path=ppt/slides/slide53.xml><?xml version="1.0" encoding="utf-8"?>
 <p:sld xmlns:a="http://schemas.openxmlformats.org/drawingml/2006/main" xmlns:r="http://schemas.openxmlformats.org/officeDocument/2006/relationships" xmlns:p="http://schemas.openxmlformats.org/presentationml/2006/main">
   <p:cSld>
     <p:spTree>
@@ -30978,7 +33011,7 @@
 </p:sld>
 </file>
 
-<file path=ppt/slides/slide53.xml><?xml version="1.0" encoding="utf-8"?>
+<file path=ppt/slides/slide54.xml><?xml version="1.0" encoding="utf-8"?>
 <p:sld xmlns:a="http://schemas.openxmlformats.org/drawingml/2006/main" xmlns:r="http://schemas.openxmlformats.org/officeDocument/2006/relationships" xmlns:p="http://schemas.openxmlformats.org/presentationml/2006/main">
   <p:cSld>
     <p:spTree>
@@ -31182,7 +33215,7 @@
 </p:sld>
 </file>
 
-<file path=ppt/slides/slide54.xml><?xml version="1.0" encoding="utf-8"?>
+<file path=ppt/slides/slide55.xml><?xml version="1.0" encoding="utf-8"?>
 <p:sld xmlns:a="http://schemas.openxmlformats.org/drawingml/2006/main" xmlns:r="http://schemas.openxmlformats.org/officeDocument/2006/relationships" xmlns:p="http://schemas.openxmlformats.org/presentationml/2006/main">
   <p:cSld>
     <p:spTree>
@@ -31349,7 +33382,7 @@
 </p:sld>
 </file>
 
-<file path=ppt/slides/slide55.xml><?xml version="1.0" encoding="utf-8"?>
+<file path=ppt/slides/slide56.xml><?xml version="1.0" encoding="utf-8"?>
 <p:sld xmlns:a="http://schemas.openxmlformats.org/drawingml/2006/main" xmlns:r="http://schemas.openxmlformats.org/officeDocument/2006/relationships" xmlns:p="http://schemas.openxmlformats.org/presentationml/2006/main">
   <p:cSld>
     <p:spTree>
@@ -31562,7 +33595,7 @@
 </p:sld>
 </file>
 
-<file path=ppt/slides/slide56.xml><?xml version="1.0" encoding="utf-8"?>
+<file path=ppt/slides/slide57.xml><?xml version="1.0" encoding="utf-8"?>
 <p:sld xmlns:a="http://schemas.openxmlformats.org/drawingml/2006/main" xmlns:r="http://schemas.openxmlformats.org/officeDocument/2006/relationships" xmlns:p="http://schemas.openxmlformats.org/presentationml/2006/main">
   <p:cSld>
     <p:spTree>
@@ -31982,7 +34015,7 @@
 </p:sld>
 </file>
 
-<file path=ppt/slides/slide57.xml><?xml version="1.0" encoding="utf-8"?>
+<file path=ppt/slides/slide58.xml><?xml version="1.0" encoding="utf-8"?>
 <p:sld xmlns:a="http://schemas.openxmlformats.org/drawingml/2006/main" xmlns:r="http://schemas.openxmlformats.org/officeDocument/2006/relationships" xmlns:p="http://schemas.openxmlformats.org/presentationml/2006/main">
   <p:cSld>
     <p:spTree>
@@ -33256,12 +35289,36 @@
               </a:rPr>
               <a:t>개의 항목으로 구성</a:t>
             </a:r>
+            <a:endParaRPr lang="en-US" altLang="ko-KR" dirty="0">
+              <a:latin typeface="배달의민족 주아 OTF" panose="02020603020101020101" pitchFamily="18" charset="-127"/>
+              <a:ea typeface="배달의민족 주아 OTF" panose="02020603020101020101" pitchFamily="18" charset="-127"/>
+            </a:endParaRPr>
+          </a:p>
+          <a:p>
+            <a:pPr lvl="2"/>
+            <a:r>
+              <a:rPr lang="ko-KR" altLang="en-US" dirty="0">
+                <a:latin typeface="배달의민족 주아 OTF" panose="02020603020101020101" pitchFamily="18" charset="-127"/>
+                <a:ea typeface="배달의민족 주아 OTF" panose="02020603020101020101" pitchFamily="18" charset="-127"/>
+              </a:rPr>
+              <a:t>항목별 순서가 존재하지 않습니다</a:t>
+            </a:r>
             <a:r>
               <a:rPr lang="en-US" altLang="ko-KR" dirty="0">
                 <a:latin typeface="배달의민족 주아 OTF" panose="02020603020101020101" pitchFamily="18" charset="-127"/>
                 <a:ea typeface="배달의민족 주아 OTF" panose="02020603020101020101" pitchFamily="18" charset="-127"/>
               </a:rPr>
-              <a:t> </a:t>
+              <a:t>.</a:t>
+            </a:r>
+          </a:p>
+          <a:p>
+            <a:pPr lvl="3"/>
+            <a:r>
+              <a:rPr lang="en-US" altLang="ko-KR" dirty="0">
+                <a:latin typeface="배달의민족 주아 OTF" panose="02020603020101020101" pitchFamily="18" charset="-127"/>
+                <a:ea typeface="배달의민족 주아 OTF" panose="02020603020101020101" pitchFamily="18" charset="-127"/>
+              </a:rPr>
+              <a:t>One hot encoding</a:t>
             </a:r>
             <a:br>
               <a:rPr lang="en-US" altLang="ko-KR" dirty="0">
@@ -33298,7 +35355,7 @@
         </p:blipFill>
         <p:spPr>
           <a:xfrm>
-            <a:off x="4898967" y="0"/>
+            <a:off x="5180214" y="91867"/>
             <a:ext cx="6655724" cy="6674265"/>
           </a:xfrm>
           <a:prstGeom prst="rect">
@@ -33631,13 +35688,31 @@
             </a:endParaRPr>
           </a:p>
           <a:p>
-            <a:pPr marL="914400" lvl="2" indent="0">
-              <a:buNone/>
-            </a:pPr>
-            <a:endParaRPr lang="en-US" altLang="ko-KR" dirty="0">
-              <a:latin typeface="배달의민족 주아 OTF" panose="02020603020101020101" pitchFamily="18" charset="-127"/>
-              <a:ea typeface="배달의민족 주아 OTF" panose="02020603020101020101" pitchFamily="18" charset="-127"/>
-            </a:endParaRPr>
+            <a:pPr lvl="2"/>
+            <a:r>
+              <a:rPr lang="ko-KR" altLang="en-US" dirty="0">
+                <a:latin typeface="배달의민족 주아 OTF" panose="02020603020101020101" pitchFamily="18" charset="-127"/>
+                <a:ea typeface="배달의민족 주아 OTF" panose="02020603020101020101" pitchFamily="18" charset="-127"/>
+              </a:rPr>
+              <a:t>항목별 순서가 존재하지 않습니다</a:t>
+            </a:r>
+            <a:r>
+              <a:rPr lang="en-US" altLang="ko-KR" dirty="0">
+                <a:latin typeface="배달의민족 주아 OTF" panose="02020603020101020101" pitchFamily="18" charset="-127"/>
+                <a:ea typeface="배달의민족 주아 OTF" panose="02020603020101020101" pitchFamily="18" charset="-127"/>
+              </a:rPr>
+              <a:t>.</a:t>
+            </a:r>
+          </a:p>
+          <a:p>
+            <a:pPr lvl="3"/>
+            <a:r>
+              <a:rPr lang="en-US" altLang="ko-KR" dirty="0">
+                <a:latin typeface="배달의민족 주아 OTF" panose="02020603020101020101" pitchFamily="18" charset="-127"/>
+                <a:ea typeface="배달의민족 주아 OTF" panose="02020603020101020101" pitchFamily="18" charset="-127"/>
+              </a:rPr>
+              <a:t>One-hot encoding</a:t>
+            </a:r>
           </a:p>
           <a:p>
             <a:pPr marL="914400" lvl="2" indent="0">
